--- a/02_Regions/02_Cumulatives/figures/02_Postzygotics.pptx
+++ b/02_Regions/02_Cumulatives/figures/02_Postzygotics.pptx
@@ -3091,7 +3091,7 @@
           </p:nvSpPr>
           <p:spPr>
             <a:xfrm>
-              <a:off x="585250" y="1683487"/>
+              <a:off x="585250" y="1798578"/>
               <a:ext cx="1871573" cy="0"/>
             </a:xfrm>
             <a:custGeom>
@@ -3134,7 +3134,7 @@
           </p:nvSpPr>
           <p:spPr>
             <a:xfrm>
-              <a:off x="585250" y="1418506"/>
+              <a:off x="585250" y="1510579"/>
               <a:ext cx="1871573" cy="0"/>
             </a:xfrm>
             <a:custGeom>
@@ -3177,7 +3177,7 @@
           </p:nvSpPr>
           <p:spPr>
             <a:xfrm>
-              <a:off x="585250" y="1153526"/>
+              <a:off x="585250" y="1222581"/>
               <a:ext cx="1871573" cy="0"/>
             </a:xfrm>
             <a:custGeom>
@@ -3220,7 +3220,7 @@
           </p:nvSpPr>
           <p:spPr>
             <a:xfrm>
-              <a:off x="585250" y="888546"/>
+              <a:off x="585250" y="934582"/>
               <a:ext cx="1871573" cy="0"/>
             </a:xfrm>
             <a:custGeom>
@@ -3263,7 +3263,7 @@
           </p:nvSpPr>
           <p:spPr>
             <a:xfrm>
-              <a:off x="585250" y="623566"/>
+              <a:off x="585250" y="646584"/>
               <a:ext cx="1871573" cy="0"/>
             </a:xfrm>
             <a:custGeom>
@@ -3349,7 +3349,7 @@
           </p:nvSpPr>
           <p:spPr>
             <a:xfrm>
-              <a:off x="585250" y="1683487"/>
+              <a:off x="585250" y="1510579"/>
               <a:ext cx="1871573" cy="0"/>
             </a:xfrm>
             <a:custGeom>
@@ -3392,24 +3392,24 @@
           </p:nvSpPr>
           <p:spPr>
             <a:xfrm>
-              <a:off x="801201" y="385083"/>
-              <a:ext cx="1439671" cy="1351399"/>
+              <a:off x="801201" y="378169"/>
+              <a:ext cx="1439671" cy="1186553"/>
             </a:xfrm>
             <a:custGeom>
               <a:avLst/>
               <a:pathLst>
-                <a:path w="1439671" h="1351399">
+                <a:path w="1439671" h="1186553">
                   <a:moveTo>
-                    <a:pt x="0" y="1351399"/>
+                    <a:pt x="0" y="1186553"/>
                   </a:moveTo>
                   <a:lnTo>
-                    <a:pt x="359917" y="1254681"/>
-                  </a:lnTo>
-                  <a:lnTo>
-                    <a:pt x="719835" y="1210959"/>
-                  </a:lnTo>
-                  <a:lnTo>
-                    <a:pt x="1079753" y="409394"/>
+                    <a:pt x="359917" y="1096698"/>
+                  </a:lnTo>
+                  <a:lnTo>
+                    <a:pt x="719835" y="1080570"/>
+                  </a:lnTo>
+                  <a:lnTo>
+                    <a:pt x="1079753" y="317950"/>
                   </a:lnTo>
                   <a:lnTo>
                     <a:pt x="1439671" y="0"/>
@@ -3441,27 +3441,27 @@
           </p:nvSpPr>
           <p:spPr>
             <a:xfrm>
-              <a:off x="801201" y="1103180"/>
-              <a:ext cx="1439671" cy="461065"/>
+              <a:off x="801201" y="868919"/>
+              <a:ext cx="1439671" cy="529917"/>
             </a:xfrm>
             <a:custGeom>
               <a:avLst/>
               <a:pathLst>
-                <a:path w="1439671" h="461065">
+                <a:path w="1439671" h="529917">
                   <a:moveTo>
-                    <a:pt x="0" y="455766"/>
+                    <a:pt x="0" y="529917"/>
                   </a:moveTo>
                   <a:lnTo>
-                    <a:pt x="359917" y="461065"/>
-                  </a:lnTo>
-                  <a:lnTo>
-                    <a:pt x="719835" y="412044"/>
-                  </a:lnTo>
-                  <a:lnTo>
-                    <a:pt x="1079753" y="0"/>
-                  </a:lnTo>
-                  <a:lnTo>
-                    <a:pt x="1439671" y="5299"/>
+                    <a:pt x="359917" y="521853"/>
+                  </a:lnTo>
+                  <a:lnTo>
+                    <a:pt x="719835" y="489597"/>
+                  </a:lnTo>
+                  <a:lnTo>
+                    <a:pt x="1079753" y="31103"/>
+                  </a:lnTo>
+                  <a:lnTo>
+                    <a:pt x="1439671" y="0"/>
                   </a:lnTo>
                 </a:path>
               </a:pathLst>
@@ -3490,7 +3490,7 @@
           </p:nvSpPr>
           <p:spPr>
             <a:xfrm>
-              <a:off x="776375" y="1711657"/>
+              <a:off x="776375" y="1539897"/>
               <a:ext cx="49651" cy="49651"/>
             </a:xfrm>
             <a:prstGeom prst="ellipse">
@@ -3525,7 +3525,7 @@
           </p:nvSpPr>
           <p:spPr>
             <a:xfrm>
-              <a:off x="776375" y="1534120"/>
+              <a:off x="776375" y="1374010"/>
               <a:ext cx="49651" cy="49651"/>
             </a:xfrm>
             <a:prstGeom prst="ellipse">
@@ -3560,7 +3560,7 @@
           </p:nvSpPr>
           <p:spPr>
             <a:xfrm>
-              <a:off x="1136293" y="1614939"/>
+              <a:off x="1136293" y="1450042"/>
               <a:ext cx="49651" cy="49651"/>
             </a:xfrm>
             <a:prstGeom prst="ellipse">
@@ -3595,7 +3595,7 @@
           </p:nvSpPr>
           <p:spPr>
             <a:xfrm>
-              <a:off x="1136293" y="1539420"/>
+              <a:off x="1136293" y="1365946"/>
               <a:ext cx="49651" cy="49651"/>
             </a:xfrm>
             <a:prstGeom prst="ellipse">
@@ -3630,7 +3630,7 @@
           </p:nvSpPr>
           <p:spPr>
             <a:xfrm>
-              <a:off x="1496211" y="1571217"/>
+              <a:off x="1496211" y="1433914"/>
               <a:ext cx="49651" cy="49651"/>
             </a:xfrm>
             <a:prstGeom prst="ellipse">
@@ -3665,7 +3665,7 @@
           </p:nvSpPr>
           <p:spPr>
             <a:xfrm>
-              <a:off x="1496211" y="1490398"/>
+              <a:off x="1496211" y="1333690"/>
               <a:ext cx="49651" cy="49651"/>
             </a:xfrm>
             <a:prstGeom prst="ellipse">
@@ -3700,7 +3700,7 @@
           </p:nvSpPr>
           <p:spPr>
             <a:xfrm>
-              <a:off x="1856129" y="769652"/>
+              <a:off x="1856129" y="671294"/>
               <a:ext cx="49651" cy="49651"/>
             </a:xfrm>
             <a:prstGeom prst="ellipse">
@@ -3735,7 +3735,7 @@
           </p:nvSpPr>
           <p:spPr>
             <a:xfrm>
-              <a:off x="1856129" y="1078354"/>
+              <a:off x="1856129" y="875197"/>
               <a:ext cx="49651" cy="49651"/>
             </a:xfrm>
             <a:prstGeom prst="ellipse">
@@ -3770,7 +3770,7 @@
           </p:nvSpPr>
           <p:spPr>
             <a:xfrm>
-              <a:off x="2216047" y="360258"/>
+              <a:off x="2216047" y="353343"/>
               <a:ext cx="49651" cy="49651"/>
             </a:xfrm>
             <a:prstGeom prst="ellipse">
@@ -3805,7 +3805,7 @@
           </p:nvSpPr>
           <p:spPr>
             <a:xfrm>
-              <a:off x="2216047" y="1083654"/>
+              <a:off x="2216047" y="844093"/>
               <a:ext cx="49651" cy="49651"/>
             </a:xfrm>
             <a:prstGeom prst="ellipse">
@@ -3866,7 +3866,7 @@
           </p:nvSpPr>
           <p:spPr>
             <a:xfrm>
-              <a:off x="2526412" y="1683487"/>
+              <a:off x="2526412" y="1798578"/>
               <a:ext cx="1871573" cy="0"/>
             </a:xfrm>
             <a:custGeom>
@@ -3909,7 +3909,7 @@
           </p:nvSpPr>
           <p:spPr>
             <a:xfrm>
-              <a:off x="2526412" y="1418506"/>
+              <a:off x="2526412" y="1510579"/>
               <a:ext cx="1871573" cy="0"/>
             </a:xfrm>
             <a:custGeom>
@@ -3952,7 +3952,7 @@
           </p:nvSpPr>
           <p:spPr>
             <a:xfrm>
-              <a:off x="2526412" y="1153526"/>
+              <a:off x="2526412" y="1222581"/>
               <a:ext cx="1871573" cy="0"/>
             </a:xfrm>
             <a:custGeom>
@@ -3995,7 +3995,7 @@
           </p:nvSpPr>
           <p:spPr>
             <a:xfrm>
-              <a:off x="2526412" y="888546"/>
+              <a:off x="2526412" y="934582"/>
               <a:ext cx="1871573" cy="0"/>
             </a:xfrm>
             <a:custGeom>
@@ -4038,7 +4038,7 @@
           </p:nvSpPr>
           <p:spPr>
             <a:xfrm>
-              <a:off x="2526412" y="623566"/>
+              <a:off x="2526412" y="646584"/>
               <a:ext cx="1871573" cy="0"/>
             </a:xfrm>
             <a:custGeom>
@@ -4124,7 +4124,7 @@
           </p:nvSpPr>
           <p:spPr>
             <a:xfrm>
-              <a:off x="2526412" y="1683487"/>
+              <a:off x="2526412" y="1510579"/>
               <a:ext cx="1871573" cy="0"/>
             </a:xfrm>
             <a:custGeom>
@@ -4167,33 +4167,82 @@
           </p:nvSpPr>
           <p:spPr>
             <a:xfrm>
-              <a:off x="2742363" y="367860"/>
-              <a:ext cx="1439671" cy="384221"/>
+              <a:off x="2742363" y="1443764"/>
+              <a:ext cx="1439671" cy="327166"/>
             </a:xfrm>
             <a:custGeom>
               <a:avLst/>
               <a:pathLst>
-                <a:path w="1439671" h="384221">
+                <a:path w="1439671" h="327166">
                   <a:moveTo>
-                    <a:pt x="0" y="384221"/>
+                    <a:pt x="0" y="120959"/>
                   </a:moveTo>
                   <a:lnTo>
-                    <a:pt x="359917" y="204034"/>
-                  </a:lnTo>
-                  <a:lnTo>
-                    <a:pt x="719835" y="217283"/>
-                  </a:lnTo>
-                  <a:lnTo>
-                    <a:pt x="1079753" y="34447"/>
-                  </a:lnTo>
-                  <a:lnTo>
-                    <a:pt x="1439671" y="0"/>
+                    <a:pt x="359917" y="216574"/>
+                  </a:lnTo>
+                  <a:lnTo>
+                    <a:pt x="719835" y="327166"/>
+                  </a:lnTo>
+                  <a:lnTo>
+                    <a:pt x="1079753" y="0"/>
+                  </a:lnTo>
+                  <a:lnTo>
+                    <a:pt x="1439671" y="210814"/>
                   </a:lnTo>
                 </a:path>
               </a:pathLst>
             </a:custGeom>
             <a:ln w="13550" cap="flat">
               <a:solidFill>
+                <a:srgbClr val="7570B3">
+                  <a:alpha val="100000"/>
+                </a:srgbClr>
+              </a:solidFill>
+              <a:prstDash val="solid"/>
+              <a:round/>
+            </a:ln>
+          </p:spPr>
+          <p:txBody>
+            <a:bodyPr/>
+            <a:lstStyle/>
+            <a:p/>
+          </p:txBody>
+        </p:sp>
+        <p:sp>
+          <p:nvSpPr>
+            <p:cNvPr id="34" name="pl34"/>
+            <p:cNvSpPr/>
+            <p:nvPr/>
+          </p:nvSpPr>
+          <p:spPr>
+            <a:xfrm>
+              <a:off x="2742363" y="365497"/>
+              <a:ext cx="1439671" cy="337534"/>
+            </a:xfrm>
+            <a:custGeom>
+              <a:avLst/>
+              <a:pathLst>
+                <a:path w="1439671" h="337534">
+                  <a:moveTo>
+                    <a:pt x="0" y="337534"/>
+                  </a:moveTo>
+                  <a:lnTo>
+                    <a:pt x="359917" y="178559"/>
+                  </a:lnTo>
+                  <a:lnTo>
+                    <a:pt x="719835" y="194686"/>
+                  </a:lnTo>
+                  <a:lnTo>
+                    <a:pt x="1079753" y="27647"/>
+                  </a:lnTo>
+                  <a:lnTo>
+                    <a:pt x="1439671" y="0"/>
+                  </a:lnTo>
+                </a:path>
+              </a:pathLst>
+            </a:custGeom>
+            <a:ln w="13550" cap="flat">
+              <a:solidFill>
                 <a:srgbClr val="E7298A">
                   <a:alpha val="100000"/>
                 </a:srgbClr>
@@ -4210,13 +4259,48 @@
         </p:sp>
         <p:sp>
           <p:nvSpPr>
-            <p:cNvPr id="34" name="pt34"/>
-            <p:cNvSpPr/>
-            <p:nvPr/>
-          </p:nvSpPr>
-          <p:spPr>
-            <a:xfrm>
-              <a:off x="2717537" y="727255"/>
+            <p:cNvPr id="35" name="pt35"/>
+            <p:cNvSpPr/>
+            <p:nvPr/>
+          </p:nvSpPr>
+          <p:spPr>
+            <a:xfrm>
+              <a:off x="2717537" y="1539897"/>
+              <a:ext cx="49651" cy="49651"/>
+            </a:xfrm>
+            <a:prstGeom prst="ellipse">
+              <a:avLst/>
+            </a:prstGeom>
+            <a:solidFill>
+              <a:srgbClr val="7570B3">
+                <a:alpha val="100000"/>
+              </a:srgbClr>
+            </a:solidFill>
+            <a:ln w="9000" cap="rnd">
+              <a:solidFill>
+                <a:srgbClr val="7570B3">
+                  <a:alpha val="100000"/>
+                </a:srgbClr>
+              </a:solidFill>
+              <a:prstDash val="solid"/>
+              <a:round/>
+            </a:ln>
+          </p:spPr>
+          <p:txBody>
+            <a:bodyPr/>
+            <a:lstStyle/>
+            <a:p/>
+          </p:txBody>
+        </p:sp>
+        <p:sp>
+          <p:nvSpPr>
+            <p:cNvPr id="36" name="pt36"/>
+            <p:cNvSpPr/>
+            <p:nvPr/>
+          </p:nvSpPr>
+          <p:spPr>
+            <a:xfrm>
+              <a:off x="2717537" y="678206"/>
               <a:ext cx="49651" cy="49651"/>
             </a:xfrm>
             <a:prstGeom prst="ellipse">
@@ -4245,13 +4329,48 @@
         </p:sp>
         <p:sp>
           <p:nvSpPr>
-            <p:cNvPr id="35" name="pt35"/>
-            <p:cNvSpPr/>
-            <p:nvPr/>
-          </p:nvSpPr>
-          <p:spPr>
-            <a:xfrm>
-              <a:off x="3077455" y="547069"/>
+            <p:cNvPr id="37" name="pt37"/>
+            <p:cNvSpPr/>
+            <p:nvPr/>
+          </p:nvSpPr>
+          <p:spPr>
+            <a:xfrm>
+              <a:off x="3077455" y="1635513"/>
+              <a:ext cx="49651" cy="49651"/>
+            </a:xfrm>
+            <a:prstGeom prst="ellipse">
+              <a:avLst/>
+            </a:prstGeom>
+            <a:solidFill>
+              <a:srgbClr val="7570B3">
+                <a:alpha val="100000"/>
+              </a:srgbClr>
+            </a:solidFill>
+            <a:ln w="9000" cap="rnd">
+              <a:solidFill>
+                <a:srgbClr val="7570B3">
+                  <a:alpha val="100000"/>
+                </a:srgbClr>
+              </a:solidFill>
+              <a:prstDash val="solid"/>
+              <a:round/>
+            </a:ln>
+          </p:spPr>
+          <p:txBody>
+            <a:bodyPr/>
+            <a:lstStyle/>
+            <a:p/>
+          </p:txBody>
+        </p:sp>
+        <p:sp>
+          <p:nvSpPr>
+            <p:cNvPr id="38" name="pt38"/>
+            <p:cNvSpPr/>
+            <p:nvPr/>
+          </p:nvSpPr>
+          <p:spPr>
+            <a:xfrm>
+              <a:off x="3077455" y="519231"/>
               <a:ext cx="49651" cy="49651"/>
             </a:xfrm>
             <a:prstGeom prst="ellipse">
@@ -4280,13 +4399,48 @@
         </p:sp>
         <p:sp>
           <p:nvSpPr>
-            <p:cNvPr id="36" name="pt36"/>
-            <p:cNvSpPr/>
-            <p:nvPr/>
-          </p:nvSpPr>
-          <p:spPr>
-            <a:xfrm>
-              <a:off x="3437373" y="560318"/>
+            <p:cNvPr id="39" name="pt39"/>
+            <p:cNvSpPr/>
+            <p:nvPr/>
+          </p:nvSpPr>
+          <p:spPr>
+            <a:xfrm>
+              <a:off x="3437373" y="1746104"/>
+              <a:ext cx="49651" cy="49651"/>
+            </a:xfrm>
+            <a:prstGeom prst="ellipse">
+              <a:avLst/>
+            </a:prstGeom>
+            <a:solidFill>
+              <a:srgbClr val="7570B3">
+                <a:alpha val="100000"/>
+              </a:srgbClr>
+            </a:solidFill>
+            <a:ln w="9000" cap="rnd">
+              <a:solidFill>
+                <a:srgbClr val="7570B3">
+                  <a:alpha val="100000"/>
+                </a:srgbClr>
+              </a:solidFill>
+              <a:prstDash val="solid"/>
+              <a:round/>
+            </a:ln>
+          </p:spPr>
+          <p:txBody>
+            <a:bodyPr/>
+            <a:lstStyle/>
+            <a:p/>
+          </p:txBody>
+        </p:sp>
+        <p:sp>
+          <p:nvSpPr>
+            <p:cNvPr id="40" name="pt40"/>
+            <p:cNvSpPr/>
+            <p:nvPr/>
+          </p:nvSpPr>
+          <p:spPr>
+            <a:xfrm>
+              <a:off x="3437373" y="535358"/>
               <a:ext cx="49651" cy="49651"/>
             </a:xfrm>
             <a:prstGeom prst="ellipse">
@@ -4315,13 +4469,48 @@
         </p:sp>
         <p:sp>
           <p:nvSpPr>
-            <p:cNvPr id="37" name="pt37"/>
-            <p:cNvSpPr/>
-            <p:nvPr/>
-          </p:nvSpPr>
-          <p:spPr>
-            <a:xfrm>
-              <a:off x="3797291" y="377481"/>
+            <p:cNvPr id="41" name="pt41"/>
+            <p:cNvSpPr/>
+            <p:nvPr/>
+          </p:nvSpPr>
+          <p:spPr>
+            <a:xfrm>
+              <a:off x="3797291" y="1418938"/>
+              <a:ext cx="49651" cy="49651"/>
+            </a:xfrm>
+            <a:prstGeom prst="ellipse">
+              <a:avLst/>
+            </a:prstGeom>
+            <a:solidFill>
+              <a:srgbClr val="7570B3">
+                <a:alpha val="100000"/>
+              </a:srgbClr>
+            </a:solidFill>
+            <a:ln w="9000" cap="rnd">
+              <a:solidFill>
+                <a:srgbClr val="7570B3">
+                  <a:alpha val="100000"/>
+                </a:srgbClr>
+              </a:solidFill>
+              <a:prstDash val="solid"/>
+              <a:round/>
+            </a:ln>
+          </p:spPr>
+          <p:txBody>
+            <a:bodyPr/>
+            <a:lstStyle/>
+            <a:p/>
+          </p:txBody>
+        </p:sp>
+        <p:sp>
+          <p:nvSpPr>
+            <p:cNvPr id="42" name="pt42"/>
+            <p:cNvSpPr/>
+            <p:nvPr/>
+          </p:nvSpPr>
+          <p:spPr>
+            <a:xfrm>
+              <a:off x="3797291" y="368319"/>
               <a:ext cx="49651" cy="49651"/>
             </a:xfrm>
             <a:prstGeom prst="ellipse">
@@ -4350,13 +4539,48 @@
         </p:sp>
         <p:sp>
           <p:nvSpPr>
-            <p:cNvPr id="38" name="pt38"/>
-            <p:cNvSpPr/>
-            <p:nvPr/>
-          </p:nvSpPr>
-          <p:spPr>
-            <a:xfrm>
-              <a:off x="4157209" y="343034"/>
+            <p:cNvPr id="43" name="pt43"/>
+            <p:cNvSpPr/>
+            <p:nvPr/>
+          </p:nvSpPr>
+          <p:spPr>
+            <a:xfrm>
+              <a:off x="4157209" y="1629753"/>
+              <a:ext cx="49651" cy="49651"/>
+            </a:xfrm>
+            <a:prstGeom prst="ellipse">
+              <a:avLst/>
+            </a:prstGeom>
+            <a:solidFill>
+              <a:srgbClr val="7570B3">
+                <a:alpha val="100000"/>
+              </a:srgbClr>
+            </a:solidFill>
+            <a:ln w="9000" cap="rnd">
+              <a:solidFill>
+                <a:srgbClr val="7570B3">
+                  <a:alpha val="100000"/>
+                </a:srgbClr>
+              </a:solidFill>
+              <a:prstDash val="solid"/>
+              <a:round/>
+            </a:ln>
+          </p:spPr>
+          <p:txBody>
+            <a:bodyPr/>
+            <a:lstStyle/>
+            <a:p/>
+          </p:txBody>
+        </p:sp>
+        <p:sp>
+          <p:nvSpPr>
+            <p:cNvPr id="44" name="pt44"/>
+            <p:cNvSpPr/>
+            <p:nvPr/>
+          </p:nvSpPr>
+          <p:spPr>
+            <a:xfrm>
+              <a:off x="4157209" y="340671"/>
               <a:ext cx="49651" cy="49651"/>
             </a:xfrm>
             <a:prstGeom prst="ellipse">
@@ -4385,7 +4609,7 @@
         </p:sp>
         <p:sp>
           <p:nvSpPr>
-            <p:cNvPr id="39" name="rc39"/>
+            <p:cNvPr id="45" name="rc45"/>
             <p:cNvSpPr/>
             <p:nvPr/>
           </p:nvSpPr>
@@ -4411,13 +4635,13 @@
         </p:sp>
         <p:sp>
           <p:nvSpPr>
-            <p:cNvPr id="40" name="pl40"/>
-            <p:cNvSpPr/>
-            <p:nvPr/>
-          </p:nvSpPr>
-          <p:spPr>
-            <a:xfrm>
-              <a:off x="4467575" y="1683487"/>
+            <p:cNvPr id="46" name="pl46"/>
+            <p:cNvSpPr/>
+            <p:nvPr/>
+          </p:nvSpPr>
+          <p:spPr>
+            <a:xfrm>
+              <a:off x="4467575" y="1798578"/>
               <a:ext cx="1871573" cy="0"/>
             </a:xfrm>
             <a:custGeom>
@@ -4454,13 +4678,13 @@
         </p:sp>
         <p:sp>
           <p:nvSpPr>
-            <p:cNvPr id="41" name="pl41"/>
-            <p:cNvSpPr/>
-            <p:nvPr/>
-          </p:nvSpPr>
-          <p:spPr>
-            <a:xfrm>
-              <a:off x="4467575" y="1418506"/>
+            <p:cNvPr id="47" name="pl47"/>
+            <p:cNvSpPr/>
+            <p:nvPr/>
+          </p:nvSpPr>
+          <p:spPr>
+            <a:xfrm>
+              <a:off x="4467575" y="1510579"/>
               <a:ext cx="1871573" cy="0"/>
             </a:xfrm>
             <a:custGeom>
@@ -4497,13 +4721,13 @@
         </p:sp>
         <p:sp>
           <p:nvSpPr>
-            <p:cNvPr id="42" name="pl42"/>
-            <p:cNvSpPr/>
-            <p:nvPr/>
-          </p:nvSpPr>
-          <p:spPr>
-            <a:xfrm>
-              <a:off x="4467575" y="1153526"/>
+            <p:cNvPr id="48" name="pl48"/>
+            <p:cNvSpPr/>
+            <p:nvPr/>
+          </p:nvSpPr>
+          <p:spPr>
+            <a:xfrm>
+              <a:off x="4467575" y="1222581"/>
               <a:ext cx="1871573" cy="0"/>
             </a:xfrm>
             <a:custGeom>
@@ -4540,13 +4764,13 @@
         </p:sp>
         <p:sp>
           <p:nvSpPr>
-            <p:cNvPr id="43" name="pl43"/>
-            <p:cNvSpPr/>
-            <p:nvPr/>
-          </p:nvSpPr>
-          <p:spPr>
-            <a:xfrm>
-              <a:off x="4467575" y="888546"/>
+            <p:cNvPr id="49" name="pl49"/>
+            <p:cNvSpPr/>
+            <p:nvPr/>
+          </p:nvSpPr>
+          <p:spPr>
+            <a:xfrm>
+              <a:off x="4467575" y="934582"/>
               <a:ext cx="1871573" cy="0"/>
             </a:xfrm>
             <a:custGeom>
@@ -4583,13 +4807,13 @@
         </p:sp>
         <p:sp>
           <p:nvSpPr>
-            <p:cNvPr id="44" name="pl44"/>
-            <p:cNvSpPr/>
-            <p:nvPr/>
-          </p:nvSpPr>
-          <p:spPr>
-            <a:xfrm>
-              <a:off x="4467575" y="623566"/>
+            <p:cNvPr id="50" name="pl50"/>
+            <p:cNvSpPr/>
+            <p:nvPr/>
+          </p:nvSpPr>
+          <p:spPr>
+            <a:xfrm>
+              <a:off x="4467575" y="646584"/>
               <a:ext cx="1871573" cy="0"/>
             </a:xfrm>
             <a:custGeom>
@@ -4626,7 +4850,7 @@
         </p:sp>
         <p:sp>
           <p:nvSpPr>
-            <p:cNvPr id="45" name="pl45"/>
+            <p:cNvPr id="51" name="pl51"/>
             <p:cNvSpPr/>
             <p:nvPr/>
           </p:nvSpPr>
@@ -4669,13 +4893,13 @@
         </p:sp>
         <p:sp>
           <p:nvSpPr>
-            <p:cNvPr id="46" name="pl46"/>
-            <p:cNvSpPr/>
-            <p:nvPr/>
-          </p:nvSpPr>
-          <p:spPr>
-            <a:xfrm>
-              <a:off x="4467575" y="1683487"/>
+            <p:cNvPr id="52" name="pl52"/>
+            <p:cNvSpPr/>
+            <p:nvPr/>
+          </p:nvSpPr>
+          <p:spPr>
+            <a:xfrm>
+              <a:off x="4467575" y="1510579"/>
               <a:ext cx="1871573" cy="0"/>
             </a:xfrm>
             <a:custGeom>
@@ -4712,30 +4936,30 @@
         </p:sp>
         <p:sp>
           <p:nvSpPr>
-            <p:cNvPr id="47" name="pl47"/>
+            <p:cNvPr id="53" name="pl53"/>
             <p:cNvSpPr/>
             <p:nvPr/>
           </p:nvSpPr>
           <p:spPr>
             <a:xfrm>
               <a:off x="4683526" y="358585"/>
-              <a:ext cx="1439671" cy="1412344"/>
+              <a:ext cx="1439671" cy="1229177"/>
             </a:xfrm>
             <a:custGeom>
               <a:avLst/>
               <a:pathLst>
-                <a:path w="1439671" h="1412344">
+                <a:path w="1439671" h="1229177">
                   <a:moveTo>
-                    <a:pt x="0" y="1377897"/>
+                    <a:pt x="0" y="1206137"/>
                   </a:moveTo>
                   <a:lnTo>
-                    <a:pt x="359917" y="1412344"/>
-                  </a:lnTo>
-                  <a:lnTo>
-                    <a:pt x="719835" y="1241432"/>
-                  </a:lnTo>
-                  <a:lnTo>
-                    <a:pt x="1079753" y="67569"/>
+                    <a:pt x="359917" y="1229177"/>
+                  </a:lnTo>
+                  <a:lnTo>
+                    <a:pt x="719835" y="1103610"/>
+                  </a:lnTo>
+                  <a:lnTo>
+                    <a:pt x="1079753" y="52991"/>
                   </a:lnTo>
                   <a:lnTo>
                     <a:pt x="1439671" y="0"/>
@@ -4761,30 +4985,30 @@
         </p:sp>
         <p:sp>
           <p:nvSpPr>
-            <p:cNvPr id="48" name="pl48"/>
-            <p:cNvSpPr/>
-            <p:nvPr/>
-          </p:nvSpPr>
-          <p:spPr>
-            <a:xfrm>
-              <a:off x="4683526" y="579844"/>
-              <a:ext cx="1439671" cy="437217"/>
+            <p:cNvPr id="54" name="pl54"/>
+            <p:cNvSpPr/>
+            <p:nvPr/>
+          </p:nvSpPr>
+          <p:spPr>
+            <a:xfrm>
+              <a:off x="4683526" y="516409"/>
+              <a:ext cx="1439671" cy="405501"/>
             </a:xfrm>
             <a:custGeom>
               <a:avLst/>
               <a:pathLst>
-                <a:path w="1439671" h="437217">
+                <a:path w="1439671" h="405501">
                   <a:moveTo>
-                    <a:pt x="0" y="437217"/>
+                    <a:pt x="0" y="405501"/>
                   </a:moveTo>
                   <a:lnTo>
-                    <a:pt x="359917" y="429267"/>
-                  </a:lnTo>
-                  <a:lnTo>
-                    <a:pt x="719835" y="397470"/>
-                  </a:lnTo>
-                  <a:lnTo>
-                    <a:pt x="1079753" y="96717"/>
+                    <a:pt x="359917" y="391677"/>
+                  </a:lnTo>
+                  <a:lnTo>
+                    <a:pt x="719835" y="376702"/>
+                  </a:lnTo>
+                  <a:lnTo>
+                    <a:pt x="1079753" y="80639"/>
                   </a:lnTo>
                   <a:lnTo>
                     <a:pt x="1439671" y="0"/>
@@ -4810,13 +5034,13 @@
         </p:sp>
         <p:sp>
           <p:nvSpPr>
-            <p:cNvPr id="49" name="pt49"/>
-            <p:cNvSpPr/>
-            <p:nvPr/>
-          </p:nvSpPr>
-          <p:spPr>
-            <a:xfrm>
-              <a:off x="4658700" y="1711657"/>
+            <p:cNvPr id="55" name="pt55"/>
+            <p:cNvSpPr/>
+            <p:nvPr/>
+          </p:nvSpPr>
+          <p:spPr>
+            <a:xfrm>
+              <a:off x="4658700" y="1539897"/>
               <a:ext cx="49651" cy="49651"/>
             </a:xfrm>
             <a:prstGeom prst="ellipse">
@@ -4845,13 +5069,13 @@
         </p:sp>
         <p:sp>
           <p:nvSpPr>
-            <p:cNvPr id="50" name="pt50"/>
-            <p:cNvSpPr/>
-            <p:nvPr/>
-          </p:nvSpPr>
-          <p:spPr>
-            <a:xfrm>
-              <a:off x="4658700" y="992235"/>
+            <p:cNvPr id="56" name="pt56"/>
+            <p:cNvSpPr/>
+            <p:nvPr/>
+          </p:nvSpPr>
+          <p:spPr>
+            <a:xfrm>
+              <a:off x="4658700" y="897085"/>
               <a:ext cx="49651" cy="49651"/>
             </a:xfrm>
             <a:prstGeom prst="ellipse">
@@ -4880,13 +5104,13 @@
         </p:sp>
         <p:sp>
           <p:nvSpPr>
-            <p:cNvPr id="51" name="pt51"/>
-            <p:cNvSpPr/>
-            <p:nvPr/>
-          </p:nvSpPr>
-          <p:spPr>
-            <a:xfrm>
-              <a:off x="5018618" y="1746104"/>
+            <p:cNvPr id="57" name="pt57"/>
+            <p:cNvSpPr/>
+            <p:nvPr/>
+          </p:nvSpPr>
+          <p:spPr>
+            <a:xfrm>
+              <a:off x="5018618" y="1562937"/>
               <a:ext cx="49651" cy="49651"/>
             </a:xfrm>
             <a:prstGeom prst="ellipse">
@@ -4915,13 +5139,13 @@
         </p:sp>
         <p:sp>
           <p:nvSpPr>
-            <p:cNvPr id="52" name="pt52"/>
-            <p:cNvSpPr/>
-            <p:nvPr/>
-          </p:nvSpPr>
-          <p:spPr>
-            <a:xfrm>
-              <a:off x="5018618" y="984286"/>
+            <p:cNvPr id="58" name="pt58"/>
+            <p:cNvSpPr/>
+            <p:nvPr/>
+          </p:nvSpPr>
+          <p:spPr>
+            <a:xfrm>
+              <a:off x="5018618" y="883261"/>
               <a:ext cx="49651" cy="49651"/>
             </a:xfrm>
             <a:prstGeom prst="ellipse">
@@ -4950,13 +5174,13 @@
         </p:sp>
         <p:sp>
           <p:nvSpPr>
-            <p:cNvPr id="53" name="pt53"/>
-            <p:cNvSpPr/>
-            <p:nvPr/>
-          </p:nvSpPr>
-          <p:spPr>
-            <a:xfrm>
-              <a:off x="5378536" y="1575192"/>
+            <p:cNvPr id="59" name="pt59"/>
+            <p:cNvSpPr/>
+            <p:nvPr/>
+          </p:nvSpPr>
+          <p:spPr>
+            <a:xfrm>
+              <a:off x="5378536" y="1437370"/>
               <a:ext cx="49651" cy="49651"/>
             </a:xfrm>
             <a:prstGeom prst="ellipse">
@@ -4985,13 +5209,13 @@
         </p:sp>
         <p:sp>
           <p:nvSpPr>
-            <p:cNvPr id="54" name="pt54"/>
-            <p:cNvSpPr/>
-            <p:nvPr/>
-          </p:nvSpPr>
-          <p:spPr>
-            <a:xfrm>
-              <a:off x="5378536" y="952488"/>
+            <p:cNvPr id="60" name="pt60"/>
+            <p:cNvSpPr/>
+            <p:nvPr/>
+          </p:nvSpPr>
+          <p:spPr>
+            <a:xfrm>
+              <a:off x="5378536" y="868285"/>
               <a:ext cx="49651" cy="49651"/>
             </a:xfrm>
             <a:prstGeom prst="ellipse">
@@ -5020,13 +5244,13 @@
         </p:sp>
         <p:sp>
           <p:nvSpPr>
-            <p:cNvPr id="55" name="pt55"/>
-            <p:cNvSpPr/>
-            <p:nvPr/>
-          </p:nvSpPr>
-          <p:spPr>
-            <a:xfrm>
-              <a:off x="5738454" y="401329"/>
+            <p:cNvPr id="61" name="pt61"/>
+            <p:cNvSpPr/>
+            <p:nvPr/>
+          </p:nvSpPr>
+          <p:spPr>
+            <a:xfrm>
+              <a:off x="5738454" y="386751"/>
               <a:ext cx="49651" cy="49651"/>
             </a:xfrm>
             <a:prstGeom prst="ellipse">
@@ -5055,13 +5279,13 @@
         </p:sp>
         <p:sp>
           <p:nvSpPr>
-            <p:cNvPr id="56" name="pt56"/>
-            <p:cNvSpPr/>
-            <p:nvPr/>
-          </p:nvSpPr>
-          <p:spPr>
-            <a:xfrm>
-              <a:off x="5738454" y="651736"/>
+            <p:cNvPr id="62" name="pt62"/>
+            <p:cNvSpPr/>
+            <p:nvPr/>
+          </p:nvSpPr>
+          <p:spPr>
+            <a:xfrm>
+              <a:off x="5738454" y="572222"/>
               <a:ext cx="49651" cy="49651"/>
             </a:xfrm>
             <a:prstGeom prst="ellipse">
@@ -5090,7 +5314,7 @@
         </p:sp>
         <p:sp>
           <p:nvSpPr>
-            <p:cNvPr id="57" name="pt57"/>
+            <p:cNvPr id="63" name="pt63"/>
             <p:cNvSpPr/>
             <p:nvPr/>
           </p:nvSpPr>
@@ -5125,13 +5349,13 @@
         </p:sp>
         <p:sp>
           <p:nvSpPr>
-            <p:cNvPr id="58" name="pt58"/>
-            <p:cNvSpPr/>
-            <p:nvPr/>
-          </p:nvSpPr>
-          <p:spPr>
-            <a:xfrm>
-              <a:off x="6098372" y="555018"/>
+            <p:cNvPr id="64" name="pt64"/>
+            <p:cNvSpPr/>
+            <p:nvPr/>
+          </p:nvSpPr>
+          <p:spPr>
+            <a:xfrm>
+              <a:off x="6098372" y="491583"/>
               <a:ext cx="49651" cy="49651"/>
             </a:xfrm>
             <a:prstGeom prst="ellipse">
@@ -5160,7 +5384,7 @@
         </p:sp>
         <p:sp>
           <p:nvSpPr>
-            <p:cNvPr id="59" name="rc59"/>
+            <p:cNvPr id="65" name="rc65"/>
             <p:cNvSpPr/>
             <p:nvPr/>
           </p:nvSpPr>
@@ -5186,13 +5410,13 @@
         </p:sp>
         <p:sp>
           <p:nvSpPr>
-            <p:cNvPr id="60" name="pl60"/>
-            <p:cNvSpPr/>
-            <p:nvPr/>
-          </p:nvSpPr>
-          <p:spPr>
-            <a:xfrm>
-              <a:off x="585250" y="3525034"/>
+            <p:cNvPr id="66" name="pl66"/>
+            <p:cNvSpPr/>
+            <p:nvPr/>
+          </p:nvSpPr>
+          <p:spPr>
+            <a:xfrm>
+              <a:off x="585250" y="3640126"/>
               <a:ext cx="1871573" cy="0"/>
             </a:xfrm>
             <a:custGeom>
@@ -5229,13 +5453,13 @@
         </p:sp>
         <p:sp>
           <p:nvSpPr>
-            <p:cNvPr id="61" name="pl61"/>
-            <p:cNvSpPr/>
-            <p:nvPr/>
-          </p:nvSpPr>
-          <p:spPr>
-            <a:xfrm>
-              <a:off x="585250" y="3260054"/>
+            <p:cNvPr id="67" name="pl67"/>
+            <p:cNvSpPr/>
+            <p:nvPr/>
+          </p:nvSpPr>
+          <p:spPr>
+            <a:xfrm>
+              <a:off x="585250" y="3352127"/>
               <a:ext cx="1871573" cy="0"/>
             </a:xfrm>
             <a:custGeom>
@@ -5272,13 +5496,13 @@
         </p:sp>
         <p:sp>
           <p:nvSpPr>
-            <p:cNvPr id="62" name="pl62"/>
-            <p:cNvSpPr/>
-            <p:nvPr/>
-          </p:nvSpPr>
-          <p:spPr>
-            <a:xfrm>
-              <a:off x="585250" y="2995074"/>
+            <p:cNvPr id="68" name="pl68"/>
+            <p:cNvSpPr/>
+            <p:nvPr/>
+          </p:nvSpPr>
+          <p:spPr>
+            <a:xfrm>
+              <a:off x="585250" y="3064129"/>
               <a:ext cx="1871573" cy="0"/>
             </a:xfrm>
             <a:custGeom>
@@ -5315,13 +5539,13 @@
         </p:sp>
         <p:sp>
           <p:nvSpPr>
-            <p:cNvPr id="63" name="pl63"/>
-            <p:cNvSpPr/>
-            <p:nvPr/>
-          </p:nvSpPr>
-          <p:spPr>
-            <a:xfrm>
-              <a:off x="585250" y="2730094"/>
+            <p:cNvPr id="69" name="pl69"/>
+            <p:cNvSpPr/>
+            <p:nvPr/>
+          </p:nvSpPr>
+          <p:spPr>
+            <a:xfrm>
+              <a:off x="585250" y="2776130"/>
               <a:ext cx="1871573" cy="0"/>
             </a:xfrm>
             <a:custGeom>
@@ -5358,13 +5582,13 @@
         </p:sp>
         <p:sp>
           <p:nvSpPr>
-            <p:cNvPr id="64" name="pl64"/>
-            <p:cNvSpPr/>
-            <p:nvPr/>
-          </p:nvSpPr>
-          <p:spPr>
-            <a:xfrm>
-              <a:off x="585250" y="2465114"/>
+            <p:cNvPr id="70" name="pl70"/>
+            <p:cNvSpPr/>
+            <p:nvPr/>
+          </p:nvSpPr>
+          <p:spPr>
+            <a:xfrm>
+              <a:off x="585250" y="2488132"/>
               <a:ext cx="1871573" cy="0"/>
             </a:xfrm>
             <a:custGeom>
@@ -5401,7 +5625,7 @@
         </p:sp>
         <p:sp>
           <p:nvSpPr>
-            <p:cNvPr id="65" name="pl65"/>
+            <p:cNvPr id="71" name="pl71"/>
             <p:cNvSpPr/>
             <p:nvPr/>
           </p:nvSpPr>
@@ -5444,13 +5668,13 @@
         </p:sp>
         <p:sp>
           <p:nvSpPr>
-            <p:cNvPr id="66" name="pl66"/>
-            <p:cNvSpPr/>
-            <p:nvPr/>
-          </p:nvSpPr>
-          <p:spPr>
-            <a:xfrm>
-              <a:off x="585250" y="3525034"/>
+            <p:cNvPr id="72" name="pl72"/>
+            <p:cNvSpPr/>
+            <p:nvPr/>
+          </p:nvSpPr>
+          <p:spPr>
+            <a:xfrm>
+              <a:off x="585250" y="3352127"/>
               <a:ext cx="1871573" cy="0"/>
             </a:xfrm>
             <a:custGeom>
@@ -5487,30 +5711,30 @@
         </p:sp>
         <p:sp>
           <p:nvSpPr>
-            <p:cNvPr id="67" name="pl67"/>
+            <p:cNvPr id="73" name="pl73"/>
             <p:cNvSpPr/>
             <p:nvPr/>
           </p:nvSpPr>
           <p:spPr>
             <a:xfrm>
               <a:off x="801201" y="2200133"/>
-              <a:ext cx="1439671" cy="1122191"/>
+              <a:ext cx="1439671" cy="976890"/>
             </a:xfrm>
             <a:custGeom>
               <a:avLst/>
               <a:pathLst>
-                <a:path w="1439671" h="1122191">
+                <a:path w="1439671" h="976890">
                   <a:moveTo>
-                    <a:pt x="0" y="1033422"/>
+                    <a:pt x="0" y="904315"/>
                   </a:moveTo>
                   <a:lnTo>
-                    <a:pt x="359917" y="1122191"/>
-                  </a:lnTo>
-                  <a:lnTo>
-                    <a:pt x="719835" y="744594"/>
-                  </a:lnTo>
-                  <a:lnTo>
-                    <a:pt x="1079753" y="70219"/>
+                    <a:pt x="359917" y="976890"/>
+                  </a:lnTo>
+                  <a:lnTo>
+                    <a:pt x="719835" y="662396"/>
+                  </a:lnTo>
+                  <a:lnTo>
+                    <a:pt x="1079753" y="54143"/>
                   </a:lnTo>
                   <a:lnTo>
                     <a:pt x="1439671" y="0"/>
@@ -5536,30 +5760,30 @@
         </p:sp>
         <p:sp>
           <p:nvSpPr>
-            <p:cNvPr id="68" name="pl68"/>
-            <p:cNvSpPr/>
-            <p:nvPr/>
-          </p:nvSpPr>
-          <p:spPr>
-            <a:xfrm>
-              <a:off x="801201" y="2288902"/>
-              <a:ext cx="1439671" cy="390845"/>
+            <p:cNvPr id="74" name="pl74"/>
+            <p:cNvSpPr/>
+            <p:nvPr/>
+          </p:nvSpPr>
+          <p:spPr>
+            <a:xfrm>
+              <a:off x="801201" y="2246213"/>
+              <a:ext cx="1439671" cy="373246"/>
             </a:xfrm>
             <a:custGeom>
               <a:avLst/>
               <a:pathLst>
-                <a:path w="1439671" h="390845">
+                <a:path w="1439671" h="373246">
                   <a:moveTo>
-                    <a:pt x="0" y="390845"/>
+                    <a:pt x="0" y="373246"/>
                   </a:moveTo>
                   <a:lnTo>
-                    <a:pt x="359917" y="170912"/>
-                  </a:lnTo>
-                  <a:lnTo>
-                    <a:pt x="719835" y="188135"/>
-                  </a:lnTo>
-                  <a:lnTo>
-                    <a:pt x="1079753" y="64920"/>
+                    <a:pt x="359917" y="180863"/>
+                  </a:lnTo>
+                  <a:lnTo>
+                    <a:pt x="719835" y="199294"/>
+                  </a:lnTo>
+                  <a:lnTo>
+                    <a:pt x="1079753" y="43775"/>
                   </a:lnTo>
                   <a:lnTo>
                     <a:pt x="1439671" y="0"/>
@@ -5585,13 +5809,13 @@
         </p:sp>
         <p:sp>
           <p:nvSpPr>
-            <p:cNvPr id="69" name="pt69"/>
-            <p:cNvSpPr/>
-            <p:nvPr/>
-          </p:nvSpPr>
-          <p:spPr>
-            <a:xfrm>
-              <a:off x="776375" y="3208730"/>
+            <p:cNvPr id="75" name="pt75"/>
+            <p:cNvSpPr/>
+            <p:nvPr/>
+          </p:nvSpPr>
+          <p:spPr>
+            <a:xfrm>
+              <a:off x="776375" y="3079623"/>
               <a:ext cx="49651" cy="49651"/>
             </a:xfrm>
             <a:prstGeom prst="ellipse">
@@ -5620,13 +5844,13 @@
         </p:sp>
         <p:sp>
           <p:nvSpPr>
-            <p:cNvPr id="70" name="pt70"/>
-            <p:cNvSpPr/>
-            <p:nvPr/>
-          </p:nvSpPr>
-          <p:spPr>
-            <a:xfrm>
-              <a:off x="776375" y="2654922"/>
+            <p:cNvPr id="76" name="pt76"/>
+            <p:cNvSpPr/>
+            <p:nvPr/>
+          </p:nvSpPr>
+          <p:spPr>
+            <a:xfrm>
+              <a:off x="776375" y="2594633"/>
               <a:ext cx="49651" cy="49651"/>
             </a:xfrm>
             <a:prstGeom prst="ellipse">
@@ -5655,13 +5879,13 @@
         </p:sp>
         <p:sp>
           <p:nvSpPr>
-            <p:cNvPr id="71" name="pt71"/>
-            <p:cNvSpPr/>
-            <p:nvPr/>
-          </p:nvSpPr>
-          <p:spPr>
-            <a:xfrm>
-              <a:off x="1136293" y="3297499"/>
+            <p:cNvPr id="77" name="pt77"/>
+            <p:cNvSpPr/>
+            <p:nvPr/>
+          </p:nvSpPr>
+          <p:spPr>
+            <a:xfrm>
+              <a:off x="1136293" y="3152198"/>
               <a:ext cx="49651" cy="49651"/>
             </a:xfrm>
             <a:prstGeom prst="ellipse">
@@ -5690,13 +5914,13 @@
         </p:sp>
         <p:sp>
           <p:nvSpPr>
-            <p:cNvPr id="72" name="pt72"/>
-            <p:cNvSpPr/>
-            <p:nvPr/>
-          </p:nvSpPr>
-          <p:spPr>
-            <a:xfrm>
-              <a:off x="1136293" y="2434988"/>
+            <p:cNvPr id="78" name="pt78"/>
+            <p:cNvSpPr/>
+            <p:nvPr/>
+          </p:nvSpPr>
+          <p:spPr>
+            <a:xfrm>
+              <a:off x="1136293" y="2402250"/>
               <a:ext cx="49651" cy="49651"/>
             </a:xfrm>
             <a:prstGeom prst="ellipse">
@@ -5725,13 +5949,13 @@
         </p:sp>
         <p:sp>
           <p:nvSpPr>
-            <p:cNvPr id="73" name="pt73"/>
-            <p:cNvSpPr/>
-            <p:nvPr/>
-          </p:nvSpPr>
-          <p:spPr>
-            <a:xfrm>
-              <a:off x="1496211" y="2919902"/>
+            <p:cNvPr id="79" name="pt79"/>
+            <p:cNvSpPr/>
+            <p:nvPr/>
+          </p:nvSpPr>
+          <p:spPr>
+            <a:xfrm>
+              <a:off x="1496211" y="2837704"/>
               <a:ext cx="49651" cy="49651"/>
             </a:xfrm>
             <a:prstGeom prst="ellipse">
@@ -5760,13 +5984,13 @@
         </p:sp>
         <p:sp>
           <p:nvSpPr>
-            <p:cNvPr id="74" name="pt74"/>
-            <p:cNvSpPr/>
-            <p:nvPr/>
-          </p:nvSpPr>
-          <p:spPr>
-            <a:xfrm>
-              <a:off x="1496211" y="2452212"/>
+            <p:cNvPr id="80" name="pt80"/>
+            <p:cNvSpPr/>
+            <p:nvPr/>
+          </p:nvSpPr>
+          <p:spPr>
+            <a:xfrm>
+              <a:off x="1496211" y="2420682"/>
               <a:ext cx="49651" cy="49651"/>
             </a:xfrm>
             <a:prstGeom prst="ellipse">
@@ -5795,13 +6019,13 @@
         </p:sp>
         <p:sp>
           <p:nvSpPr>
-            <p:cNvPr id="75" name="pt75"/>
-            <p:cNvSpPr/>
-            <p:nvPr/>
-          </p:nvSpPr>
-          <p:spPr>
-            <a:xfrm>
-              <a:off x="1856129" y="2245527"/>
+            <p:cNvPr id="81" name="pt81"/>
+            <p:cNvSpPr/>
+            <p:nvPr/>
+          </p:nvSpPr>
+          <p:spPr>
+            <a:xfrm>
+              <a:off x="1856129" y="2229451"/>
               <a:ext cx="49651" cy="49651"/>
             </a:xfrm>
             <a:prstGeom prst="ellipse">
@@ -5830,13 +6054,13 @@
         </p:sp>
         <p:sp>
           <p:nvSpPr>
-            <p:cNvPr id="76" name="pt76"/>
-            <p:cNvSpPr/>
-            <p:nvPr/>
-          </p:nvSpPr>
-          <p:spPr>
-            <a:xfrm>
-              <a:off x="1856129" y="2328996"/>
+            <p:cNvPr id="82" name="pt82"/>
+            <p:cNvSpPr/>
+            <p:nvPr/>
+          </p:nvSpPr>
+          <p:spPr>
+            <a:xfrm>
+              <a:off x="1856129" y="2265163"/>
               <a:ext cx="49651" cy="49651"/>
             </a:xfrm>
             <a:prstGeom prst="ellipse">
@@ -5865,7 +6089,7 @@
         </p:sp>
         <p:sp>
           <p:nvSpPr>
-            <p:cNvPr id="77" name="pt77"/>
+            <p:cNvPr id="83" name="pt83"/>
             <p:cNvSpPr/>
             <p:nvPr/>
           </p:nvSpPr>
@@ -5900,13 +6124,13 @@
         </p:sp>
         <p:sp>
           <p:nvSpPr>
-            <p:cNvPr id="78" name="pt78"/>
-            <p:cNvSpPr/>
-            <p:nvPr/>
-          </p:nvSpPr>
-          <p:spPr>
-            <a:xfrm>
-              <a:off x="2216047" y="2264076"/>
+            <p:cNvPr id="84" name="pt84"/>
+            <p:cNvSpPr/>
+            <p:nvPr/>
+          </p:nvSpPr>
+          <p:spPr>
+            <a:xfrm>
+              <a:off x="2216047" y="2221387"/>
               <a:ext cx="49651" cy="49651"/>
             </a:xfrm>
             <a:prstGeom prst="ellipse">
@@ -5935,7 +6159,7 @@
         </p:sp>
         <p:sp>
           <p:nvSpPr>
-            <p:cNvPr id="79" name="rc79"/>
+            <p:cNvPr id="85" name="rc85"/>
             <p:cNvSpPr/>
             <p:nvPr/>
           </p:nvSpPr>
@@ -5961,13 +6185,13 @@
         </p:sp>
         <p:sp>
           <p:nvSpPr>
-            <p:cNvPr id="80" name="pl80"/>
-            <p:cNvSpPr/>
-            <p:nvPr/>
-          </p:nvSpPr>
-          <p:spPr>
-            <a:xfrm>
-              <a:off x="2526412" y="3525034"/>
+            <p:cNvPr id="86" name="pl86"/>
+            <p:cNvSpPr/>
+            <p:nvPr/>
+          </p:nvSpPr>
+          <p:spPr>
+            <a:xfrm>
+              <a:off x="2526412" y="3640126"/>
               <a:ext cx="1871573" cy="0"/>
             </a:xfrm>
             <a:custGeom>
@@ -6004,13 +6228,13 @@
         </p:sp>
         <p:sp>
           <p:nvSpPr>
-            <p:cNvPr id="81" name="pl81"/>
-            <p:cNvSpPr/>
-            <p:nvPr/>
-          </p:nvSpPr>
-          <p:spPr>
-            <a:xfrm>
-              <a:off x="2526412" y="3260054"/>
+            <p:cNvPr id="87" name="pl87"/>
+            <p:cNvSpPr/>
+            <p:nvPr/>
+          </p:nvSpPr>
+          <p:spPr>
+            <a:xfrm>
+              <a:off x="2526412" y="3352127"/>
               <a:ext cx="1871573" cy="0"/>
             </a:xfrm>
             <a:custGeom>
@@ -6047,13 +6271,13 @@
         </p:sp>
         <p:sp>
           <p:nvSpPr>
-            <p:cNvPr id="82" name="pl82"/>
-            <p:cNvSpPr/>
-            <p:nvPr/>
-          </p:nvSpPr>
-          <p:spPr>
-            <a:xfrm>
-              <a:off x="2526412" y="2995074"/>
+            <p:cNvPr id="88" name="pl88"/>
+            <p:cNvSpPr/>
+            <p:nvPr/>
+          </p:nvSpPr>
+          <p:spPr>
+            <a:xfrm>
+              <a:off x="2526412" y="3064129"/>
               <a:ext cx="1871573" cy="0"/>
             </a:xfrm>
             <a:custGeom>
@@ -6090,13 +6314,13 @@
         </p:sp>
         <p:sp>
           <p:nvSpPr>
-            <p:cNvPr id="83" name="pl83"/>
-            <p:cNvSpPr/>
-            <p:nvPr/>
-          </p:nvSpPr>
-          <p:spPr>
-            <a:xfrm>
-              <a:off x="2526412" y="2730094"/>
+            <p:cNvPr id="89" name="pl89"/>
+            <p:cNvSpPr/>
+            <p:nvPr/>
+          </p:nvSpPr>
+          <p:spPr>
+            <a:xfrm>
+              <a:off x="2526412" y="2776130"/>
               <a:ext cx="1871573" cy="0"/>
             </a:xfrm>
             <a:custGeom>
@@ -6133,13 +6357,13 @@
         </p:sp>
         <p:sp>
           <p:nvSpPr>
-            <p:cNvPr id="84" name="pl84"/>
-            <p:cNvSpPr/>
-            <p:nvPr/>
-          </p:nvSpPr>
-          <p:spPr>
-            <a:xfrm>
-              <a:off x="2526412" y="2465114"/>
+            <p:cNvPr id="90" name="pl90"/>
+            <p:cNvSpPr/>
+            <p:nvPr/>
+          </p:nvSpPr>
+          <p:spPr>
+            <a:xfrm>
+              <a:off x="2526412" y="2488132"/>
               <a:ext cx="1871573" cy="0"/>
             </a:xfrm>
             <a:custGeom>
@@ -6176,7 +6400,7 @@
         </p:sp>
         <p:sp>
           <p:nvSpPr>
-            <p:cNvPr id="85" name="pl85"/>
+            <p:cNvPr id="91" name="pl91"/>
             <p:cNvSpPr/>
             <p:nvPr/>
           </p:nvSpPr>
@@ -6219,13 +6443,13 @@
         </p:sp>
         <p:sp>
           <p:nvSpPr>
-            <p:cNvPr id="86" name="pl86"/>
-            <p:cNvSpPr/>
-            <p:nvPr/>
-          </p:nvSpPr>
-          <p:spPr>
-            <a:xfrm>
-              <a:off x="2526412" y="3525034"/>
+            <p:cNvPr id="92" name="pl92"/>
+            <p:cNvSpPr/>
+            <p:nvPr/>
+          </p:nvSpPr>
+          <p:spPr>
+            <a:xfrm>
+              <a:off x="2526412" y="3352127"/>
               <a:ext cx="1871573" cy="0"/>
             </a:xfrm>
             <a:custGeom>
@@ -6262,30 +6486,30 @@
         </p:sp>
         <p:sp>
           <p:nvSpPr>
-            <p:cNvPr id="87" name="pl87"/>
+            <p:cNvPr id="93" name="pl93"/>
             <p:cNvSpPr/>
             <p:nvPr/>
           </p:nvSpPr>
           <p:spPr>
             <a:xfrm>
               <a:off x="2742363" y="2200133"/>
-              <a:ext cx="1439671" cy="1281179"/>
+              <a:ext cx="1439671" cy="1116282"/>
             </a:xfrm>
             <a:custGeom>
               <a:avLst/>
               <a:pathLst>
-                <a:path w="1439671" h="1281179">
+                <a:path w="1439671" h="1116282">
                   <a:moveTo>
-                    <a:pt x="0" y="1180486"/>
+                    <a:pt x="0" y="1034490"/>
                   </a:moveTo>
                   <a:lnTo>
-                    <a:pt x="359917" y="1281179"/>
-                  </a:lnTo>
-                  <a:lnTo>
-                    <a:pt x="719835" y="1021498"/>
-                  </a:lnTo>
-                  <a:lnTo>
-                    <a:pt x="1079753" y="14573"/>
+                    <a:pt x="359917" y="1116282"/>
+                  </a:lnTo>
+                  <a:lnTo>
+                    <a:pt x="719835" y="907771"/>
+                  </a:lnTo>
+                  <a:lnTo>
+                    <a:pt x="1079753" y="10367"/>
                   </a:lnTo>
                   <a:lnTo>
                     <a:pt x="1439671" y="0"/>
@@ -6311,30 +6535,30 @@
         </p:sp>
         <p:sp>
           <p:nvSpPr>
-            <p:cNvPr id="88" name="pl88"/>
-            <p:cNvSpPr/>
-            <p:nvPr/>
-          </p:nvSpPr>
-          <p:spPr>
-            <a:xfrm>
-              <a:off x="2742363" y="2470413"/>
-              <a:ext cx="1439671" cy="923456"/>
+            <p:cNvPr id="94" name="pl94"/>
+            <p:cNvSpPr/>
+            <p:nvPr/>
+          </p:nvSpPr>
+          <p:spPr>
+            <a:xfrm>
+              <a:off x="2742363" y="2398276"/>
+              <a:ext cx="1439671" cy="847867"/>
             </a:xfrm>
             <a:custGeom>
               <a:avLst/>
               <a:pathLst>
-                <a:path w="1439671" h="923456">
+                <a:path w="1439671" h="847867">
                   <a:moveTo>
-                    <a:pt x="0" y="923456"/>
+                    <a:pt x="0" y="847867"/>
                   </a:moveTo>
                   <a:lnTo>
-                    <a:pt x="359917" y="427943"/>
-                  </a:lnTo>
-                  <a:lnTo>
-                    <a:pt x="719835" y="470339"/>
-                  </a:lnTo>
-                  <a:lnTo>
-                    <a:pt x="1079753" y="180186"/>
+                    <a:pt x="359917" y="408957"/>
+                  </a:lnTo>
+                  <a:lnTo>
+                    <a:pt x="719835" y="460797"/>
+                  </a:lnTo>
+                  <a:lnTo>
+                    <a:pt x="1079753" y="150911"/>
                   </a:lnTo>
                   <a:lnTo>
                     <a:pt x="1439671" y="0"/>
@@ -6360,13 +6584,13 @@
         </p:sp>
         <p:sp>
           <p:nvSpPr>
-            <p:cNvPr id="89" name="pt89"/>
-            <p:cNvSpPr/>
-            <p:nvPr/>
-          </p:nvSpPr>
-          <p:spPr>
-            <a:xfrm>
-              <a:off x="2717537" y="3355794"/>
+            <p:cNvPr id="95" name="pt95"/>
+            <p:cNvSpPr/>
+            <p:nvPr/>
+          </p:nvSpPr>
+          <p:spPr>
+            <a:xfrm>
+              <a:off x="2717537" y="3209798"/>
               <a:ext cx="49651" cy="49651"/>
             </a:xfrm>
             <a:prstGeom prst="ellipse">
@@ -6395,13 +6619,13 @@
         </p:sp>
         <p:sp>
           <p:nvSpPr>
-            <p:cNvPr id="90" name="pt90"/>
-            <p:cNvSpPr/>
-            <p:nvPr/>
-          </p:nvSpPr>
-          <p:spPr>
-            <a:xfrm>
-              <a:off x="2717537" y="3369043"/>
+            <p:cNvPr id="96" name="pt96"/>
+            <p:cNvSpPr/>
+            <p:nvPr/>
+          </p:nvSpPr>
+          <p:spPr>
+            <a:xfrm>
+              <a:off x="2717537" y="3221318"/>
               <a:ext cx="49651" cy="49651"/>
             </a:xfrm>
             <a:prstGeom prst="ellipse">
@@ -6430,13 +6654,13 @@
         </p:sp>
         <p:sp>
           <p:nvSpPr>
-            <p:cNvPr id="91" name="pt91"/>
-            <p:cNvSpPr/>
-            <p:nvPr/>
-          </p:nvSpPr>
-          <p:spPr>
-            <a:xfrm>
-              <a:off x="3077455" y="3456487"/>
+            <p:cNvPr id="97" name="pt97"/>
+            <p:cNvSpPr/>
+            <p:nvPr/>
+          </p:nvSpPr>
+          <p:spPr>
+            <a:xfrm>
+              <a:off x="3077455" y="3291590"/>
               <a:ext cx="49651" cy="49651"/>
             </a:xfrm>
             <a:prstGeom prst="ellipse">
@@ -6465,13 +6689,13 @@
         </p:sp>
         <p:sp>
           <p:nvSpPr>
-            <p:cNvPr id="92" name="pt92"/>
-            <p:cNvSpPr/>
-            <p:nvPr/>
-          </p:nvSpPr>
-          <p:spPr>
-            <a:xfrm>
-              <a:off x="3077455" y="2873530"/>
+            <p:cNvPr id="98" name="pt98"/>
+            <p:cNvSpPr/>
+            <p:nvPr/>
+          </p:nvSpPr>
+          <p:spPr>
+            <a:xfrm>
+              <a:off x="3077455" y="2782408"/>
               <a:ext cx="49651" cy="49651"/>
             </a:xfrm>
             <a:prstGeom prst="ellipse">
@@ -6500,13 +6724,13 @@
         </p:sp>
         <p:sp>
           <p:nvSpPr>
-            <p:cNvPr id="93" name="pt93"/>
-            <p:cNvSpPr/>
-            <p:nvPr/>
-          </p:nvSpPr>
-          <p:spPr>
-            <a:xfrm>
-              <a:off x="3437373" y="3196806"/>
+            <p:cNvPr id="99" name="pt99"/>
+            <p:cNvSpPr/>
+            <p:nvPr/>
+          </p:nvSpPr>
+          <p:spPr>
+            <a:xfrm>
+              <a:off x="3437373" y="3083079"/>
               <a:ext cx="49651" cy="49651"/>
             </a:xfrm>
             <a:prstGeom prst="ellipse">
@@ -6535,13 +6759,13 @@
         </p:sp>
         <p:sp>
           <p:nvSpPr>
-            <p:cNvPr id="94" name="pt94"/>
-            <p:cNvSpPr/>
-            <p:nvPr/>
-          </p:nvSpPr>
-          <p:spPr>
-            <a:xfrm>
-              <a:off x="3437373" y="2915927"/>
+            <p:cNvPr id="100" name="pt100"/>
+            <p:cNvSpPr/>
+            <p:nvPr/>
+          </p:nvSpPr>
+          <p:spPr>
+            <a:xfrm>
+              <a:off x="3437373" y="2834248"/>
               <a:ext cx="49651" cy="49651"/>
             </a:xfrm>
             <a:prstGeom prst="ellipse">
@@ -6570,13 +6794,13 @@
         </p:sp>
         <p:sp>
           <p:nvSpPr>
-            <p:cNvPr id="95" name="pt95"/>
-            <p:cNvSpPr/>
-            <p:nvPr/>
-          </p:nvSpPr>
-          <p:spPr>
-            <a:xfrm>
-              <a:off x="3797291" y="2189881"/>
+            <p:cNvPr id="101" name="pt101"/>
+            <p:cNvSpPr/>
+            <p:nvPr/>
+          </p:nvSpPr>
+          <p:spPr>
+            <a:xfrm>
+              <a:off x="3797291" y="2185675"/>
               <a:ext cx="49651" cy="49651"/>
             </a:xfrm>
             <a:prstGeom prst="ellipse">
@@ -6605,13 +6829,13 @@
         </p:sp>
         <p:sp>
           <p:nvSpPr>
-            <p:cNvPr id="96" name="pt96"/>
-            <p:cNvSpPr/>
-            <p:nvPr/>
-          </p:nvSpPr>
-          <p:spPr>
-            <a:xfrm>
-              <a:off x="3797291" y="2625774"/>
+            <p:cNvPr id="102" name="pt102"/>
+            <p:cNvSpPr/>
+            <p:nvPr/>
+          </p:nvSpPr>
+          <p:spPr>
+            <a:xfrm>
+              <a:off x="3797291" y="2524362"/>
               <a:ext cx="49651" cy="49651"/>
             </a:xfrm>
             <a:prstGeom prst="ellipse">
@@ -6640,7 +6864,7 @@
         </p:sp>
         <p:sp>
           <p:nvSpPr>
-            <p:cNvPr id="97" name="pt97"/>
+            <p:cNvPr id="103" name="pt103"/>
             <p:cNvSpPr/>
             <p:nvPr/>
           </p:nvSpPr>
@@ -6675,13 +6899,13 @@
         </p:sp>
         <p:sp>
           <p:nvSpPr>
-            <p:cNvPr id="98" name="pt98"/>
-            <p:cNvSpPr/>
-            <p:nvPr/>
-          </p:nvSpPr>
-          <p:spPr>
-            <a:xfrm>
-              <a:off x="4157209" y="2445587"/>
+            <p:cNvPr id="104" name="pt104"/>
+            <p:cNvSpPr/>
+            <p:nvPr/>
+          </p:nvSpPr>
+          <p:spPr>
+            <a:xfrm>
+              <a:off x="4157209" y="2373450"/>
               <a:ext cx="49651" cy="49651"/>
             </a:xfrm>
             <a:prstGeom prst="ellipse">
@@ -6710,7 +6934,7 @@
         </p:sp>
         <p:sp>
           <p:nvSpPr>
-            <p:cNvPr id="99" name="rc99"/>
+            <p:cNvPr id="105" name="rc105"/>
             <p:cNvSpPr/>
             <p:nvPr/>
           </p:nvSpPr>
@@ -6745,7 +6969,7 @@
         </p:sp>
         <p:sp>
           <p:nvSpPr>
-            <p:cNvPr id="100" name="tx100"/>
+            <p:cNvPr id="106" name="tx106"/>
             <p:cNvSpPr/>
             <p:nvPr/>
           </p:nvSpPr>
@@ -6791,7 +7015,7 @@
         </p:sp>
         <p:sp>
           <p:nvSpPr>
-            <p:cNvPr id="101" name="rc101"/>
+            <p:cNvPr id="107" name="rc107"/>
             <p:cNvSpPr/>
             <p:nvPr/>
           </p:nvSpPr>
@@ -6826,7 +7050,7 @@
         </p:sp>
         <p:sp>
           <p:nvSpPr>
-            <p:cNvPr id="102" name="tx102"/>
+            <p:cNvPr id="108" name="tx108"/>
             <p:cNvSpPr/>
             <p:nvPr/>
           </p:nvSpPr>
@@ -6872,7 +7096,7 @@
         </p:sp>
         <p:sp>
           <p:nvSpPr>
-            <p:cNvPr id="103" name="rc103"/>
+            <p:cNvPr id="109" name="rc109"/>
             <p:cNvSpPr/>
             <p:nvPr/>
           </p:nvSpPr>
@@ -6907,7 +7131,7 @@
         </p:sp>
         <p:sp>
           <p:nvSpPr>
-            <p:cNvPr id="104" name="tx104"/>
+            <p:cNvPr id="110" name="tx110"/>
             <p:cNvSpPr/>
             <p:nvPr/>
           </p:nvSpPr>
@@ -6953,7 +7177,7 @@
         </p:sp>
         <p:sp>
           <p:nvSpPr>
-            <p:cNvPr id="105" name="rc105"/>
+            <p:cNvPr id="111" name="rc111"/>
             <p:cNvSpPr/>
             <p:nvPr/>
           </p:nvSpPr>
@@ -6988,7 +7212,7 @@
         </p:sp>
         <p:sp>
           <p:nvSpPr>
-            <p:cNvPr id="106" name="tx106"/>
+            <p:cNvPr id="112" name="tx112"/>
             <p:cNvSpPr/>
             <p:nvPr/>
           </p:nvSpPr>
@@ -7034,7 +7258,7 @@
         </p:sp>
         <p:sp>
           <p:nvSpPr>
-            <p:cNvPr id="107" name="rc107"/>
+            <p:cNvPr id="113" name="rc113"/>
             <p:cNvSpPr/>
             <p:nvPr/>
           </p:nvSpPr>
@@ -7069,7 +7293,7 @@
         </p:sp>
         <p:sp>
           <p:nvSpPr>
-            <p:cNvPr id="108" name="tx108"/>
+            <p:cNvPr id="114" name="tx114"/>
             <p:cNvSpPr/>
             <p:nvPr/>
           </p:nvSpPr>
@@ -7115,7 +7339,7 @@
         </p:sp>
         <p:sp>
           <p:nvSpPr>
-            <p:cNvPr id="109" name="pl109"/>
+            <p:cNvPr id="115" name="pl115"/>
             <p:cNvSpPr/>
             <p:nvPr/>
           </p:nvSpPr>
@@ -7155,7 +7379,7 @@
         </p:sp>
         <p:sp>
           <p:nvSpPr>
-            <p:cNvPr id="110" name="pl110"/>
+            <p:cNvPr id="116" name="pl116"/>
             <p:cNvSpPr/>
             <p:nvPr/>
           </p:nvSpPr>
@@ -7195,7 +7419,7 @@
         </p:sp>
         <p:sp>
           <p:nvSpPr>
-            <p:cNvPr id="111" name="pl111"/>
+            <p:cNvPr id="117" name="pl117"/>
             <p:cNvSpPr/>
             <p:nvPr/>
           </p:nvSpPr>
@@ -7235,7 +7459,7 @@
         </p:sp>
         <p:sp>
           <p:nvSpPr>
-            <p:cNvPr id="112" name="pl112"/>
+            <p:cNvPr id="118" name="pl118"/>
             <p:cNvSpPr/>
             <p:nvPr/>
           </p:nvSpPr>
@@ -7275,7 +7499,7 @@
         </p:sp>
         <p:sp>
           <p:nvSpPr>
-            <p:cNvPr id="113" name="pl113"/>
+            <p:cNvPr id="119" name="pl119"/>
             <p:cNvSpPr/>
             <p:nvPr/>
           </p:nvSpPr>
@@ -7315,7 +7539,7 @@
         </p:sp>
         <p:sp>
           <p:nvSpPr>
-            <p:cNvPr id="114" name="pl114"/>
+            <p:cNvPr id="120" name="pl120"/>
             <p:cNvSpPr/>
             <p:nvPr/>
           </p:nvSpPr>
@@ -7355,7 +7579,7 @@
         </p:sp>
         <p:sp>
           <p:nvSpPr>
-            <p:cNvPr id="115" name="tx115"/>
+            <p:cNvPr id="121" name="tx121"/>
             <p:cNvSpPr/>
             <p:nvPr/>
           </p:nvSpPr>
@@ -7401,7 +7625,7 @@
         </p:sp>
         <p:sp>
           <p:nvSpPr>
-            <p:cNvPr id="116" name="tx116"/>
+            <p:cNvPr id="122" name="tx122"/>
             <p:cNvSpPr/>
             <p:nvPr/>
           </p:nvSpPr>
@@ -7447,7 +7671,7 @@
         </p:sp>
         <p:sp>
           <p:nvSpPr>
-            <p:cNvPr id="117" name="tx117"/>
+            <p:cNvPr id="123" name="tx123"/>
             <p:cNvSpPr/>
             <p:nvPr/>
           </p:nvSpPr>
@@ -7493,7 +7717,7 @@
         </p:sp>
         <p:sp>
           <p:nvSpPr>
-            <p:cNvPr id="118" name="tx118"/>
+            <p:cNvPr id="124" name="tx124"/>
             <p:cNvSpPr/>
             <p:nvPr/>
           </p:nvSpPr>
@@ -7539,7 +7763,7 @@
         </p:sp>
         <p:sp>
           <p:nvSpPr>
-            <p:cNvPr id="119" name="tx119"/>
+            <p:cNvPr id="125" name="tx125"/>
             <p:cNvSpPr/>
             <p:nvPr/>
           </p:nvSpPr>
@@ -7585,7 +7809,7 @@
         </p:sp>
         <p:sp>
           <p:nvSpPr>
-            <p:cNvPr id="120" name="pl120"/>
+            <p:cNvPr id="126" name="pl126"/>
             <p:cNvSpPr/>
             <p:nvPr/>
           </p:nvSpPr>
@@ -7625,7 +7849,7 @@
         </p:sp>
         <p:sp>
           <p:nvSpPr>
-            <p:cNvPr id="121" name="pl121"/>
+            <p:cNvPr id="127" name="pl127"/>
             <p:cNvSpPr/>
             <p:nvPr/>
           </p:nvSpPr>
@@ -7665,7 +7889,7 @@
         </p:sp>
         <p:sp>
           <p:nvSpPr>
-            <p:cNvPr id="122" name="pl122"/>
+            <p:cNvPr id="128" name="pl128"/>
             <p:cNvSpPr/>
             <p:nvPr/>
           </p:nvSpPr>
@@ -7705,7 +7929,7 @@
         </p:sp>
         <p:sp>
           <p:nvSpPr>
-            <p:cNvPr id="123" name="pl123"/>
+            <p:cNvPr id="129" name="pl129"/>
             <p:cNvSpPr/>
             <p:nvPr/>
           </p:nvSpPr>
@@ -7745,7 +7969,7 @@
         </p:sp>
         <p:sp>
           <p:nvSpPr>
-            <p:cNvPr id="124" name="pl124"/>
+            <p:cNvPr id="130" name="pl130"/>
             <p:cNvSpPr/>
             <p:nvPr/>
           </p:nvSpPr>
@@ -7785,7 +8009,7 @@
         </p:sp>
         <p:sp>
           <p:nvSpPr>
-            <p:cNvPr id="125" name="pl125"/>
+            <p:cNvPr id="131" name="pl131"/>
             <p:cNvSpPr/>
             <p:nvPr/>
           </p:nvSpPr>
@@ -7825,7 +8049,7 @@
         </p:sp>
         <p:sp>
           <p:nvSpPr>
-            <p:cNvPr id="126" name="tx126"/>
+            <p:cNvPr id="132" name="tx132"/>
             <p:cNvSpPr/>
             <p:nvPr/>
           </p:nvSpPr>
@@ -7871,7 +8095,7 @@
         </p:sp>
         <p:sp>
           <p:nvSpPr>
-            <p:cNvPr id="127" name="tx127"/>
+            <p:cNvPr id="133" name="tx133"/>
             <p:cNvSpPr/>
             <p:nvPr/>
           </p:nvSpPr>
@@ -7917,7 +8141,7 @@
         </p:sp>
         <p:sp>
           <p:nvSpPr>
-            <p:cNvPr id="128" name="tx128"/>
+            <p:cNvPr id="134" name="tx134"/>
             <p:cNvSpPr/>
             <p:nvPr/>
           </p:nvSpPr>
@@ -7963,7 +8187,7 @@
         </p:sp>
         <p:sp>
           <p:nvSpPr>
-            <p:cNvPr id="129" name="tx129"/>
+            <p:cNvPr id="135" name="tx135"/>
             <p:cNvSpPr/>
             <p:nvPr/>
           </p:nvSpPr>
@@ -8009,7 +8233,7 @@
         </p:sp>
         <p:sp>
           <p:nvSpPr>
-            <p:cNvPr id="130" name="tx130"/>
+            <p:cNvPr id="136" name="tx136"/>
             <p:cNvSpPr/>
             <p:nvPr/>
           </p:nvSpPr>
@@ -8055,7 +8279,7 @@
         </p:sp>
         <p:sp>
           <p:nvSpPr>
-            <p:cNvPr id="131" name="pl131"/>
+            <p:cNvPr id="137" name="pl137"/>
             <p:cNvSpPr/>
             <p:nvPr/>
           </p:nvSpPr>
@@ -8095,7 +8319,7 @@
         </p:sp>
         <p:sp>
           <p:nvSpPr>
-            <p:cNvPr id="132" name="pl132"/>
+            <p:cNvPr id="138" name="pl138"/>
             <p:cNvSpPr/>
             <p:nvPr/>
           </p:nvSpPr>
@@ -8135,7 +8359,7 @@
         </p:sp>
         <p:sp>
           <p:nvSpPr>
-            <p:cNvPr id="133" name="pl133"/>
+            <p:cNvPr id="139" name="pl139"/>
             <p:cNvSpPr/>
             <p:nvPr/>
           </p:nvSpPr>
@@ -8175,7 +8399,7 @@
         </p:sp>
         <p:sp>
           <p:nvSpPr>
-            <p:cNvPr id="134" name="pl134"/>
+            <p:cNvPr id="140" name="pl140"/>
             <p:cNvSpPr/>
             <p:nvPr/>
           </p:nvSpPr>
@@ -8215,7 +8439,7 @@
         </p:sp>
         <p:sp>
           <p:nvSpPr>
-            <p:cNvPr id="135" name="pl135"/>
+            <p:cNvPr id="141" name="pl141"/>
             <p:cNvSpPr/>
             <p:nvPr/>
           </p:nvSpPr>
@@ -8255,7 +8479,7 @@
         </p:sp>
         <p:sp>
           <p:nvSpPr>
-            <p:cNvPr id="136" name="pl136"/>
+            <p:cNvPr id="142" name="pl142"/>
             <p:cNvSpPr/>
             <p:nvPr/>
           </p:nvSpPr>
@@ -8295,7 +8519,7 @@
         </p:sp>
         <p:sp>
           <p:nvSpPr>
-            <p:cNvPr id="137" name="tx137"/>
+            <p:cNvPr id="143" name="tx143"/>
             <p:cNvSpPr/>
             <p:nvPr/>
           </p:nvSpPr>
@@ -8341,7 +8565,7 @@
         </p:sp>
         <p:sp>
           <p:nvSpPr>
-            <p:cNvPr id="138" name="tx138"/>
+            <p:cNvPr id="144" name="tx144"/>
             <p:cNvSpPr/>
             <p:nvPr/>
           </p:nvSpPr>
@@ -8387,7 +8611,7 @@
         </p:sp>
         <p:sp>
           <p:nvSpPr>
-            <p:cNvPr id="139" name="tx139"/>
+            <p:cNvPr id="145" name="tx145"/>
             <p:cNvSpPr/>
             <p:nvPr/>
           </p:nvSpPr>
@@ -8433,7 +8657,7 @@
         </p:sp>
         <p:sp>
           <p:nvSpPr>
-            <p:cNvPr id="140" name="tx140"/>
+            <p:cNvPr id="146" name="tx146"/>
             <p:cNvSpPr/>
             <p:nvPr/>
           </p:nvSpPr>
@@ -8479,7 +8703,7 @@
         </p:sp>
         <p:sp>
           <p:nvSpPr>
-            <p:cNvPr id="141" name="tx141"/>
+            <p:cNvPr id="147" name="tx147"/>
             <p:cNvSpPr/>
             <p:nvPr/>
           </p:nvSpPr>
@@ -8525,7 +8749,7 @@
         </p:sp>
         <p:sp>
           <p:nvSpPr>
-            <p:cNvPr id="142" name="pl142"/>
+            <p:cNvPr id="148" name="pl148"/>
             <p:cNvSpPr/>
             <p:nvPr/>
           </p:nvSpPr>
@@ -8565,13 +8789,59 @@
         </p:sp>
         <p:sp>
           <p:nvSpPr>
-            <p:cNvPr id="143" name="tx143"/>
-            <p:cNvSpPr/>
-            <p:nvPr/>
-          </p:nvSpPr>
-          <p:spPr>
-            <a:xfrm>
-              <a:off x="360100" y="1637945"/>
+            <p:cNvPr id="149" name="tx149"/>
+            <p:cNvSpPr/>
+            <p:nvPr/>
+          </p:nvSpPr>
+          <p:spPr>
+            <a:xfrm>
+              <a:off x="258539" y="1753037"/>
+              <a:ext cx="264080" cy="85903"/>
+            </a:xfrm>
+            <a:prstGeom prst="rect">
+              <a:avLst/>
+            </a:prstGeom>
+            <a:noFill/>
+          </p:spPr>
+          <p:txBody>
+            <a:bodyPr lIns="0" rIns="0" tIns="0" bIns="0" anchorCtr="1" anchor="ctr" wrap="none"/>
+            <a:lstStyle/>
+            <a:p>
+              <a:pPr algn="l" marL="0" marR="0" indent="0">
+                <a:lnSpc>
+                  <a:spcPts val="960"/>
+                </a:lnSpc>
+                <a:spcBef>
+                  <a:spcPts val="0"/>
+                </a:spcBef>
+                <a:spcAft>
+                  <a:spcPts val="0"/>
+                </a:spcAft>
+              </a:pPr>
+              <a:r>
+                <a:rPr sz="960">
+                  <a:solidFill>
+                    <a:srgbClr val="4D4D4D">
+                      <a:alpha val="100000"/>
+                    </a:srgbClr>
+                  </a:solidFill>
+                  <a:latin typeface="Times New Roman"/>
+                  <a:cs typeface="Times New Roman"/>
+                </a:rPr>
+                <a:t>-25%</a:t>
+              </a:r>
+            </a:p>
+          </p:txBody>
+        </p:sp>
+        <p:sp>
+          <p:nvSpPr>
+            <p:cNvPr id="150" name="tx150"/>
+            <p:cNvSpPr/>
+            <p:nvPr/>
+          </p:nvSpPr>
+          <p:spPr>
+            <a:xfrm>
+              <a:off x="360100" y="1465038"/>
               <a:ext cx="162520" cy="85903"/>
             </a:xfrm>
             <a:prstGeom prst="rect">
@@ -8611,13 +8881,13 @@
         </p:sp>
         <p:sp>
           <p:nvSpPr>
-            <p:cNvPr id="144" name="tx144"/>
-            <p:cNvSpPr/>
-            <p:nvPr/>
-          </p:nvSpPr>
-          <p:spPr>
-            <a:xfrm>
-              <a:off x="299140" y="1372965"/>
+            <p:cNvPr id="151" name="tx151"/>
+            <p:cNvSpPr/>
+            <p:nvPr/>
+          </p:nvSpPr>
+          <p:spPr>
+            <a:xfrm>
+              <a:off x="299140" y="1177040"/>
               <a:ext cx="223480" cy="85903"/>
             </a:xfrm>
             <a:prstGeom prst="rect">
@@ -8650,20 +8920,20 @@
                   <a:latin typeface="Times New Roman"/>
                   <a:cs typeface="Times New Roman"/>
                 </a:rPr>
-                <a:t>20%</a:t>
+                <a:t>25%</a:t>
               </a:r>
             </a:p>
           </p:txBody>
         </p:sp>
         <p:sp>
           <p:nvSpPr>
-            <p:cNvPr id="145" name="tx145"/>
-            <p:cNvSpPr/>
-            <p:nvPr/>
-          </p:nvSpPr>
-          <p:spPr>
-            <a:xfrm>
-              <a:off x="299140" y="1107985"/>
+            <p:cNvPr id="152" name="tx152"/>
+            <p:cNvSpPr/>
+            <p:nvPr/>
+          </p:nvSpPr>
+          <p:spPr>
+            <a:xfrm>
+              <a:off x="299140" y="889041"/>
               <a:ext cx="223480" cy="85903"/>
             </a:xfrm>
             <a:prstGeom prst="rect">
@@ -8696,20 +8966,20 @@
                   <a:latin typeface="Times New Roman"/>
                   <a:cs typeface="Times New Roman"/>
                 </a:rPr>
-                <a:t>40%</a:t>
+                <a:t>50%</a:t>
               </a:r>
             </a:p>
           </p:txBody>
         </p:sp>
         <p:sp>
           <p:nvSpPr>
-            <p:cNvPr id="146" name="tx146"/>
-            <p:cNvSpPr/>
-            <p:nvPr/>
-          </p:nvSpPr>
-          <p:spPr>
-            <a:xfrm>
-              <a:off x="299140" y="843005"/>
+            <p:cNvPr id="153" name="tx153"/>
+            <p:cNvSpPr/>
+            <p:nvPr/>
+          </p:nvSpPr>
+          <p:spPr>
+            <a:xfrm>
+              <a:off x="299140" y="601043"/>
               <a:ext cx="223480" cy="85903"/>
             </a:xfrm>
             <a:prstGeom prst="rect">
@@ -8742,60 +9012,14 @@
                   <a:latin typeface="Times New Roman"/>
                   <a:cs typeface="Times New Roman"/>
                 </a:rPr>
-                <a:t>60%</a:t>
+                <a:t>75%</a:t>
               </a:r>
             </a:p>
           </p:txBody>
         </p:sp>
         <p:sp>
           <p:nvSpPr>
-            <p:cNvPr id="147" name="tx147"/>
-            <p:cNvSpPr/>
-            <p:nvPr/>
-          </p:nvSpPr>
-          <p:spPr>
-            <a:xfrm>
-              <a:off x="299140" y="578024"/>
-              <a:ext cx="223480" cy="85903"/>
-            </a:xfrm>
-            <a:prstGeom prst="rect">
-              <a:avLst/>
-            </a:prstGeom>
-            <a:noFill/>
-          </p:spPr>
-          <p:txBody>
-            <a:bodyPr lIns="0" rIns="0" tIns="0" bIns="0" anchorCtr="1" anchor="ctr" wrap="none"/>
-            <a:lstStyle/>
-            <a:p>
-              <a:pPr algn="l" marL="0" marR="0" indent="0">
-                <a:lnSpc>
-                  <a:spcPts val="960"/>
-                </a:lnSpc>
-                <a:spcBef>
-                  <a:spcPts val="0"/>
-                </a:spcBef>
-                <a:spcAft>
-                  <a:spcPts val="0"/>
-                </a:spcAft>
-              </a:pPr>
-              <a:r>
-                <a:rPr sz="960">
-                  <a:solidFill>
-                    <a:srgbClr val="4D4D4D">
-                      <a:alpha val="100000"/>
-                    </a:srgbClr>
-                  </a:solidFill>
-                  <a:latin typeface="Times New Roman"/>
-                  <a:cs typeface="Times New Roman"/>
-                </a:rPr>
-                <a:t>80%</a:t>
-              </a:r>
-            </a:p>
-          </p:txBody>
-        </p:sp>
-        <p:sp>
-          <p:nvSpPr>
-            <p:cNvPr id="148" name="tx148"/>
+            <p:cNvPr id="154" name="tx154"/>
             <p:cNvSpPr/>
             <p:nvPr/>
           </p:nvSpPr>
@@ -8841,13 +9065,13 @@
         </p:sp>
         <p:sp>
           <p:nvSpPr>
-            <p:cNvPr id="149" name="pl149"/>
-            <p:cNvSpPr/>
-            <p:nvPr/>
-          </p:nvSpPr>
-          <p:spPr>
-            <a:xfrm>
-              <a:off x="550455" y="1683487"/>
+            <p:cNvPr id="155" name="pl155"/>
+            <p:cNvSpPr/>
+            <p:nvPr/>
+          </p:nvSpPr>
+          <p:spPr>
+            <a:xfrm>
+              <a:off x="550455" y="1798578"/>
               <a:ext cx="34794" cy="0"/>
             </a:xfrm>
             <a:custGeom>
@@ -8881,13 +9105,13 @@
         </p:sp>
         <p:sp>
           <p:nvSpPr>
-            <p:cNvPr id="150" name="pl150"/>
-            <p:cNvSpPr/>
-            <p:nvPr/>
-          </p:nvSpPr>
-          <p:spPr>
-            <a:xfrm>
-              <a:off x="550455" y="1418506"/>
+            <p:cNvPr id="156" name="pl156"/>
+            <p:cNvSpPr/>
+            <p:nvPr/>
+          </p:nvSpPr>
+          <p:spPr>
+            <a:xfrm>
+              <a:off x="550455" y="1510579"/>
               <a:ext cx="34794" cy="0"/>
             </a:xfrm>
             <a:custGeom>
@@ -8921,13 +9145,13 @@
         </p:sp>
         <p:sp>
           <p:nvSpPr>
-            <p:cNvPr id="151" name="pl151"/>
-            <p:cNvSpPr/>
-            <p:nvPr/>
-          </p:nvSpPr>
-          <p:spPr>
-            <a:xfrm>
-              <a:off x="550455" y="1153526"/>
+            <p:cNvPr id="157" name="pl157"/>
+            <p:cNvSpPr/>
+            <p:nvPr/>
+          </p:nvSpPr>
+          <p:spPr>
+            <a:xfrm>
+              <a:off x="550455" y="1222581"/>
               <a:ext cx="34794" cy="0"/>
             </a:xfrm>
             <a:custGeom>
@@ -8961,13 +9185,13 @@
         </p:sp>
         <p:sp>
           <p:nvSpPr>
-            <p:cNvPr id="152" name="pl152"/>
-            <p:cNvSpPr/>
-            <p:nvPr/>
-          </p:nvSpPr>
-          <p:spPr>
-            <a:xfrm>
-              <a:off x="550455" y="888546"/>
+            <p:cNvPr id="158" name="pl158"/>
+            <p:cNvSpPr/>
+            <p:nvPr/>
+          </p:nvSpPr>
+          <p:spPr>
+            <a:xfrm>
+              <a:off x="550455" y="934582"/>
               <a:ext cx="34794" cy="0"/>
             </a:xfrm>
             <a:custGeom>
@@ -9001,13 +9225,13 @@
         </p:sp>
         <p:sp>
           <p:nvSpPr>
-            <p:cNvPr id="153" name="pl153"/>
-            <p:cNvSpPr/>
-            <p:nvPr/>
-          </p:nvSpPr>
-          <p:spPr>
-            <a:xfrm>
-              <a:off x="550455" y="623566"/>
+            <p:cNvPr id="159" name="pl159"/>
+            <p:cNvSpPr/>
+            <p:nvPr/>
+          </p:nvSpPr>
+          <p:spPr>
+            <a:xfrm>
+              <a:off x="550455" y="646584"/>
               <a:ext cx="34794" cy="0"/>
             </a:xfrm>
             <a:custGeom>
@@ -9041,7 +9265,7 @@
         </p:sp>
         <p:sp>
           <p:nvSpPr>
-            <p:cNvPr id="154" name="pl154"/>
+            <p:cNvPr id="160" name="pl160"/>
             <p:cNvSpPr/>
             <p:nvPr/>
           </p:nvSpPr>
@@ -9081,7 +9305,7 @@
         </p:sp>
         <p:sp>
           <p:nvSpPr>
-            <p:cNvPr id="155" name="pl155"/>
+            <p:cNvPr id="161" name="pl161"/>
             <p:cNvSpPr/>
             <p:nvPr/>
           </p:nvSpPr>
@@ -9121,13 +9345,59 @@
         </p:sp>
         <p:sp>
           <p:nvSpPr>
-            <p:cNvPr id="156" name="tx156"/>
-            <p:cNvSpPr/>
-            <p:nvPr/>
-          </p:nvSpPr>
-          <p:spPr>
-            <a:xfrm>
-              <a:off x="360100" y="3479493"/>
+            <p:cNvPr id="162" name="tx162"/>
+            <p:cNvSpPr/>
+            <p:nvPr/>
+          </p:nvSpPr>
+          <p:spPr>
+            <a:xfrm>
+              <a:off x="258539" y="3594584"/>
+              <a:ext cx="264080" cy="85903"/>
+            </a:xfrm>
+            <a:prstGeom prst="rect">
+              <a:avLst/>
+            </a:prstGeom>
+            <a:noFill/>
+          </p:spPr>
+          <p:txBody>
+            <a:bodyPr lIns="0" rIns="0" tIns="0" bIns="0" anchorCtr="1" anchor="ctr" wrap="none"/>
+            <a:lstStyle/>
+            <a:p>
+              <a:pPr algn="l" marL="0" marR="0" indent="0">
+                <a:lnSpc>
+                  <a:spcPts val="960"/>
+                </a:lnSpc>
+                <a:spcBef>
+                  <a:spcPts val="0"/>
+                </a:spcBef>
+                <a:spcAft>
+                  <a:spcPts val="0"/>
+                </a:spcAft>
+              </a:pPr>
+              <a:r>
+                <a:rPr sz="960">
+                  <a:solidFill>
+                    <a:srgbClr val="4D4D4D">
+                      <a:alpha val="100000"/>
+                    </a:srgbClr>
+                  </a:solidFill>
+                  <a:latin typeface="Times New Roman"/>
+                  <a:cs typeface="Times New Roman"/>
+                </a:rPr>
+                <a:t>-25%</a:t>
+              </a:r>
+            </a:p>
+          </p:txBody>
+        </p:sp>
+        <p:sp>
+          <p:nvSpPr>
+            <p:cNvPr id="163" name="tx163"/>
+            <p:cNvSpPr/>
+            <p:nvPr/>
+          </p:nvSpPr>
+          <p:spPr>
+            <a:xfrm>
+              <a:off x="360100" y="3306586"/>
               <a:ext cx="162520" cy="85903"/>
             </a:xfrm>
             <a:prstGeom prst="rect">
@@ -9167,13 +9437,13 @@
         </p:sp>
         <p:sp>
           <p:nvSpPr>
-            <p:cNvPr id="157" name="tx157"/>
-            <p:cNvSpPr/>
-            <p:nvPr/>
-          </p:nvSpPr>
-          <p:spPr>
-            <a:xfrm>
-              <a:off x="299140" y="3214513"/>
+            <p:cNvPr id="164" name="tx164"/>
+            <p:cNvSpPr/>
+            <p:nvPr/>
+          </p:nvSpPr>
+          <p:spPr>
+            <a:xfrm>
+              <a:off x="299140" y="3018587"/>
               <a:ext cx="223480" cy="85903"/>
             </a:xfrm>
             <a:prstGeom prst="rect">
@@ -9206,20 +9476,20 @@
                   <a:latin typeface="Times New Roman"/>
                   <a:cs typeface="Times New Roman"/>
                 </a:rPr>
-                <a:t>20%</a:t>
+                <a:t>25%</a:t>
               </a:r>
             </a:p>
           </p:txBody>
         </p:sp>
         <p:sp>
           <p:nvSpPr>
-            <p:cNvPr id="158" name="tx158"/>
-            <p:cNvSpPr/>
-            <p:nvPr/>
-          </p:nvSpPr>
-          <p:spPr>
-            <a:xfrm>
-              <a:off x="299140" y="2949533"/>
+            <p:cNvPr id="165" name="tx165"/>
+            <p:cNvSpPr/>
+            <p:nvPr/>
+          </p:nvSpPr>
+          <p:spPr>
+            <a:xfrm>
+              <a:off x="299140" y="2730589"/>
               <a:ext cx="223480" cy="85903"/>
             </a:xfrm>
             <a:prstGeom prst="rect">
@@ -9252,20 +9522,20 @@
                   <a:latin typeface="Times New Roman"/>
                   <a:cs typeface="Times New Roman"/>
                 </a:rPr>
-                <a:t>40%</a:t>
+                <a:t>50%</a:t>
               </a:r>
             </a:p>
           </p:txBody>
         </p:sp>
         <p:sp>
           <p:nvSpPr>
-            <p:cNvPr id="159" name="tx159"/>
-            <p:cNvSpPr/>
-            <p:nvPr/>
-          </p:nvSpPr>
-          <p:spPr>
-            <a:xfrm>
-              <a:off x="299140" y="2684552"/>
+            <p:cNvPr id="166" name="tx166"/>
+            <p:cNvSpPr/>
+            <p:nvPr/>
+          </p:nvSpPr>
+          <p:spPr>
+            <a:xfrm>
+              <a:off x="299140" y="2442590"/>
               <a:ext cx="223480" cy="85903"/>
             </a:xfrm>
             <a:prstGeom prst="rect">
@@ -9298,60 +9568,14 @@
                   <a:latin typeface="Times New Roman"/>
                   <a:cs typeface="Times New Roman"/>
                 </a:rPr>
-                <a:t>60%</a:t>
+                <a:t>75%</a:t>
               </a:r>
             </a:p>
           </p:txBody>
         </p:sp>
         <p:sp>
           <p:nvSpPr>
-            <p:cNvPr id="160" name="tx160"/>
-            <p:cNvSpPr/>
-            <p:nvPr/>
-          </p:nvSpPr>
-          <p:spPr>
-            <a:xfrm>
-              <a:off x="299140" y="2419572"/>
-              <a:ext cx="223480" cy="85903"/>
-            </a:xfrm>
-            <a:prstGeom prst="rect">
-              <a:avLst/>
-            </a:prstGeom>
-            <a:noFill/>
-          </p:spPr>
-          <p:txBody>
-            <a:bodyPr lIns="0" rIns="0" tIns="0" bIns="0" anchorCtr="1" anchor="ctr" wrap="none"/>
-            <a:lstStyle/>
-            <a:p>
-              <a:pPr algn="l" marL="0" marR="0" indent="0">
-                <a:lnSpc>
-                  <a:spcPts val="960"/>
-                </a:lnSpc>
-                <a:spcBef>
-                  <a:spcPts val="0"/>
-                </a:spcBef>
-                <a:spcAft>
-                  <a:spcPts val="0"/>
-                </a:spcAft>
-              </a:pPr>
-              <a:r>
-                <a:rPr sz="960">
-                  <a:solidFill>
-                    <a:srgbClr val="4D4D4D">
-                      <a:alpha val="100000"/>
-                    </a:srgbClr>
-                  </a:solidFill>
-                  <a:latin typeface="Times New Roman"/>
-                  <a:cs typeface="Times New Roman"/>
-                </a:rPr>
-                <a:t>80%</a:t>
-              </a:r>
-            </a:p>
-          </p:txBody>
-        </p:sp>
-        <p:sp>
-          <p:nvSpPr>
-            <p:cNvPr id="161" name="tx161"/>
+            <p:cNvPr id="167" name="tx167"/>
             <p:cNvSpPr/>
             <p:nvPr/>
           </p:nvSpPr>
@@ -9397,13 +9621,13 @@
         </p:sp>
         <p:sp>
           <p:nvSpPr>
-            <p:cNvPr id="162" name="pl162"/>
-            <p:cNvSpPr/>
-            <p:nvPr/>
-          </p:nvSpPr>
-          <p:spPr>
-            <a:xfrm>
-              <a:off x="550455" y="3525034"/>
+            <p:cNvPr id="168" name="pl168"/>
+            <p:cNvSpPr/>
+            <p:nvPr/>
+          </p:nvSpPr>
+          <p:spPr>
+            <a:xfrm>
+              <a:off x="550455" y="3640126"/>
               <a:ext cx="34794" cy="0"/>
             </a:xfrm>
             <a:custGeom>
@@ -9437,13 +9661,13 @@
         </p:sp>
         <p:sp>
           <p:nvSpPr>
-            <p:cNvPr id="163" name="pl163"/>
-            <p:cNvSpPr/>
-            <p:nvPr/>
-          </p:nvSpPr>
-          <p:spPr>
-            <a:xfrm>
-              <a:off x="550455" y="3260054"/>
+            <p:cNvPr id="169" name="pl169"/>
+            <p:cNvSpPr/>
+            <p:nvPr/>
+          </p:nvSpPr>
+          <p:spPr>
+            <a:xfrm>
+              <a:off x="550455" y="3352127"/>
               <a:ext cx="34794" cy="0"/>
             </a:xfrm>
             <a:custGeom>
@@ -9477,13 +9701,13 @@
         </p:sp>
         <p:sp>
           <p:nvSpPr>
-            <p:cNvPr id="164" name="pl164"/>
-            <p:cNvSpPr/>
-            <p:nvPr/>
-          </p:nvSpPr>
-          <p:spPr>
-            <a:xfrm>
-              <a:off x="550455" y="2995074"/>
+            <p:cNvPr id="170" name="pl170"/>
+            <p:cNvSpPr/>
+            <p:nvPr/>
+          </p:nvSpPr>
+          <p:spPr>
+            <a:xfrm>
+              <a:off x="550455" y="3064129"/>
               <a:ext cx="34794" cy="0"/>
             </a:xfrm>
             <a:custGeom>
@@ -9517,13 +9741,13 @@
         </p:sp>
         <p:sp>
           <p:nvSpPr>
-            <p:cNvPr id="165" name="pl165"/>
-            <p:cNvSpPr/>
-            <p:nvPr/>
-          </p:nvSpPr>
-          <p:spPr>
-            <a:xfrm>
-              <a:off x="550455" y="2730094"/>
+            <p:cNvPr id="171" name="pl171"/>
+            <p:cNvSpPr/>
+            <p:nvPr/>
+          </p:nvSpPr>
+          <p:spPr>
+            <a:xfrm>
+              <a:off x="550455" y="2776130"/>
               <a:ext cx="34794" cy="0"/>
             </a:xfrm>
             <a:custGeom>
@@ -9557,13 +9781,13 @@
         </p:sp>
         <p:sp>
           <p:nvSpPr>
-            <p:cNvPr id="166" name="pl166"/>
-            <p:cNvSpPr/>
-            <p:nvPr/>
-          </p:nvSpPr>
-          <p:spPr>
-            <a:xfrm>
-              <a:off x="550455" y="2465114"/>
+            <p:cNvPr id="172" name="pl172"/>
+            <p:cNvSpPr/>
+            <p:nvPr/>
+          </p:nvSpPr>
+          <p:spPr>
+            <a:xfrm>
+              <a:off x="550455" y="2488132"/>
               <a:ext cx="34794" cy="0"/>
             </a:xfrm>
             <a:custGeom>
@@ -9597,7 +9821,7 @@
         </p:sp>
         <p:sp>
           <p:nvSpPr>
-            <p:cNvPr id="167" name="pl167"/>
+            <p:cNvPr id="173" name="pl173"/>
             <p:cNvSpPr/>
             <p:nvPr/>
           </p:nvSpPr>
@@ -9637,7 +9861,7 @@
         </p:sp>
         <p:sp>
           <p:nvSpPr>
-            <p:cNvPr id="168" name="tx168"/>
+            <p:cNvPr id="174" name="tx174"/>
             <p:cNvSpPr/>
             <p:nvPr/>
           </p:nvSpPr>

--- a/02_Regions/02_Cumulatives/figures/02_Postzygotics.pptx
+++ b/02_Regions/02_Cumulatives/figures/02_Postzygotics.pptx
@@ -3066,7 +3066,7 @@
           <p:spPr>
             <a:xfrm>
               <a:off x="585250" y="287968"/>
-              <a:ext cx="1871573" cy="1553579"/>
+              <a:ext cx="1640193" cy="1559413"/>
             </a:xfrm>
             <a:prstGeom prst="rect">
               <a:avLst/>
@@ -3091,21 +3091,21 @@
           </p:nvSpPr>
           <p:spPr>
             <a:xfrm>
-              <a:off x="585250" y="1798578"/>
-              <a:ext cx="1871573" cy="0"/>
+              <a:off x="585250" y="1831438"/>
+              <a:ext cx="1640193" cy="0"/>
             </a:xfrm>
             <a:custGeom>
               <a:avLst/>
               <a:pathLst>
-                <a:path w="1871573" h="0">
+                <a:path w="1640193" h="0">
                   <a:moveTo>
                     <a:pt x="0" y="0"/>
                   </a:moveTo>
                   <a:lnTo>
-                    <a:pt x="1871573" y="0"/>
-                  </a:lnTo>
-                  <a:lnTo>
-                    <a:pt x="1871573" y="0"/>
+                    <a:pt x="1640193" y="0"/>
+                  </a:lnTo>
+                  <a:lnTo>
+                    <a:pt x="1640193" y="0"/>
                   </a:lnTo>
                 </a:path>
               </a:pathLst>
@@ -3134,21 +3134,21 @@
           </p:nvSpPr>
           <p:spPr>
             <a:xfrm>
-              <a:off x="585250" y="1510579"/>
-              <a:ext cx="1871573" cy="0"/>
+              <a:off x="585250" y="1532860"/>
+              <a:ext cx="1640193" cy="0"/>
             </a:xfrm>
             <a:custGeom>
               <a:avLst/>
               <a:pathLst>
-                <a:path w="1871573" h="0">
+                <a:path w="1640193" h="0">
                   <a:moveTo>
                     <a:pt x="0" y="0"/>
                   </a:moveTo>
                   <a:lnTo>
-                    <a:pt x="1871573" y="0"/>
-                  </a:lnTo>
-                  <a:lnTo>
-                    <a:pt x="1871573" y="0"/>
+                    <a:pt x="1640193" y="0"/>
+                  </a:lnTo>
+                  <a:lnTo>
+                    <a:pt x="1640193" y="0"/>
                   </a:lnTo>
                 </a:path>
               </a:pathLst>
@@ -3177,21 +3177,21 @@
           </p:nvSpPr>
           <p:spPr>
             <a:xfrm>
-              <a:off x="585250" y="1222581"/>
-              <a:ext cx="1871573" cy="0"/>
+              <a:off x="585250" y="1234281"/>
+              <a:ext cx="1640193" cy="0"/>
             </a:xfrm>
             <a:custGeom>
               <a:avLst/>
               <a:pathLst>
-                <a:path w="1871573" h="0">
+                <a:path w="1640193" h="0">
                   <a:moveTo>
                     <a:pt x="0" y="0"/>
                   </a:moveTo>
                   <a:lnTo>
-                    <a:pt x="1871573" y="0"/>
-                  </a:lnTo>
-                  <a:lnTo>
-                    <a:pt x="1871573" y="0"/>
+                    <a:pt x="1640193" y="0"/>
+                  </a:lnTo>
+                  <a:lnTo>
+                    <a:pt x="1640193" y="0"/>
                   </a:lnTo>
                 </a:path>
               </a:pathLst>
@@ -3220,21 +3220,21 @@
           </p:nvSpPr>
           <p:spPr>
             <a:xfrm>
-              <a:off x="585250" y="934582"/>
-              <a:ext cx="1871573" cy="0"/>
+              <a:off x="585250" y="935703"/>
+              <a:ext cx="1640193" cy="0"/>
             </a:xfrm>
             <a:custGeom>
               <a:avLst/>
               <a:pathLst>
-                <a:path w="1871573" h="0">
+                <a:path w="1640193" h="0">
                   <a:moveTo>
                     <a:pt x="0" y="0"/>
                   </a:moveTo>
                   <a:lnTo>
-                    <a:pt x="1871573" y="0"/>
-                  </a:lnTo>
-                  <a:lnTo>
-                    <a:pt x="1871573" y="0"/>
+                    <a:pt x="1640193" y="0"/>
+                  </a:lnTo>
+                  <a:lnTo>
+                    <a:pt x="1640193" y="0"/>
                   </a:lnTo>
                 </a:path>
               </a:pathLst>
@@ -3263,21 +3263,21 @@
           </p:nvSpPr>
           <p:spPr>
             <a:xfrm>
-              <a:off x="585250" y="646584"/>
-              <a:ext cx="1871573" cy="0"/>
+              <a:off x="585250" y="637125"/>
+              <a:ext cx="1640193" cy="0"/>
             </a:xfrm>
             <a:custGeom>
               <a:avLst/>
               <a:pathLst>
-                <a:path w="1871573" h="0">
+                <a:path w="1640193" h="0">
                   <a:moveTo>
                     <a:pt x="0" y="0"/>
                   </a:moveTo>
                   <a:lnTo>
-                    <a:pt x="1871573" y="0"/>
-                  </a:lnTo>
-                  <a:lnTo>
-                    <a:pt x="1871573" y="0"/>
+                    <a:pt x="1640193" y="0"/>
+                  </a:lnTo>
+                  <a:lnTo>
+                    <a:pt x="1640193" y="0"/>
                   </a:lnTo>
                 </a:path>
               </a:pathLst>
@@ -3306,21 +3306,21 @@
           </p:nvSpPr>
           <p:spPr>
             <a:xfrm>
-              <a:off x="585250" y="358585"/>
-              <a:ext cx="1871573" cy="0"/>
+              <a:off x="585250" y="338547"/>
+              <a:ext cx="1640193" cy="0"/>
             </a:xfrm>
             <a:custGeom>
               <a:avLst/>
               <a:pathLst>
-                <a:path w="1871573" h="0">
+                <a:path w="1640193" h="0">
                   <a:moveTo>
                     <a:pt x="0" y="0"/>
                   </a:moveTo>
                   <a:lnTo>
-                    <a:pt x="1871573" y="0"/>
-                  </a:lnTo>
-                  <a:lnTo>
-                    <a:pt x="1871573" y="0"/>
+                    <a:pt x="1640193" y="0"/>
+                  </a:lnTo>
+                  <a:lnTo>
+                    <a:pt x="1640193" y="0"/>
                   </a:lnTo>
                 </a:path>
               </a:pathLst>
@@ -3349,21 +3349,21 @@
           </p:nvSpPr>
           <p:spPr>
             <a:xfrm>
-              <a:off x="585250" y="1510579"/>
-              <a:ext cx="1871573" cy="0"/>
+              <a:off x="585250" y="1532860"/>
+              <a:ext cx="1640193" cy="0"/>
             </a:xfrm>
             <a:custGeom>
               <a:avLst/>
               <a:pathLst>
-                <a:path w="1871573" h="0">
+                <a:path w="1640193" h="0">
                   <a:moveTo>
                     <a:pt x="0" y="0"/>
                   </a:moveTo>
                   <a:lnTo>
-                    <a:pt x="1871573" y="0"/>
-                  </a:lnTo>
-                  <a:lnTo>
-                    <a:pt x="1871573" y="0"/>
+                    <a:pt x="1640193" y="0"/>
+                  </a:lnTo>
+                  <a:lnTo>
+                    <a:pt x="1640193" y="0"/>
                   </a:lnTo>
                 </a:path>
               </a:pathLst>
@@ -3392,27 +3392,27 @@
           </p:nvSpPr>
           <p:spPr>
             <a:xfrm>
-              <a:off x="801201" y="378169"/>
-              <a:ext cx="1439671" cy="1186553"/>
+              <a:off x="774503" y="358851"/>
+              <a:ext cx="1261687" cy="1230141"/>
             </a:xfrm>
             <a:custGeom>
               <a:avLst/>
               <a:pathLst>
-                <a:path w="1439671" h="1186553">
+                <a:path w="1261687" h="1230141">
                   <a:moveTo>
-                    <a:pt x="0" y="1186553"/>
+                    <a:pt x="0" y="1230141"/>
                   </a:moveTo>
                   <a:lnTo>
-                    <a:pt x="359917" y="1096698"/>
-                  </a:lnTo>
-                  <a:lnTo>
-                    <a:pt x="719835" y="1080570"/>
-                  </a:lnTo>
-                  <a:lnTo>
-                    <a:pt x="1079753" y="317950"/>
-                  </a:lnTo>
-                  <a:lnTo>
-                    <a:pt x="1439671" y="0"/>
+                    <a:pt x="315421" y="1136985"/>
+                  </a:lnTo>
+                  <a:lnTo>
+                    <a:pt x="630843" y="1120264"/>
+                  </a:lnTo>
+                  <a:lnTo>
+                    <a:pt x="946265" y="329630"/>
+                  </a:lnTo>
+                  <a:lnTo>
+                    <a:pt x="1261687" y="0"/>
                   </a:lnTo>
                 </a:path>
               </a:pathLst>
@@ -3441,27 +3441,27 @@
           </p:nvSpPr>
           <p:spPr>
             <a:xfrm>
-              <a:off x="801201" y="868919"/>
-              <a:ext cx="1439671" cy="529917"/>
+              <a:off x="774503" y="1480310"/>
+              <a:ext cx="1261687" cy="296189"/>
             </a:xfrm>
             <a:custGeom>
               <a:avLst/>
               <a:pathLst>
-                <a:path w="1439671" h="529917">
+                <a:path w="1261687" h="296189">
                   <a:moveTo>
-                    <a:pt x="0" y="529917"/>
+                    <a:pt x="0" y="0"/>
                   </a:moveTo>
                   <a:lnTo>
-                    <a:pt x="359917" y="521853"/>
-                  </a:lnTo>
-                  <a:lnTo>
-                    <a:pt x="719835" y="489597"/>
-                  </a:lnTo>
-                  <a:lnTo>
-                    <a:pt x="1079753" y="31103"/>
-                  </a:lnTo>
-                  <a:lnTo>
-                    <a:pt x="1439671" y="0"/>
+                    <a:pt x="315421" y="179146"/>
+                  </a:lnTo>
+                  <a:lnTo>
+                    <a:pt x="630843" y="120625"/>
+                  </a:lnTo>
+                  <a:lnTo>
+                    <a:pt x="946265" y="296189"/>
+                  </a:lnTo>
+                  <a:lnTo>
+                    <a:pt x="1261687" y="194672"/>
                   </a:lnTo>
                 </a:path>
               </a:pathLst>
@@ -3490,7 +3490,7 @@
           </p:nvSpPr>
           <p:spPr>
             <a:xfrm>
-              <a:off x="776375" y="1539897"/>
+              <a:off x="749677" y="1564166"/>
               <a:ext cx="49651" cy="49651"/>
             </a:xfrm>
             <a:prstGeom prst="ellipse">
@@ -3525,7 +3525,7 @@
           </p:nvSpPr>
           <p:spPr>
             <a:xfrm>
-              <a:off x="776375" y="1374010"/>
+              <a:off x="749677" y="1455484"/>
               <a:ext cx="49651" cy="49651"/>
             </a:xfrm>
             <a:prstGeom prst="ellipse">
@@ -3560,7 +3560,7 @@
           </p:nvSpPr>
           <p:spPr>
             <a:xfrm>
-              <a:off x="1136293" y="1450042"/>
+              <a:off x="1065099" y="1471010"/>
               <a:ext cx="49651" cy="49651"/>
             </a:xfrm>
             <a:prstGeom prst="ellipse">
@@ -3595,7 +3595,7 @@
           </p:nvSpPr>
           <p:spPr>
             <a:xfrm>
-              <a:off x="1136293" y="1365946"/>
+              <a:off x="1065099" y="1634631"/>
               <a:ext cx="49651" cy="49651"/>
             </a:xfrm>
             <a:prstGeom prst="ellipse">
@@ -3630,7 +3630,7 @@
           </p:nvSpPr>
           <p:spPr>
             <a:xfrm>
-              <a:off x="1496211" y="1433914"/>
+              <a:off x="1380521" y="1454290"/>
               <a:ext cx="49651" cy="49651"/>
             </a:xfrm>
             <a:prstGeom prst="ellipse">
@@ -3665,7 +3665,7 @@
           </p:nvSpPr>
           <p:spPr>
             <a:xfrm>
-              <a:off x="1496211" y="1333690"/>
+              <a:off x="1380521" y="1576109"/>
               <a:ext cx="49651" cy="49651"/>
             </a:xfrm>
             <a:prstGeom prst="ellipse">
@@ -3700,7 +3700,7 @@
           </p:nvSpPr>
           <p:spPr>
             <a:xfrm>
-              <a:off x="1856129" y="671294"/>
+              <a:off x="1695942" y="663655"/>
               <a:ext cx="49651" cy="49651"/>
             </a:xfrm>
             <a:prstGeom prst="ellipse">
@@ -3735,7 +3735,7 @@
           </p:nvSpPr>
           <p:spPr>
             <a:xfrm>
-              <a:off x="1856129" y="875197"/>
+              <a:off x="1695942" y="1751673"/>
               <a:ext cx="49651" cy="49651"/>
             </a:xfrm>
             <a:prstGeom prst="ellipse">
@@ -3770,7 +3770,7 @@
           </p:nvSpPr>
           <p:spPr>
             <a:xfrm>
-              <a:off x="2216047" y="353343"/>
+              <a:off x="2011364" y="334025"/>
               <a:ext cx="49651" cy="49651"/>
             </a:xfrm>
             <a:prstGeom prst="ellipse">
@@ -3805,7 +3805,7 @@
           </p:nvSpPr>
           <p:spPr>
             <a:xfrm>
-              <a:off x="2216047" y="844093"/>
+              <a:off x="2011364" y="1650157"/>
               <a:ext cx="49651" cy="49651"/>
             </a:xfrm>
             <a:prstGeom prst="ellipse">
@@ -3840,8 +3840,8 @@
           </p:nvSpPr>
           <p:spPr>
             <a:xfrm>
-              <a:off x="2526412" y="287968"/>
-              <a:ext cx="1871573" cy="1553579"/>
+              <a:off x="2642103" y="287968"/>
+              <a:ext cx="1640193" cy="1559413"/>
             </a:xfrm>
             <a:prstGeom prst="rect">
               <a:avLst/>
@@ -3866,21 +3866,21 @@
           </p:nvSpPr>
           <p:spPr>
             <a:xfrm>
-              <a:off x="2526412" y="1798578"/>
-              <a:ext cx="1871573" cy="0"/>
+              <a:off x="2642103" y="1804571"/>
+              <a:ext cx="1640193" cy="0"/>
             </a:xfrm>
             <a:custGeom>
               <a:avLst/>
               <a:pathLst>
-                <a:path w="1871573" h="0">
+                <a:path w="1640193" h="0">
                   <a:moveTo>
                     <a:pt x="0" y="0"/>
                   </a:moveTo>
                   <a:lnTo>
-                    <a:pt x="1871573" y="0"/>
-                  </a:lnTo>
-                  <a:lnTo>
-                    <a:pt x="1871573" y="0"/>
+                    <a:pt x="1640193" y="0"/>
+                  </a:lnTo>
+                  <a:lnTo>
+                    <a:pt x="1640193" y="0"/>
                   </a:lnTo>
                 </a:path>
               </a:pathLst>
@@ -3909,21 +3909,21 @@
           </p:nvSpPr>
           <p:spPr>
             <a:xfrm>
-              <a:off x="2526412" y="1510579"/>
-              <a:ext cx="1871573" cy="0"/>
+              <a:off x="2642103" y="1512152"/>
+              <a:ext cx="1640193" cy="0"/>
             </a:xfrm>
             <a:custGeom>
               <a:avLst/>
               <a:pathLst>
-                <a:path w="1871573" h="0">
+                <a:path w="1640193" h="0">
                   <a:moveTo>
                     <a:pt x="0" y="0"/>
                   </a:moveTo>
                   <a:lnTo>
-                    <a:pt x="1871573" y="0"/>
-                  </a:lnTo>
-                  <a:lnTo>
-                    <a:pt x="1871573" y="0"/>
+                    <a:pt x="1640193" y="0"/>
+                  </a:lnTo>
+                  <a:lnTo>
+                    <a:pt x="1640193" y="0"/>
                   </a:lnTo>
                 </a:path>
               </a:pathLst>
@@ -3952,21 +3952,21 @@
           </p:nvSpPr>
           <p:spPr>
             <a:xfrm>
-              <a:off x="2526412" y="1222581"/>
-              <a:ext cx="1871573" cy="0"/>
+              <a:off x="2642103" y="1219733"/>
+              <a:ext cx="1640193" cy="0"/>
             </a:xfrm>
             <a:custGeom>
               <a:avLst/>
               <a:pathLst>
-                <a:path w="1871573" h="0">
+                <a:path w="1640193" h="0">
                   <a:moveTo>
                     <a:pt x="0" y="0"/>
                   </a:moveTo>
                   <a:lnTo>
-                    <a:pt x="1871573" y="0"/>
-                  </a:lnTo>
-                  <a:lnTo>
-                    <a:pt x="1871573" y="0"/>
+                    <a:pt x="1640193" y="0"/>
+                  </a:lnTo>
+                  <a:lnTo>
+                    <a:pt x="1640193" y="0"/>
                   </a:lnTo>
                 </a:path>
               </a:pathLst>
@@ -3995,21 +3995,21 @@
           </p:nvSpPr>
           <p:spPr>
             <a:xfrm>
-              <a:off x="2526412" y="934582"/>
-              <a:ext cx="1871573" cy="0"/>
+              <a:off x="2642103" y="927314"/>
+              <a:ext cx="1640193" cy="0"/>
             </a:xfrm>
             <a:custGeom>
               <a:avLst/>
               <a:pathLst>
-                <a:path w="1871573" h="0">
+                <a:path w="1640193" h="0">
                   <a:moveTo>
                     <a:pt x="0" y="0"/>
                   </a:moveTo>
                   <a:lnTo>
-                    <a:pt x="1871573" y="0"/>
-                  </a:lnTo>
-                  <a:lnTo>
-                    <a:pt x="1871573" y="0"/>
+                    <a:pt x="1640193" y="0"/>
+                  </a:lnTo>
+                  <a:lnTo>
+                    <a:pt x="1640193" y="0"/>
                   </a:lnTo>
                 </a:path>
               </a:pathLst>
@@ -4038,21 +4038,21 @@
           </p:nvSpPr>
           <p:spPr>
             <a:xfrm>
-              <a:off x="2526412" y="646584"/>
-              <a:ext cx="1871573" cy="0"/>
+              <a:off x="2642103" y="634894"/>
+              <a:ext cx="1640193" cy="0"/>
             </a:xfrm>
             <a:custGeom>
               <a:avLst/>
               <a:pathLst>
-                <a:path w="1871573" h="0">
+                <a:path w="1640193" h="0">
                   <a:moveTo>
                     <a:pt x="0" y="0"/>
                   </a:moveTo>
                   <a:lnTo>
-                    <a:pt x="1871573" y="0"/>
-                  </a:lnTo>
-                  <a:lnTo>
-                    <a:pt x="1871573" y="0"/>
+                    <a:pt x="1640193" y="0"/>
+                  </a:lnTo>
+                  <a:lnTo>
+                    <a:pt x="1640193" y="0"/>
                   </a:lnTo>
                 </a:path>
               </a:pathLst>
@@ -4081,21 +4081,21 @@
           </p:nvSpPr>
           <p:spPr>
             <a:xfrm>
-              <a:off x="2526412" y="358585"/>
-              <a:ext cx="1871573" cy="0"/>
+              <a:off x="2642103" y="342475"/>
+              <a:ext cx="1640193" cy="0"/>
             </a:xfrm>
             <a:custGeom>
               <a:avLst/>
               <a:pathLst>
-                <a:path w="1871573" h="0">
+                <a:path w="1640193" h="0">
                   <a:moveTo>
                     <a:pt x="0" y="0"/>
                   </a:moveTo>
                   <a:lnTo>
-                    <a:pt x="1871573" y="0"/>
-                  </a:lnTo>
-                  <a:lnTo>
-                    <a:pt x="1871573" y="0"/>
+                    <a:pt x="1640193" y="0"/>
+                  </a:lnTo>
+                  <a:lnTo>
+                    <a:pt x="1640193" y="0"/>
                   </a:lnTo>
                 </a:path>
               </a:pathLst>
@@ -4124,21 +4124,21 @@
           </p:nvSpPr>
           <p:spPr>
             <a:xfrm>
-              <a:off x="2526412" y="1510579"/>
-              <a:ext cx="1871573" cy="0"/>
+              <a:off x="2642103" y="1512152"/>
+              <a:ext cx="1640193" cy="0"/>
             </a:xfrm>
             <a:custGeom>
               <a:avLst/>
               <a:pathLst>
-                <a:path w="1871573" h="0">
+                <a:path w="1640193" h="0">
                   <a:moveTo>
                     <a:pt x="0" y="0"/>
                   </a:moveTo>
                   <a:lnTo>
-                    <a:pt x="1871573" y="0"/>
-                  </a:lnTo>
-                  <a:lnTo>
-                    <a:pt x="1871573" y="0"/>
+                    <a:pt x="1640193" y="0"/>
+                  </a:lnTo>
+                  <a:lnTo>
+                    <a:pt x="1640193" y="0"/>
                   </a:lnTo>
                 </a:path>
               </a:pathLst>
@@ -4167,27 +4167,27 @@
           </p:nvSpPr>
           <p:spPr>
             <a:xfrm>
-              <a:off x="2742363" y="1443764"/>
-              <a:ext cx="1439671" cy="327166"/>
+              <a:off x="2831356" y="1444311"/>
+              <a:ext cx="1261687" cy="332188"/>
             </a:xfrm>
             <a:custGeom>
               <a:avLst/>
               <a:pathLst>
-                <a:path w="1439671" h="327166">
+                <a:path w="1261687" h="332188">
                   <a:moveTo>
-                    <a:pt x="0" y="120959"/>
+                    <a:pt x="0" y="122816"/>
                   </a:moveTo>
                   <a:lnTo>
-                    <a:pt x="359917" y="216574"/>
-                  </a:lnTo>
-                  <a:lnTo>
-                    <a:pt x="719835" y="327166"/>
-                  </a:lnTo>
-                  <a:lnTo>
-                    <a:pt x="1079753" y="0"/>
-                  </a:lnTo>
-                  <a:lnTo>
-                    <a:pt x="1439671" y="210814"/>
+                    <a:pt x="315421" y="219899"/>
+                  </a:lnTo>
+                  <a:lnTo>
+                    <a:pt x="630843" y="332188"/>
+                  </a:lnTo>
+                  <a:lnTo>
+                    <a:pt x="946265" y="0"/>
+                  </a:lnTo>
+                  <a:lnTo>
+                    <a:pt x="1261687" y="214050"/>
                   </a:lnTo>
                 </a:path>
               </a:pathLst>
@@ -4216,27 +4216,27 @@
           </p:nvSpPr>
           <p:spPr>
             <a:xfrm>
-              <a:off x="2742363" y="365497"/>
-              <a:ext cx="1439671" cy="337534"/>
+              <a:off x="2831356" y="358851"/>
+              <a:ext cx="1261687" cy="354412"/>
             </a:xfrm>
             <a:custGeom>
               <a:avLst/>
               <a:pathLst>
-                <a:path w="1439671" h="337534">
+                <a:path w="1261687" h="354412">
                   <a:moveTo>
-                    <a:pt x="0" y="337534"/>
+                    <a:pt x="0" y="354412"/>
                   </a:moveTo>
                   <a:lnTo>
-                    <a:pt x="359917" y="178559"/>
-                  </a:lnTo>
-                  <a:lnTo>
-                    <a:pt x="719835" y="194686"/>
-                  </a:lnTo>
-                  <a:lnTo>
-                    <a:pt x="1079753" y="27647"/>
-                  </a:lnTo>
-                  <a:lnTo>
-                    <a:pt x="1439671" y="0"/>
+                    <a:pt x="315421" y="216390"/>
+                  </a:lnTo>
+                  <a:lnTo>
+                    <a:pt x="630843" y="232765"/>
+                  </a:lnTo>
+                  <a:lnTo>
+                    <a:pt x="946265" y="72519"/>
+                  </a:lnTo>
+                  <a:lnTo>
+                    <a:pt x="1261687" y="0"/>
                   </a:lnTo>
                 </a:path>
               </a:pathLst>
@@ -4265,7 +4265,7 @@
           </p:nvSpPr>
           <p:spPr>
             <a:xfrm>
-              <a:off x="2717537" y="1539897"/>
+              <a:off x="2806530" y="1542301"/>
               <a:ext cx="49651" cy="49651"/>
             </a:xfrm>
             <a:prstGeom prst="ellipse">
@@ -4300,7 +4300,7 @@
           </p:nvSpPr>
           <p:spPr>
             <a:xfrm>
-              <a:off x="2717537" y="678206"/>
+              <a:off x="2806530" y="688437"/>
               <a:ext cx="49651" cy="49651"/>
             </a:xfrm>
             <a:prstGeom prst="ellipse">
@@ -4335,7 +4335,7 @@
           </p:nvSpPr>
           <p:spPr>
             <a:xfrm>
-              <a:off x="3077455" y="1635513"/>
+              <a:off x="3121952" y="1639384"/>
               <a:ext cx="49651" cy="49651"/>
             </a:xfrm>
             <a:prstGeom prst="ellipse">
@@ -4370,7 +4370,7 @@
           </p:nvSpPr>
           <p:spPr>
             <a:xfrm>
-              <a:off x="3077455" y="519231"/>
+              <a:off x="3121952" y="550415"/>
               <a:ext cx="49651" cy="49651"/>
             </a:xfrm>
             <a:prstGeom prst="ellipse">
@@ -4405,7 +4405,7 @@
           </p:nvSpPr>
           <p:spPr>
             <a:xfrm>
-              <a:off x="3437373" y="1746104"/>
+              <a:off x="3437373" y="1751673"/>
               <a:ext cx="49651" cy="49651"/>
             </a:xfrm>
             <a:prstGeom prst="ellipse">
@@ -4440,7 +4440,7 @@
           </p:nvSpPr>
           <p:spPr>
             <a:xfrm>
-              <a:off x="3437373" y="535358"/>
+              <a:off x="3437373" y="566790"/>
               <a:ext cx="49651" cy="49651"/>
             </a:xfrm>
             <a:prstGeom prst="ellipse">
@@ -4475,7 +4475,7 @@
           </p:nvSpPr>
           <p:spPr>
             <a:xfrm>
-              <a:off x="3797291" y="1418938"/>
+              <a:off x="3752795" y="1419485"/>
               <a:ext cx="49651" cy="49651"/>
             </a:xfrm>
             <a:prstGeom prst="ellipse">
@@ -4510,7 +4510,7 @@
           </p:nvSpPr>
           <p:spPr>
             <a:xfrm>
-              <a:off x="3797291" y="368319"/>
+              <a:off x="3752795" y="406545"/>
               <a:ext cx="49651" cy="49651"/>
             </a:xfrm>
             <a:prstGeom prst="ellipse">
@@ -4545,7 +4545,7 @@
           </p:nvSpPr>
           <p:spPr>
             <a:xfrm>
-              <a:off x="4157209" y="1629753"/>
+              <a:off x="4068217" y="1633536"/>
               <a:ext cx="49651" cy="49651"/>
             </a:xfrm>
             <a:prstGeom prst="ellipse">
@@ -4580,7 +4580,7 @@
           </p:nvSpPr>
           <p:spPr>
             <a:xfrm>
-              <a:off x="4157209" y="340671"/>
+              <a:off x="4068217" y="334025"/>
               <a:ext cx="49651" cy="49651"/>
             </a:xfrm>
             <a:prstGeom prst="ellipse">
@@ -4615,8 +4615,8 @@
           </p:nvSpPr>
           <p:spPr>
             <a:xfrm>
-              <a:off x="4467575" y="287968"/>
-              <a:ext cx="1871573" cy="1553579"/>
+              <a:off x="4698955" y="287968"/>
+              <a:ext cx="1640193" cy="1559413"/>
             </a:xfrm>
             <a:prstGeom prst="rect">
               <a:avLst/>
@@ -4641,21 +4641,21 @@
           </p:nvSpPr>
           <p:spPr>
             <a:xfrm>
-              <a:off x="4467575" y="1798578"/>
-              <a:ext cx="1871573" cy="0"/>
+              <a:off x="4698955" y="1687481"/>
+              <a:ext cx="1640193" cy="0"/>
             </a:xfrm>
             <a:custGeom>
               <a:avLst/>
               <a:pathLst>
-                <a:path w="1871573" h="0">
+                <a:path w="1640193" h="0">
                   <a:moveTo>
                     <a:pt x="0" y="0"/>
                   </a:moveTo>
                   <a:lnTo>
-                    <a:pt x="1871573" y="0"/>
-                  </a:lnTo>
-                  <a:lnTo>
-                    <a:pt x="1871573" y="0"/>
+                    <a:pt x="1640193" y="0"/>
+                  </a:lnTo>
+                  <a:lnTo>
+                    <a:pt x="1640193" y="0"/>
                   </a:lnTo>
                 </a:path>
               </a:pathLst>
@@ -4684,21 +4684,21 @@
           </p:nvSpPr>
           <p:spPr>
             <a:xfrm>
-              <a:off x="4467575" y="1510579"/>
-              <a:ext cx="1871573" cy="0"/>
+              <a:off x="4698955" y="1421755"/>
+              <a:ext cx="1640193" cy="0"/>
             </a:xfrm>
             <a:custGeom>
               <a:avLst/>
               <a:pathLst>
-                <a:path w="1871573" h="0">
+                <a:path w="1640193" h="0">
                   <a:moveTo>
                     <a:pt x="0" y="0"/>
                   </a:moveTo>
                   <a:lnTo>
-                    <a:pt x="1871573" y="0"/>
-                  </a:lnTo>
-                  <a:lnTo>
-                    <a:pt x="1871573" y="0"/>
+                    <a:pt x="1640193" y="0"/>
+                  </a:lnTo>
+                  <a:lnTo>
+                    <a:pt x="1640193" y="0"/>
                   </a:lnTo>
                 </a:path>
               </a:pathLst>
@@ -4727,21 +4727,21 @@
           </p:nvSpPr>
           <p:spPr>
             <a:xfrm>
-              <a:off x="4467575" y="1222581"/>
-              <a:ext cx="1871573" cy="0"/>
+              <a:off x="4698955" y="1156029"/>
+              <a:ext cx="1640193" cy="0"/>
             </a:xfrm>
             <a:custGeom>
               <a:avLst/>
               <a:pathLst>
-                <a:path w="1871573" h="0">
+                <a:path w="1640193" h="0">
                   <a:moveTo>
                     <a:pt x="0" y="0"/>
                   </a:moveTo>
                   <a:lnTo>
-                    <a:pt x="1871573" y="0"/>
-                  </a:lnTo>
-                  <a:lnTo>
-                    <a:pt x="1871573" y="0"/>
+                    <a:pt x="1640193" y="0"/>
+                  </a:lnTo>
+                  <a:lnTo>
+                    <a:pt x="1640193" y="0"/>
                   </a:lnTo>
                 </a:path>
               </a:pathLst>
@@ -4770,21 +4770,21 @@
           </p:nvSpPr>
           <p:spPr>
             <a:xfrm>
-              <a:off x="4467575" y="934582"/>
-              <a:ext cx="1871573" cy="0"/>
+              <a:off x="4698955" y="890303"/>
+              <a:ext cx="1640193" cy="0"/>
             </a:xfrm>
             <a:custGeom>
               <a:avLst/>
               <a:pathLst>
-                <a:path w="1871573" h="0">
+                <a:path w="1640193" h="0">
                   <a:moveTo>
                     <a:pt x="0" y="0"/>
                   </a:moveTo>
                   <a:lnTo>
-                    <a:pt x="1871573" y="0"/>
-                  </a:lnTo>
-                  <a:lnTo>
-                    <a:pt x="1871573" y="0"/>
+                    <a:pt x="1640193" y="0"/>
+                  </a:lnTo>
+                  <a:lnTo>
+                    <a:pt x="1640193" y="0"/>
                   </a:lnTo>
                 </a:path>
               </a:pathLst>
@@ -4813,21 +4813,21 @@
           </p:nvSpPr>
           <p:spPr>
             <a:xfrm>
-              <a:off x="4467575" y="646584"/>
-              <a:ext cx="1871573" cy="0"/>
+              <a:off x="4698955" y="624577"/>
+              <a:ext cx="1640193" cy="0"/>
             </a:xfrm>
             <a:custGeom>
               <a:avLst/>
               <a:pathLst>
-                <a:path w="1871573" h="0">
+                <a:path w="1640193" h="0">
                   <a:moveTo>
                     <a:pt x="0" y="0"/>
                   </a:moveTo>
                   <a:lnTo>
-                    <a:pt x="1871573" y="0"/>
-                  </a:lnTo>
-                  <a:lnTo>
-                    <a:pt x="1871573" y="0"/>
+                    <a:pt x="1640193" y="0"/>
+                  </a:lnTo>
+                  <a:lnTo>
+                    <a:pt x="1640193" y="0"/>
                   </a:lnTo>
                 </a:path>
               </a:pathLst>
@@ -4856,21 +4856,21 @@
           </p:nvSpPr>
           <p:spPr>
             <a:xfrm>
-              <a:off x="4467575" y="358585"/>
-              <a:ext cx="1871573" cy="0"/>
+              <a:off x="4698955" y="358851"/>
+              <a:ext cx="1640193" cy="0"/>
             </a:xfrm>
             <a:custGeom>
               <a:avLst/>
               <a:pathLst>
-                <a:path w="1871573" h="0">
+                <a:path w="1640193" h="0">
                   <a:moveTo>
                     <a:pt x="0" y="0"/>
                   </a:moveTo>
                   <a:lnTo>
-                    <a:pt x="1871573" y="0"/>
-                  </a:lnTo>
-                  <a:lnTo>
-                    <a:pt x="1871573" y="0"/>
+                    <a:pt x="1640193" y="0"/>
+                  </a:lnTo>
+                  <a:lnTo>
+                    <a:pt x="1640193" y="0"/>
                   </a:lnTo>
                 </a:path>
               </a:pathLst>
@@ -4899,21 +4899,21 @@
           </p:nvSpPr>
           <p:spPr>
             <a:xfrm>
-              <a:off x="4467575" y="1510579"/>
-              <a:ext cx="1871573" cy="0"/>
+              <a:off x="4698955" y="1687481"/>
+              <a:ext cx="1640193" cy="0"/>
             </a:xfrm>
             <a:custGeom>
               <a:avLst/>
               <a:pathLst>
-                <a:path w="1871573" h="0">
+                <a:path w="1640193" h="0">
                   <a:moveTo>
                     <a:pt x="0" y="0"/>
                   </a:moveTo>
                   <a:lnTo>
-                    <a:pt x="1871573" y="0"/>
-                  </a:lnTo>
-                  <a:lnTo>
-                    <a:pt x="1871573" y="0"/>
+                    <a:pt x="1640193" y="0"/>
+                  </a:lnTo>
+                  <a:lnTo>
+                    <a:pt x="1640193" y="0"/>
                   </a:lnTo>
                 </a:path>
               </a:pathLst>
@@ -4942,27 +4942,27 @@
           </p:nvSpPr>
           <p:spPr>
             <a:xfrm>
-              <a:off x="4683526" y="358585"/>
-              <a:ext cx="1439671" cy="1229177"/>
+              <a:off x="4888208" y="358851"/>
+              <a:ext cx="1261687" cy="1417648"/>
             </a:xfrm>
             <a:custGeom>
               <a:avLst/>
               <a:pathLst>
-                <a:path w="1439671" h="1229177">
+                <a:path w="1261687" h="1417648">
                   <a:moveTo>
-                    <a:pt x="0" y="1206137"/>
+                    <a:pt x="0" y="1391075"/>
                   </a:moveTo>
                   <a:lnTo>
-                    <a:pt x="359917" y="1229177"/>
-                  </a:lnTo>
-                  <a:lnTo>
-                    <a:pt x="719835" y="1103610"/>
-                  </a:lnTo>
-                  <a:lnTo>
-                    <a:pt x="1079753" y="52991"/>
-                  </a:lnTo>
-                  <a:lnTo>
-                    <a:pt x="1439671" y="0"/>
+                    <a:pt x="315421" y="1417648"/>
+                  </a:lnTo>
+                  <a:lnTo>
+                    <a:pt x="630843" y="1272827"/>
+                  </a:lnTo>
+                  <a:lnTo>
+                    <a:pt x="946265" y="61116"/>
+                  </a:lnTo>
+                  <a:lnTo>
+                    <a:pt x="1261687" y="0"/>
                   </a:lnTo>
                 </a:path>
               </a:pathLst>
@@ -4991,27 +4991,27 @@
           </p:nvSpPr>
           <p:spPr>
             <a:xfrm>
-              <a:off x="4683526" y="516409"/>
-              <a:ext cx="1439671" cy="405501"/>
+              <a:off x="4888208" y="819885"/>
+              <a:ext cx="1261687" cy="321528"/>
             </a:xfrm>
             <a:custGeom>
               <a:avLst/>
               <a:pathLst>
-                <a:path w="1439671" h="405501">
+                <a:path w="1261687" h="321528">
                   <a:moveTo>
-                    <a:pt x="0" y="405501"/>
+                    <a:pt x="0" y="225867"/>
                   </a:moveTo>
                   <a:lnTo>
-                    <a:pt x="359917" y="391677"/>
-                  </a:lnTo>
-                  <a:lnTo>
-                    <a:pt x="719835" y="376702"/>
-                  </a:lnTo>
-                  <a:lnTo>
-                    <a:pt x="1079753" y="80639"/>
-                  </a:lnTo>
-                  <a:lnTo>
-                    <a:pt x="1439671" y="0"/>
+                    <a:pt x="315421" y="321528"/>
+                  </a:lnTo>
+                  <a:lnTo>
+                    <a:pt x="630843" y="289641"/>
+                  </a:lnTo>
+                  <a:lnTo>
+                    <a:pt x="946265" y="244467"/>
+                  </a:lnTo>
+                  <a:lnTo>
+                    <a:pt x="1261687" y="0"/>
                   </a:lnTo>
                 </a:path>
               </a:pathLst>
@@ -5040,7 +5040,7 @@
           </p:nvSpPr>
           <p:spPr>
             <a:xfrm>
-              <a:off x="4658700" y="1539897"/>
+              <a:off x="4863382" y="1725101"/>
               <a:ext cx="49651" cy="49651"/>
             </a:xfrm>
             <a:prstGeom prst="ellipse">
@@ -5075,7 +5075,7 @@
           </p:nvSpPr>
           <p:spPr>
             <a:xfrm>
-              <a:off x="4658700" y="897085"/>
+              <a:off x="4863382" y="1020927"/>
               <a:ext cx="49651" cy="49651"/>
             </a:xfrm>
             <a:prstGeom prst="ellipse">
@@ -5110,7 +5110,7 @@
           </p:nvSpPr>
           <p:spPr>
             <a:xfrm>
-              <a:off x="5018618" y="1562937"/>
+              <a:off x="5178804" y="1751673"/>
               <a:ext cx="49651" cy="49651"/>
             </a:xfrm>
             <a:prstGeom prst="ellipse">
@@ -5145,7 +5145,7 @@
           </p:nvSpPr>
           <p:spPr>
             <a:xfrm>
-              <a:off x="5018618" y="883261"/>
+              <a:off x="5178804" y="1116588"/>
               <a:ext cx="49651" cy="49651"/>
             </a:xfrm>
             <a:prstGeom prst="ellipse">
@@ -5180,7 +5180,7 @@
           </p:nvSpPr>
           <p:spPr>
             <a:xfrm>
-              <a:off x="5378536" y="1437370"/>
+              <a:off x="5494226" y="1606853"/>
               <a:ext cx="49651" cy="49651"/>
             </a:xfrm>
             <a:prstGeom prst="ellipse">
@@ -5215,7 +5215,7 @@
           </p:nvSpPr>
           <p:spPr>
             <a:xfrm>
-              <a:off x="5378536" y="868285"/>
+              <a:off x="5494226" y="1084701"/>
               <a:ext cx="49651" cy="49651"/>
             </a:xfrm>
             <a:prstGeom prst="ellipse">
@@ -5250,7 +5250,7 @@
           </p:nvSpPr>
           <p:spPr>
             <a:xfrm>
-              <a:off x="5738454" y="386751"/>
+              <a:off x="5809648" y="395142"/>
               <a:ext cx="49651" cy="49651"/>
             </a:xfrm>
             <a:prstGeom prst="ellipse">
@@ -5285,7 +5285,7 @@
           </p:nvSpPr>
           <p:spPr>
             <a:xfrm>
-              <a:off x="5738454" y="572222"/>
+              <a:off x="5809648" y="1039527"/>
               <a:ext cx="49651" cy="49651"/>
             </a:xfrm>
             <a:prstGeom prst="ellipse">
@@ -5320,7 +5320,7 @@
           </p:nvSpPr>
           <p:spPr>
             <a:xfrm>
-              <a:off x="6098372" y="333759"/>
+              <a:off x="6125069" y="334025"/>
               <a:ext cx="49651" cy="49651"/>
             </a:xfrm>
             <a:prstGeom prst="ellipse">
@@ -5355,7 +5355,7 @@
           </p:nvSpPr>
           <p:spPr>
             <a:xfrm>
-              <a:off x="6098372" y="491583"/>
+              <a:off x="6125069" y="795059"/>
               <a:ext cx="49651" cy="49651"/>
             </a:xfrm>
             <a:prstGeom prst="ellipse">
@@ -5390,8 +5390,8 @@
           </p:nvSpPr>
           <p:spPr>
             <a:xfrm>
-              <a:off x="585250" y="2129516"/>
-              <a:ext cx="1871573" cy="1553579"/>
+              <a:off x="585250" y="2305018"/>
+              <a:ext cx="1640193" cy="1559413"/>
             </a:xfrm>
             <a:prstGeom prst="rect">
               <a:avLst/>
@@ -5416,21 +5416,21 @@
           </p:nvSpPr>
           <p:spPr>
             <a:xfrm>
-              <a:off x="585250" y="3640126"/>
-              <a:ext cx="1871573" cy="0"/>
+              <a:off x="585250" y="3793549"/>
+              <a:ext cx="1640193" cy="0"/>
             </a:xfrm>
             <a:custGeom>
               <a:avLst/>
               <a:pathLst>
-                <a:path w="1871573" h="0">
+                <a:path w="1640193" h="0">
                   <a:moveTo>
                     <a:pt x="0" y="0"/>
                   </a:moveTo>
                   <a:lnTo>
-                    <a:pt x="1871573" y="0"/>
-                  </a:lnTo>
-                  <a:lnTo>
-                    <a:pt x="1871573" y="0"/>
+                    <a:pt x="1640193" y="0"/>
+                  </a:lnTo>
+                  <a:lnTo>
+                    <a:pt x="1640193" y="0"/>
                   </a:lnTo>
                 </a:path>
               </a:pathLst>
@@ -5459,21 +5459,21 @@
           </p:nvSpPr>
           <p:spPr>
             <a:xfrm>
-              <a:off x="585250" y="3352127"/>
-              <a:ext cx="1871573" cy="0"/>
+              <a:off x="585250" y="3510019"/>
+              <a:ext cx="1640193" cy="0"/>
             </a:xfrm>
             <a:custGeom>
               <a:avLst/>
               <a:pathLst>
-                <a:path w="1871573" h="0">
+                <a:path w="1640193" h="0">
                   <a:moveTo>
                     <a:pt x="0" y="0"/>
                   </a:moveTo>
                   <a:lnTo>
-                    <a:pt x="1871573" y="0"/>
-                  </a:lnTo>
-                  <a:lnTo>
-                    <a:pt x="1871573" y="0"/>
+                    <a:pt x="1640193" y="0"/>
+                  </a:lnTo>
+                  <a:lnTo>
+                    <a:pt x="1640193" y="0"/>
                   </a:lnTo>
                 </a:path>
               </a:pathLst>
@@ -5502,21 +5502,21 @@
           </p:nvSpPr>
           <p:spPr>
             <a:xfrm>
-              <a:off x="585250" y="3064129"/>
-              <a:ext cx="1871573" cy="0"/>
+              <a:off x="585250" y="3226489"/>
+              <a:ext cx="1640193" cy="0"/>
             </a:xfrm>
             <a:custGeom>
               <a:avLst/>
               <a:pathLst>
-                <a:path w="1871573" h="0">
+                <a:path w="1640193" h="0">
                   <a:moveTo>
                     <a:pt x="0" y="0"/>
                   </a:moveTo>
                   <a:lnTo>
-                    <a:pt x="1871573" y="0"/>
-                  </a:lnTo>
-                  <a:lnTo>
-                    <a:pt x="1871573" y="0"/>
+                    <a:pt x="1640193" y="0"/>
+                  </a:lnTo>
+                  <a:lnTo>
+                    <a:pt x="1640193" y="0"/>
                   </a:lnTo>
                 </a:path>
               </a:pathLst>
@@ -5545,21 +5545,21 @@
           </p:nvSpPr>
           <p:spPr>
             <a:xfrm>
-              <a:off x="585250" y="2776130"/>
-              <a:ext cx="1871573" cy="0"/>
+              <a:off x="585250" y="2942960"/>
+              <a:ext cx="1640193" cy="0"/>
             </a:xfrm>
             <a:custGeom>
               <a:avLst/>
               <a:pathLst>
-                <a:path w="1871573" h="0">
+                <a:path w="1640193" h="0">
                   <a:moveTo>
                     <a:pt x="0" y="0"/>
                   </a:moveTo>
                   <a:lnTo>
-                    <a:pt x="1871573" y="0"/>
-                  </a:lnTo>
-                  <a:lnTo>
-                    <a:pt x="1871573" y="0"/>
+                    <a:pt x="1640193" y="0"/>
+                  </a:lnTo>
+                  <a:lnTo>
+                    <a:pt x="1640193" y="0"/>
                   </a:lnTo>
                 </a:path>
               </a:pathLst>
@@ -5588,21 +5588,21 @@
           </p:nvSpPr>
           <p:spPr>
             <a:xfrm>
-              <a:off x="585250" y="2488132"/>
-              <a:ext cx="1871573" cy="0"/>
+              <a:off x="585250" y="2659430"/>
+              <a:ext cx="1640193" cy="0"/>
             </a:xfrm>
             <a:custGeom>
               <a:avLst/>
               <a:pathLst>
-                <a:path w="1871573" h="0">
+                <a:path w="1640193" h="0">
                   <a:moveTo>
                     <a:pt x="0" y="0"/>
                   </a:moveTo>
                   <a:lnTo>
-                    <a:pt x="1871573" y="0"/>
-                  </a:lnTo>
-                  <a:lnTo>
-                    <a:pt x="1871573" y="0"/>
+                    <a:pt x="1640193" y="0"/>
+                  </a:lnTo>
+                  <a:lnTo>
+                    <a:pt x="1640193" y="0"/>
                   </a:lnTo>
                 </a:path>
               </a:pathLst>
@@ -5631,21 +5631,21 @@
           </p:nvSpPr>
           <p:spPr>
             <a:xfrm>
-              <a:off x="585250" y="2200133"/>
-              <a:ext cx="1871573" cy="0"/>
+              <a:off x="585250" y="2375900"/>
+              <a:ext cx="1640193" cy="0"/>
             </a:xfrm>
             <a:custGeom>
               <a:avLst/>
               <a:pathLst>
-                <a:path w="1871573" h="0">
+                <a:path w="1640193" h="0">
                   <a:moveTo>
                     <a:pt x="0" y="0"/>
                   </a:moveTo>
                   <a:lnTo>
-                    <a:pt x="1871573" y="0"/>
-                  </a:lnTo>
-                  <a:lnTo>
-                    <a:pt x="1871573" y="0"/>
+                    <a:pt x="1640193" y="0"/>
+                  </a:lnTo>
+                  <a:lnTo>
+                    <a:pt x="1640193" y="0"/>
                   </a:lnTo>
                 </a:path>
               </a:pathLst>
@@ -5674,21 +5674,21 @@
           </p:nvSpPr>
           <p:spPr>
             <a:xfrm>
-              <a:off x="585250" y="3352127"/>
-              <a:ext cx="1871573" cy="0"/>
+              <a:off x="585250" y="3793549"/>
+              <a:ext cx="1640193" cy="0"/>
             </a:xfrm>
             <a:custGeom>
               <a:avLst/>
               <a:pathLst>
-                <a:path w="1871573" h="0">
+                <a:path w="1640193" h="0">
                   <a:moveTo>
                     <a:pt x="0" y="0"/>
                   </a:moveTo>
                   <a:lnTo>
-                    <a:pt x="1871573" y="0"/>
-                  </a:lnTo>
-                  <a:lnTo>
-                    <a:pt x="1871573" y="0"/>
+                    <a:pt x="1640193" y="0"/>
+                  </a:lnTo>
+                  <a:lnTo>
+                    <a:pt x="1640193" y="0"/>
                   </a:lnTo>
                 </a:path>
               </a:pathLst>
@@ -5717,27 +5717,27 @@
           </p:nvSpPr>
           <p:spPr>
             <a:xfrm>
-              <a:off x="801201" y="2200133"/>
-              <a:ext cx="1439671" cy="976890"/>
+              <a:off x="774503" y="2375900"/>
+              <a:ext cx="1261687" cy="1202166"/>
             </a:xfrm>
             <a:custGeom>
               <a:avLst/>
               <a:pathLst>
-                <a:path w="1439671" h="976890">
+                <a:path w="1261687" h="1202166">
                   <a:moveTo>
-                    <a:pt x="0" y="904315"/>
+                    <a:pt x="0" y="1112854"/>
                   </a:moveTo>
                   <a:lnTo>
-                    <a:pt x="359917" y="976890"/>
-                  </a:lnTo>
-                  <a:lnTo>
-                    <a:pt x="719835" y="662396"/>
-                  </a:lnTo>
-                  <a:lnTo>
-                    <a:pt x="1079753" y="54143"/>
-                  </a:lnTo>
-                  <a:lnTo>
-                    <a:pt x="1439671" y="0"/>
+                    <a:pt x="315421" y="1202166"/>
+                  </a:lnTo>
+                  <a:lnTo>
+                    <a:pt x="630843" y="815147"/>
+                  </a:lnTo>
+                  <a:lnTo>
+                    <a:pt x="946265" y="66629"/>
+                  </a:lnTo>
+                  <a:lnTo>
+                    <a:pt x="1261687" y="0"/>
                   </a:lnTo>
                 </a:path>
               </a:pathLst>
@@ -5766,27 +5766,27 @@
           </p:nvSpPr>
           <p:spPr>
             <a:xfrm>
-              <a:off x="801201" y="2246213"/>
-              <a:ext cx="1439671" cy="373246"/>
+              <a:off x="774503" y="2520500"/>
+              <a:ext cx="1261687" cy="402612"/>
             </a:xfrm>
             <a:custGeom>
               <a:avLst/>
               <a:pathLst>
-                <a:path w="1439671" h="373246">
+                <a:path w="1261687" h="402612">
                   <a:moveTo>
-                    <a:pt x="0" y="373246"/>
+                    <a:pt x="0" y="402612"/>
                   </a:moveTo>
                   <a:lnTo>
-                    <a:pt x="359917" y="180863"/>
-                  </a:lnTo>
-                  <a:lnTo>
-                    <a:pt x="719835" y="199294"/>
-                  </a:lnTo>
-                  <a:lnTo>
-                    <a:pt x="1079753" y="43775"/>
-                  </a:lnTo>
-                  <a:lnTo>
-                    <a:pt x="1439671" y="0"/>
+                    <a:pt x="315421" y="198470"/>
+                  </a:lnTo>
+                  <a:lnTo>
+                    <a:pt x="630843" y="223988"/>
+                  </a:lnTo>
+                  <a:lnTo>
+                    <a:pt x="946265" y="137511"/>
+                  </a:lnTo>
+                  <a:lnTo>
+                    <a:pt x="1261687" y="0"/>
                   </a:lnTo>
                 </a:path>
               </a:pathLst>
@@ -5815,7 +5815,7 @@
           </p:nvSpPr>
           <p:spPr>
             <a:xfrm>
-              <a:off x="776375" y="3079623"/>
+              <a:off x="749677" y="3463928"/>
               <a:ext cx="49651" cy="49651"/>
             </a:xfrm>
             <a:prstGeom prst="ellipse">
@@ -5850,7 +5850,7 @@
           </p:nvSpPr>
           <p:spPr>
             <a:xfrm>
-              <a:off x="776375" y="2594633"/>
+              <a:off x="749677" y="2898287"/>
               <a:ext cx="49651" cy="49651"/>
             </a:xfrm>
             <a:prstGeom prst="ellipse">
@@ -5885,7 +5885,7 @@
           </p:nvSpPr>
           <p:spPr>
             <a:xfrm>
-              <a:off x="1136293" y="3152198"/>
+              <a:off x="1065099" y="3553240"/>
               <a:ext cx="49651" cy="49651"/>
             </a:xfrm>
             <a:prstGeom prst="ellipse">
@@ -5920,7 +5920,7 @@
           </p:nvSpPr>
           <p:spPr>
             <a:xfrm>
-              <a:off x="1136293" y="2402250"/>
+              <a:off x="1065099" y="2694145"/>
               <a:ext cx="49651" cy="49651"/>
             </a:xfrm>
             <a:prstGeom prst="ellipse">
@@ -5955,7 +5955,7 @@
           </p:nvSpPr>
           <p:spPr>
             <a:xfrm>
-              <a:off x="1496211" y="2837704"/>
+              <a:off x="1380521" y="3166222"/>
               <a:ext cx="49651" cy="49651"/>
             </a:xfrm>
             <a:prstGeom prst="ellipse">
@@ -5990,7 +5990,7 @@
           </p:nvSpPr>
           <p:spPr>
             <a:xfrm>
-              <a:off x="1496211" y="2420682"/>
+              <a:off x="1380521" y="2719663"/>
               <a:ext cx="49651" cy="49651"/>
             </a:xfrm>
             <a:prstGeom prst="ellipse">
@@ -6025,7 +6025,7 @@
           </p:nvSpPr>
           <p:spPr>
             <a:xfrm>
-              <a:off x="1856129" y="2229451"/>
+              <a:off x="1695942" y="2417704"/>
               <a:ext cx="49651" cy="49651"/>
             </a:xfrm>
             <a:prstGeom prst="ellipse">
@@ -6060,7 +6060,7 @@
           </p:nvSpPr>
           <p:spPr>
             <a:xfrm>
-              <a:off x="1856129" y="2265163"/>
+              <a:off x="1695942" y="2633186"/>
               <a:ext cx="49651" cy="49651"/>
             </a:xfrm>
             <a:prstGeom prst="ellipse">
@@ -6095,7 +6095,7 @@
           </p:nvSpPr>
           <p:spPr>
             <a:xfrm>
-              <a:off x="2216047" y="2175307"/>
+              <a:off x="2011364" y="2351074"/>
               <a:ext cx="49651" cy="49651"/>
             </a:xfrm>
             <a:prstGeom prst="ellipse">
@@ -6130,7 +6130,7 @@
           </p:nvSpPr>
           <p:spPr>
             <a:xfrm>
-              <a:off x="2216047" y="2221387"/>
+              <a:off x="2011364" y="2495674"/>
               <a:ext cx="49651" cy="49651"/>
             </a:xfrm>
             <a:prstGeom prst="ellipse">
@@ -6165,8 +6165,8 @@
           </p:nvSpPr>
           <p:spPr>
             <a:xfrm>
-              <a:off x="2526412" y="2129516"/>
-              <a:ext cx="1871573" cy="1553579"/>
+              <a:off x="2642103" y="2305018"/>
+              <a:ext cx="1640193" cy="1559413"/>
             </a:xfrm>
             <a:prstGeom prst="rect">
               <a:avLst/>
@@ -6191,21 +6191,21 @@
           </p:nvSpPr>
           <p:spPr>
             <a:xfrm>
-              <a:off x="2526412" y="3640126"/>
-              <a:ext cx="1871573" cy="0"/>
+              <a:off x="2642103" y="3793549"/>
+              <a:ext cx="1640193" cy="0"/>
             </a:xfrm>
             <a:custGeom>
               <a:avLst/>
               <a:pathLst>
-                <a:path w="1871573" h="0">
+                <a:path w="1640193" h="0">
                   <a:moveTo>
                     <a:pt x="0" y="0"/>
                   </a:moveTo>
                   <a:lnTo>
-                    <a:pt x="1871573" y="0"/>
-                  </a:lnTo>
-                  <a:lnTo>
-                    <a:pt x="1871573" y="0"/>
+                    <a:pt x="1640193" y="0"/>
+                  </a:lnTo>
+                  <a:lnTo>
+                    <a:pt x="1640193" y="0"/>
                   </a:lnTo>
                 </a:path>
               </a:pathLst>
@@ -6234,21 +6234,21 @@
           </p:nvSpPr>
           <p:spPr>
             <a:xfrm>
-              <a:off x="2526412" y="3352127"/>
-              <a:ext cx="1871573" cy="0"/>
+              <a:off x="2642103" y="3510019"/>
+              <a:ext cx="1640193" cy="0"/>
             </a:xfrm>
             <a:custGeom>
               <a:avLst/>
               <a:pathLst>
-                <a:path w="1871573" h="0">
+                <a:path w="1640193" h="0">
                   <a:moveTo>
                     <a:pt x="0" y="0"/>
                   </a:moveTo>
                   <a:lnTo>
-                    <a:pt x="1871573" y="0"/>
-                  </a:lnTo>
-                  <a:lnTo>
-                    <a:pt x="1871573" y="0"/>
+                    <a:pt x="1640193" y="0"/>
+                  </a:lnTo>
+                  <a:lnTo>
+                    <a:pt x="1640193" y="0"/>
                   </a:lnTo>
                 </a:path>
               </a:pathLst>
@@ -6277,21 +6277,21 @@
           </p:nvSpPr>
           <p:spPr>
             <a:xfrm>
-              <a:off x="2526412" y="3064129"/>
-              <a:ext cx="1871573" cy="0"/>
+              <a:off x="2642103" y="3226489"/>
+              <a:ext cx="1640193" cy="0"/>
             </a:xfrm>
             <a:custGeom>
               <a:avLst/>
               <a:pathLst>
-                <a:path w="1871573" h="0">
+                <a:path w="1640193" h="0">
                   <a:moveTo>
                     <a:pt x="0" y="0"/>
                   </a:moveTo>
                   <a:lnTo>
-                    <a:pt x="1871573" y="0"/>
-                  </a:lnTo>
-                  <a:lnTo>
-                    <a:pt x="1871573" y="0"/>
+                    <a:pt x="1640193" y="0"/>
+                  </a:lnTo>
+                  <a:lnTo>
+                    <a:pt x="1640193" y="0"/>
                   </a:lnTo>
                 </a:path>
               </a:pathLst>
@@ -6320,21 +6320,21 @@
           </p:nvSpPr>
           <p:spPr>
             <a:xfrm>
-              <a:off x="2526412" y="2776130"/>
-              <a:ext cx="1871573" cy="0"/>
+              <a:off x="2642103" y="2942960"/>
+              <a:ext cx="1640193" cy="0"/>
             </a:xfrm>
             <a:custGeom>
               <a:avLst/>
               <a:pathLst>
-                <a:path w="1871573" h="0">
+                <a:path w="1640193" h="0">
                   <a:moveTo>
                     <a:pt x="0" y="0"/>
                   </a:moveTo>
                   <a:lnTo>
-                    <a:pt x="1871573" y="0"/>
-                  </a:lnTo>
-                  <a:lnTo>
-                    <a:pt x="1871573" y="0"/>
+                    <a:pt x="1640193" y="0"/>
+                  </a:lnTo>
+                  <a:lnTo>
+                    <a:pt x="1640193" y="0"/>
                   </a:lnTo>
                 </a:path>
               </a:pathLst>
@@ -6363,21 +6363,21 @@
           </p:nvSpPr>
           <p:spPr>
             <a:xfrm>
-              <a:off x="2526412" y="2488132"/>
-              <a:ext cx="1871573" cy="0"/>
+              <a:off x="2642103" y="2659430"/>
+              <a:ext cx="1640193" cy="0"/>
             </a:xfrm>
             <a:custGeom>
               <a:avLst/>
               <a:pathLst>
-                <a:path w="1871573" h="0">
+                <a:path w="1640193" h="0">
                   <a:moveTo>
                     <a:pt x="0" y="0"/>
                   </a:moveTo>
                   <a:lnTo>
-                    <a:pt x="1871573" y="0"/>
-                  </a:lnTo>
-                  <a:lnTo>
-                    <a:pt x="1871573" y="0"/>
+                    <a:pt x="1640193" y="0"/>
+                  </a:lnTo>
+                  <a:lnTo>
+                    <a:pt x="1640193" y="0"/>
                   </a:lnTo>
                 </a:path>
               </a:pathLst>
@@ -6406,21 +6406,21 @@
           </p:nvSpPr>
           <p:spPr>
             <a:xfrm>
-              <a:off x="2526412" y="2200133"/>
-              <a:ext cx="1871573" cy="0"/>
+              <a:off x="2642103" y="2375900"/>
+              <a:ext cx="1640193" cy="0"/>
             </a:xfrm>
             <a:custGeom>
               <a:avLst/>
               <a:pathLst>
-                <a:path w="1871573" h="0">
+                <a:path w="1640193" h="0">
                   <a:moveTo>
                     <a:pt x="0" y="0"/>
                   </a:moveTo>
                   <a:lnTo>
-                    <a:pt x="1871573" y="0"/>
-                  </a:lnTo>
-                  <a:lnTo>
-                    <a:pt x="1871573" y="0"/>
+                    <a:pt x="1640193" y="0"/>
+                  </a:lnTo>
+                  <a:lnTo>
+                    <a:pt x="1640193" y="0"/>
                   </a:lnTo>
                 </a:path>
               </a:pathLst>
@@ -6449,21 +6449,21 @@
           </p:nvSpPr>
           <p:spPr>
             <a:xfrm>
-              <a:off x="2526412" y="3352127"/>
-              <a:ext cx="1871573" cy="0"/>
+              <a:off x="2642103" y="3793549"/>
+              <a:ext cx="1640193" cy="0"/>
             </a:xfrm>
             <a:custGeom>
               <a:avLst/>
               <a:pathLst>
-                <a:path w="1871573" h="0">
+                <a:path w="1640193" h="0">
                   <a:moveTo>
                     <a:pt x="0" y="0"/>
                   </a:moveTo>
                   <a:lnTo>
-                    <a:pt x="1871573" y="0"/>
-                  </a:lnTo>
-                  <a:lnTo>
-                    <a:pt x="1871573" y="0"/>
+                    <a:pt x="1640193" y="0"/>
+                  </a:lnTo>
+                  <a:lnTo>
+                    <a:pt x="1640193" y="0"/>
                   </a:lnTo>
                 </a:path>
               </a:pathLst>
@@ -6492,27 +6492,27 @@
           </p:nvSpPr>
           <p:spPr>
             <a:xfrm>
-              <a:off x="2742363" y="2200133"/>
-              <a:ext cx="1439671" cy="1116282"/>
+              <a:off x="2831356" y="2375900"/>
+              <a:ext cx="1261687" cy="1373701"/>
             </a:xfrm>
             <a:custGeom>
               <a:avLst/>
               <a:pathLst>
-                <a:path w="1439671" h="1116282">
+                <a:path w="1261687" h="1373701">
                   <a:moveTo>
-                    <a:pt x="0" y="1034490"/>
+                    <a:pt x="0" y="1273048"/>
                   </a:moveTo>
                   <a:lnTo>
-                    <a:pt x="359917" y="1116282"/>
-                  </a:lnTo>
-                  <a:lnTo>
-                    <a:pt x="719835" y="907771"/>
-                  </a:lnTo>
-                  <a:lnTo>
-                    <a:pt x="1079753" y="10367"/>
-                  </a:lnTo>
-                  <a:lnTo>
-                    <a:pt x="1439671" y="0"/>
+                    <a:pt x="315421" y="1373701"/>
+                  </a:lnTo>
+                  <a:lnTo>
+                    <a:pt x="630843" y="1117107"/>
+                  </a:lnTo>
+                  <a:lnTo>
+                    <a:pt x="946265" y="12758"/>
+                  </a:lnTo>
+                  <a:lnTo>
+                    <a:pt x="1261687" y="0"/>
                   </a:lnTo>
                 </a:path>
               </a:pathLst>
@@ -6541,27 +6541,27 @@
           </p:nvSpPr>
           <p:spPr>
             <a:xfrm>
-              <a:off x="2742363" y="2398276"/>
-              <a:ext cx="1439671" cy="847867"/>
+              <a:off x="2831356" y="2993995"/>
+              <a:ext cx="1261687" cy="744265"/>
             </a:xfrm>
             <a:custGeom>
               <a:avLst/>
               <a:pathLst>
-                <a:path w="1439671" h="847867">
+                <a:path w="1261687" h="744265">
                   <a:moveTo>
-                    <a:pt x="0" y="847867"/>
+                    <a:pt x="0" y="744265"/>
                   </a:moveTo>
                   <a:lnTo>
-                    <a:pt x="359917" y="408957"/>
-                  </a:lnTo>
-                  <a:lnTo>
-                    <a:pt x="719835" y="460797"/>
-                  </a:lnTo>
-                  <a:lnTo>
-                    <a:pt x="1079753" y="150911"/>
-                  </a:lnTo>
-                  <a:lnTo>
-                    <a:pt x="1439671" y="0"/>
+                    <a:pt x="315421" y="304794"/>
+                  </a:lnTo>
+                  <a:lnTo>
+                    <a:pt x="630843" y="368588"/>
+                  </a:lnTo>
+                  <a:lnTo>
+                    <a:pt x="946265" y="482000"/>
+                  </a:lnTo>
+                  <a:lnTo>
+                    <a:pt x="1261687" y="0"/>
                   </a:lnTo>
                 </a:path>
               </a:pathLst>
@@ -6590,7 +6590,7 @@
           </p:nvSpPr>
           <p:spPr>
             <a:xfrm>
-              <a:off x="2717537" y="3209798"/>
+              <a:off x="2806530" y="3624123"/>
               <a:ext cx="49651" cy="49651"/>
             </a:xfrm>
             <a:prstGeom prst="ellipse">
@@ -6625,7 +6625,7 @@
           </p:nvSpPr>
           <p:spPr>
             <a:xfrm>
-              <a:off x="2717537" y="3221318"/>
+              <a:off x="2806530" y="3713434"/>
               <a:ext cx="49651" cy="49651"/>
             </a:xfrm>
             <a:prstGeom prst="ellipse">
@@ -6660,7 +6660,7 @@
           </p:nvSpPr>
           <p:spPr>
             <a:xfrm>
-              <a:off x="3077455" y="3291590"/>
+              <a:off x="3121952" y="3724776"/>
               <a:ext cx="49651" cy="49651"/>
             </a:xfrm>
             <a:prstGeom prst="ellipse">
@@ -6695,7 +6695,7 @@
           </p:nvSpPr>
           <p:spPr>
             <a:xfrm>
-              <a:off x="3077455" y="2782408"/>
+              <a:off x="3121952" y="3273963"/>
               <a:ext cx="49651" cy="49651"/>
             </a:xfrm>
             <a:prstGeom prst="ellipse">
@@ -6730,7 +6730,7 @@
           </p:nvSpPr>
           <p:spPr>
             <a:xfrm>
-              <a:off x="3437373" y="3083079"/>
+              <a:off x="3437373" y="3468181"/>
               <a:ext cx="49651" cy="49651"/>
             </a:xfrm>
             <a:prstGeom prst="ellipse">
@@ -6765,7 +6765,7 @@
           </p:nvSpPr>
           <p:spPr>
             <a:xfrm>
-              <a:off x="3437373" y="2834248"/>
+              <a:off x="3437373" y="3337758"/>
               <a:ext cx="49651" cy="49651"/>
             </a:xfrm>
             <a:prstGeom prst="ellipse">
@@ -6800,7 +6800,7 @@
           </p:nvSpPr>
           <p:spPr>
             <a:xfrm>
-              <a:off x="3797291" y="2185675"/>
+              <a:off x="3752795" y="2363833"/>
               <a:ext cx="49651" cy="49651"/>
             </a:xfrm>
             <a:prstGeom prst="ellipse">
@@ -6835,7 +6835,7 @@
           </p:nvSpPr>
           <p:spPr>
             <a:xfrm>
-              <a:off x="3797291" y="2524362"/>
+              <a:off x="3752795" y="3451169"/>
               <a:ext cx="49651" cy="49651"/>
             </a:xfrm>
             <a:prstGeom prst="ellipse">
@@ -6870,7 +6870,7 @@
           </p:nvSpPr>
           <p:spPr>
             <a:xfrm>
-              <a:off x="4157209" y="2175307"/>
+              <a:off x="4068217" y="2351074"/>
               <a:ext cx="49651" cy="49651"/>
             </a:xfrm>
             <a:prstGeom prst="ellipse">
@@ -6905,7 +6905,7 @@
           </p:nvSpPr>
           <p:spPr>
             <a:xfrm>
-              <a:off x="4157209" y="2373450"/>
+              <a:off x="4068217" y="2969169"/>
               <a:ext cx="49651" cy="49651"/>
             </a:xfrm>
             <a:prstGeom prst="ellipse">
@@ -6941,7 +6941,7 @@
           <p:spPr>
             <a:xfrm>
               <a:off x="585250" y="69589"/>
-              <a:ext cx="1871573" cy="218379"/>
+              <a:ext cx="1640193" cy="218379"/>
             </a:xfrm>
             <a:prstGeom prst="rect">
               <a:avLst/>
@@ -6975,7 +6975,7 @@
           </p:nvSpPr>
           <p:spPr>
             <a:xfrm>
-              <a:off x="1111343" y="108174"/>
+              <a:off x="995653" y="108174"/>
               <a:ext cx="819388" cy="110966"/>
             </a:xfrm>
             <a:prstGeom prst="rect">
@@ -7021,8 +7021,8 @@
           </p:nvSpPr>
           <p:spPr>
             <a:xfrm>
-              <a:off x="2526412" y="69589"/>
-              <a:ext cx="1871573" cy="218379"/>
+              <a:off x="2642103" y="69589"/>
+              <a:ext cx="1640193" cy="218379"/>
             </a:xfrm>
             <a:prstGeom prst="rect">
               <a:avLst/>
@@ -7102,8 +7102,8 @@
           </p:nvSpPr>
           <p:spPr>
             <a:xfrm>
-              <a:off x="4467575" y="69589"/>
-              <a:ext cx="1871573" cy="218379"/>
+              <a:off x="4698955" y="69589"/>
+              <a:ext cx="1640193" cy="218379"/>
             </a:xfrm>
             <a:prstGeom prst="rect">
               <a:avLst/>
@@ -7137,7 +7137,7 @@
           </p:nvSpPr>
           <p:spPr>
             <a:xfrm>
-              <a:off x="5013938" y="108174"/>
+              <a:off x="5129628" y="108174"/>
               <a:ext cx="778847" cy="110966"/>
             </a:xfrm>
             <a:prstGeom prst="rect">
@@ -7183,8 +7183,8 @@
           </p:nvSpPr>
           <p:spPr>
             <a:xfrm>
-              <a:off x="585250" y="1911136"/>
-              <a:ext cx="1871573" cy="218379"/>
+              <a:off x="585250" y="2086638"/>
+              <a:ext cx="1640193" cy="218379"/>
             </a:xfrm>
             <a:prstGeom prst="rect">
               <a:avLst/>
@@ -7218,7 +7218,7 @@
           </p:nvSpPr>
           <p:spPr>
             <a:xfrm>
-              <a:off x="1111343" y="1949722"/>
+              <a:off x="995653" y="2125224"/>
               <a:ext cx="819388" cy="110966"/>
             </a:xfrm>
             <a:prstGeom prst="rect">
@@ -7264,8 +7264,8 @@
           </p:nvSpPr>
           <p:spPr>
             <a:xfrm>
-              <a:off x="2526412" y="1911136"/>
-              <a:ext cx="1871573" cy="218379"/>
+              <a:off x="2642103" y="2086638"/>
+              <a:ext cx="1640193" cy="218379"/>
             </a:xfrm>
             <a:prstGeom prst="rect">
               <a:avLst/>
@@ -7299,7 +7299,7 @@
           </p:nvSpPr>
           <p:spPr>
             <a:xfrm>
-              <a:off x="3035569" y="1949722"/>
+              <a:off x="3035569" y="2125224"/>
               <a:ext cx="853261" cy="110966"/>
             </a:xfrm>
             <a:prstGeom prst="rect">
@@ -7345,18 +7345,18 @@
           </p:nvSpPr>
           <p:spPr>
             <a:xfrm>
-              <a:off x="585250" y="3683095"/>
-              <a:ext cx="1871573" cy="0"/>
+              <a:off x="585250" y="3864431"/>
+              <a:ext cx="1640193" cy="0"/>
             </a:xfrm>
             <a:custGeom>
               <a:avLst/>
               <a:pathLst>
-                <a:path w="1871573" h="0">
+                <a:path w="1640193" h="0">
                   <a:moveTo>
                     <a:pt x="0" y="0"/>
                   </a:moveTo>
                   <a:lnTo>
-                    <a:pt x="1871573" y="0"/>
+                    <a:pt x="1640193" y="0"/>
                   </a:lnTo>
                 </a:path>
               </a:pathLst>
@@ -7385,7 +7385,7 @@
           </p:nvSpPr>
           <p:spPr>
             <a:xfrm>
-              <a:off x="801201" y="3683095"/>
+              <a:off x="774503" y="3864431"/>
               <a:ext cx="0" cy="34794"/>
             </a:xfrm>
             <a:custGeom>
@@ -7425,7 +7425,7 @@
           </p:nvSpPr>
           <p:spPr>
             <a:xfrm>
-              <a:off x="1161119" y="3683095"/>
+              <a:off x="1089925" y="3864431"/>
               <a:ext cx="0" cy="34794"/>
             </a:xfrm>
             <a:custGeom>
@@ -7465,7 +7465,7 @@
           </p:nvSpPr>
           <p:spPr>
             <a:xfrm>
-              <a:off x="1521037" y="3683095"/>
+              <a:off x="1405347" y="3864431"/>
               <a:ext cx="0" cy="34794"/>
             </a:xfrm>
             <a:custGeom>
@@ -7505,7 +7505,7 @@
           </p:nvSpPr>
           <p:spPr>
             <a:xfrm>
-              <a:off x="1880955" y="3683095"/>
+              <a:off x="1720768" y="3864431"/>
               <a:ext cx="0" cy="34794"/>
             </a:xfrm>
             <a:custGeom>
@@ -7545,7 +7545,7 @@
           </p:nvSpPr>
           <p:spPr>
             <a:xfrm>
-              <a:off x="2240873" y="3683095"/>
+              <a:off x="2036190" y="3864431"/>
               <a:ext cx="0" cy="34794"/>
             </a:xfrm>
             <a:custGeom>
@@ -7584,9 +7584,9 @@
             <p:nvPr/>
           </p:nvSpPr>
           <p:spPr>
-            <a:xfrm rot="-900000">
-              <a:off x="343507" y="3801319"/>
-              <a:ext cx="473868" cy="71933"/>
+            <a:xfrm>
+              <a:off x="744023" y="3925394"/>
+              <a:ext cx="60960" cy="82391"/>
             </a:xfrm>
             <a:prstGeom prst="rect">
               <a:avLst/>
@@ -7599,7 +7599,7 @@
             <a:p>
               <a:pPr algn="l" marL="0" marR="0" indent="0">
                 <a:lnSpc>
-                  <a:spcPts val="800"/>
+                  <a:spcPts val="960"/>
                 </a:lnSpc>
                 <a:spcBef>
                   <a:spcPts val="0"/>
@@ -7609,7 +7609,7 @@
                 </a:spcAft>
               </a:pPr>
               <a:r>
-                <a:rPr sz="800">
+                <a:rPr sz="960">
                   <a:solidFill>
                     <a:srgbClr val="4D4D4D">
                       <a:alpha val="100000"/>
@@ -7618,7 +7618,7 @@
                   <a:latin typeface="Times New Roman"/>
                   <a:cs typeface="Times New Roman"/>
                 </a:rPr>
-                <a:t>Mechanical</a:t>
+                <a:t>1</a:t>
               </a:r>
             </a:p>
           </p:txBody>
@@ -7630,9 +7630,9 @@
             <p:nvPr/>
           </p:nvSpPr>
           <p:spPr>
-            <a:xfrm rot="-900000">
-              <a:off x="401234" y="3841103"/>
-              <a:ext cx="781298" cy="71933"/>
+            <a:xfrm>
+              <a:off x="1059445" y="3925394"/>
+              <a:ext cx="60960" cy="82391"/>
             </a:xfrm>
             <a:prstGeom prst="rect">
               <a:avLst/>
@@ -7645,7 +7645,7 @@
             <a:p>
               <a:pPr algn="l" marL="0" marR="0" indent="0">
                 <a:lnSpc>
-                  <a:spcPts val="800"/>
+                  <a:spcPts val="960"/>
                 </a:lnSpc>
                 <a:spcBef>
                   <a:spcPts val="0"/>
@@ -7655,7 +7655,7 @@
                 </a:spcAft>
               </a:pPr>
               <a:r>
-                <a:rPr sz="800">
+                <a:rPr sz="960">
                   <a:solidFill>
                     <a:srgbClr val="4D4D4D">
                       <a:alpha val="100000"/>
@@ -7664,7 +7664,7 @@
                   <a:latin typeface="Times New Roman"/>
                   <a:cs typeface="Times New Roman"/>
                 </a:rPr>
-                <a:t>Mechanical.Tactile</a:t>
+                <a:t>2</a:t>
               </a:r>
             </a:p>
           </p:txBody>
@@ -7676,9 +7676,9 @@
             <p:nvPr/>
           </p:nvSpPr>
           <p:spPr>
-            <a:xfrm rot="-900000">
-              <a:off x="1054859" y="3782096"/>
-              <a:ext cx="479821" cy="92273"/>
+            <a:xfrm>
+              <a:off x="1374867" y="3923966"/>
+              <a:ext cx="60960" cy="83820"/>
             </a:xfrm>
             <a:prstGeom prst="rect">
               <a:avLst/>
@@ -7691,7 +7691,7 @@
             <a:p>
               <a:pPr algn="l" marL="0" marR="0" indent="0">
                 <a:lnSpc>
-                  <a:spcPts val="800"/>
+                  <a:spcPts val="960"/>
                 </a:lnSpc>
                 <a:spcBef>
                   <a:spcPts val="0"/>
@@ -7701,7 +7701,7 @@
                 </a:spcAft>
               </a:pPr>
               <a:r>
-                <a:rPr sz="800">
+                <a:rPr sz="960">
                   <a:solidFill>
                     <a:srgbClr val="4D4D4D">
                       <a:alpha val="100000"/>
@@ -7710,7 +7710,7 @@
                   <a:latin typeface="Times New Roman"/>
                   <a:cs typeface="Times New Roman"/>
                 </a:rPr>
-                <a:t>Oviposition</a:t>
+                <a:t>3</a:t>
               </a:r>
             </a:p>
           </p:txBody>
@@ -7722,9 +7722,9 @@
             <p:nvPr/>
           </p:nvSpPr>
           <p:spPr>
-            <a:xfrm rot="-900000">
-              <a:off x="1486971" y="3772393"/>
-              <a:ext cx="406350" cy="92471"/>
+            <a:xfrm>
+              <a:off x="1690288" y="3925394"/>
+              <a:ext cx="60960" cy="82391"/>
             </a:xfrm>
             <a:prstGeom prst="rect">
               <a:avLst/>
@@ -7737,7 +7737,7 @@
             <a:p>
               <a:pPr algn="l" marL="0" marR="0" indent="0">
                 <a:lnSpc>
-                  <a:spcPts val="800"/>
+                  <a:spcPts val="960"/>
                 </a:lnSpc>
                 <a:spcBef>
                   <a:spcPts val="0"/>
@@ -7747,7 +7747,7 @@
                 </a:spcAft>
               </a:pPr>
               <a:r>
-                <a:rPr sz="800">
+                <a:rPr sz="960">
                   <a:solidFill>
                     <a:srgbClr val="4D4D4D">
                       <a:alpha val="100000"/>
@@ -7756,7 +7756,7 @@
                   <a:latin typeface="Times New Roman"/>
                   <a:cs typeface="Times New Roman"/>
                 </a:rPr>
-                <a:t>Fecundity</a:t>
+                <a:t>4</a:t>
               </a:r>
             </a:p>
           </p:txBody>
@@ -7768,9 +7768,9 @@
             <p:nvPr/>
           </p:nvSpPr>
           <p:spPr>
-            <a:xfrm rot="-900000">
-              <a:off x="1924522" y="3762172"/>
-              <a:ext cx="327372" cy="92471"/>
+            <a:xfrm>
+              <a:off x="2005710" y="3925633"/>
+              <a:ext cx="60960" cy="82153"/>
             </a:xfrm>
             <a:prstGeom prst="rect">
               <a:avLst/>
@@ -7783,7 +7783,7 @@
             <a:p>
               <a:pPr algn="l" marL="0" marR="0" indent="0">
                 <a:lnSpc>
-                  <a:spcPts val="800"/>
+                  <a:spcPts val="960"/>
                 </a:lnSpc>
                 <a:spcBef>
                   <a:spcPts val="0"/>
@@ -7793,7 +7793,7 @@
                 </a:spcAft>
               </a:pPr>
               <a:r>
-                <a:rPr sz="800">
+                <a:rPr sz="960">
                   <a:solidFill>
                     <a:srgbClr val="4D4D4D">
                       <a:alpha val="100000"/>
@@ -7802,7 +7802,7 @@
                   <a:latin typeface="Times New Roman"/>
                   <a:cs typeface="Times New Roman"/>
                 </a:rPr>
-                <a:t>Fertility</a:t>
+                <a:t>5</a:t>
               </a:r>
             </a:p>
           </p:txBody>
@@ -7815,18 +7815,18 @@
           </p:nvSpPr>
           <p:spPr>
             <a:xfrm>
-              <a:off x="2526412" y="3683095"/>
-              <a:ext cx="1871573" cy="0"/>
+              <a:off x="2642103" y="3864431"/>
+              <a:ext cx="1640193" cy="0"/>
             </a:xfrm>
             <a:custGeom>
               <a:avLst/>
               <a:pathLst>
-                <a:path w="1871573" h="0">
+                <a:path w="1640193" h="0">
                   <a:moveTo>
                     <a:pt x="0" y="0"/>
                   </a:moveTo>
                   <a:lnTo>
-                    <a:pt x="1871573" y="0"/>
+                    <a:pt x="1640193" y="0"/>
                   </a:lnTo>
                 </a:path>
               </a:pathLst>
@@ -7855,7 +7855,7 @@
           </p:nvSpPr>
           <p:spPr>
             <a:xfrm>
-              <a:off x="2742363" y="3683095"/>
+              <a:off x="2831356" y="3864431"/>
               <a:ext cx="0" cy="34794"/>
             </a:xfrm>
             <a:custGeom>
@@ -7895,7 +7895,7 @@
           </p:nvSpPr>
           <p:spPr>
             <a:xfrm>
-              <a:off x="3102281" y="3683095"/>
+              <a:off x="3146777" y="3864431"/>
               <a:ext cx="0" cy="34794"/>
             </a:xfrm>
             <a:custGeom>
@@ -7935,7 +7935,7 @@
           </p:nvSpPr>
           <p:spPr>
             <a:xfrm>
-              <a:off x="3462199" y="3683095"/>
+              <a:off x="3462199" y="3864431"/>
               <a:ext cx="0" cy="34794"/>
             </a:xfrm>
             <a:custGeom>
@@ -7975,7 +7975,7 @@
           </p:nvSpPr>
           <p:spPr>
             <a:xfrm>
-              <a:off x="3822117" y="3683095"/>
+              <a:off x="3777621" y="3864431"/>
               <a:ext cx="0" cy="34794"/>
             </a:xfrm>
             <a:custGeom>
@@ -8015,7 +8015,7 @@
           </p:nvSpPr>
           <p:spPr>
             <a:xfrm>
-              <a:off x="4182035" y="3683095"/>
+              <a:off x="4093043" y="3864431"/>
               <a:ext cx="0" cy="34794"/>
             </a:xfrm>
             <a:custGeom>
@@ -8054,9 +8054,9 @@
             <p:nvPr/>
           </p:nvSpPr>
           <p:spPr>
-            <a:xfrm rot="-900000">
-              <a:off x="2284670" y="3801319"/>
-              <a:ext cx="473868" cy="71933"/>
+            <a:xfrm>
+              <a:off x="2800876" y="3925394"/>
+              <a:ext cx="60960" cy="82391"/>
             </a:xfrm>
             <a:prstGeom prst="rect">
               <a:avLst/>
@@ -8069,7 +8069,7 @@
             <a:p>
               <a:pPr algn="l" marL="0" marR="0" indent="0">
                 <a:lnSpc>
-                  <a:spcPts val="800"/>
+                  <a:spcPts val="960"/>
                 </a:lnSpc>
                 <a:spcBef>
                   <a:spcPts val="0"/>
@@ -8079,7 +8079,7 @@
                 </a:spcAft>
               </a:pPr>
               <a:r>
-                <a:rPr sz="800">
+                <a:rPr sz="960">
                   <a:solidFill>
                     <a:srgbClr val="4D4D4D">
                       <a:alpha val="100000"/>
@@ -8088,7 +8088,7 @@
                   <a:latin typeface="Times New Roman"/>
                   <a:cs typeface="Times New Roman"/>
                 </a:rPr>
-                <a:t>Mechanical</a:t>
+                <a:t>1</a:t>
               </a:r>
             </a:p>
           </p:txBody>
@@ -8100,9 +8100,9 @@
             <p:nvPr/>
           </p:nvSpPr>
           <p:spPr>
-            <a:xfrm rot="-900000">
-              <a:off x="2342396" y="3841103"/>
-              <a:ext cx="781298" cy="71933"/>
+            <a:xfrm>
+              <a:off x="3116297" y="3925394"/>
+              <a:ext cx="60960" cy="82391"/>
             </a:xfrm>
             <a:prstGeom prst="rect">
               <a:avLst/>
@@ -8115,7 +8115,7 @@
             <a:p>
               <a:pPr algn="l" marL="0" marR="0" indent="0">
                 <a:lnSpc>
-                  <a:spcPts val="800"/>
+                  <a:spcPts val="960"/>
                 </a:lnSpc>
                 <a:spcBef>
                   <a:spcPts val="0"/>
@@ -8125,7 +8125,7 @@
                 </a:spcAft>
               </a:pPr>
               <a:r>
-                <a:rPr sz="800">
+                <a:rPr sz="960">
                   <a:solidFill>
                     <a:srgbClr val="4D4D4D">
                       <a:alpha val="100000"/>
@@ -8134,7 +8134,7 @@
                   <a:latin typeface="Times New Roman"/>
                   <a:cs typeface="Times New Roman"/>
                 </a:rPr>
-                <a:t>Mechanical.Tactile</a:t>
+                <a:t>2</a:t>
               </a:r>
             </a:p>
           </p:txBody>
@@ -8146,9 +8146,9 @@
             <p:nvPr/>
           </p:nvSpPr>
           <p:spPr>
-            <a:xfrm rot="-900000">
-              <a:off x="2996022" y="3782096"/>
-              <a:ext cx="479821" cy="92273"/>
+            <a:xfrm>
+              <a:off x="3431719" y="3923966"/>
+              <a:ext cx="60960" cy="83820"/>
             </a:xfrm>
             <a:prstGeom prst="rect">
               <a:avLst/>
@@ -8161,7 +8161,7 @@
             <a:p>
               <a:pPr algn="l" marL="0" marR="0" indent="0">
                 <a:lnSpc>
-                  <a:spcPts val="800"/>
+                  <a:spcPts val="960"/>
                 </a:lnSpc>
                 <a:spcBef>
                   <a:spcPts val="0"/>
@@ -8171,7 +8171,7 @@
                 </a:spcAft>
               </a:pPr>
               <a:r>
-                <a:rPr sz="800">
+                <a:rPr sz="960">
                   <a:solidFill>
                     <a:srgbClr val="4D4D4D">
                       <a:alpha val="100000"/>
@@ -8180,7 +8180,7 @@
                   <a:latin typeface="Times New Roman"/>
                   <a:cs typeface="Times New Roman"/>
                 </a:rPr>
-                <a:t>Oviposition</a:t>
+                <a:t>3</a:t>
               </a:r>
             </a:p>
           </p:txBody>
@@ -8192,9 +8192,9 @@
             <p:nvPr/>
           </p:nvSpPr>
           <p:spPr>
-            <a:xfrm rot="-900000">
-              <a:off x="3428134" y="3772393"/>
-              <a:ext cx="406350" cy="92471"/>
+            <a:xfrm>
+              <a:off x="3747141" y="3925394"/>
+              <a:ext cx="60960" cy="82391"/>
             </a:xfrm>
             <a:prstGeom prst="rect">
               <a:avLst/>
@@ -8207,7 +8207,7 @@
             <a:p>
               <a:pPr algn="l" marL="0" marR="0" indent="0">
                 <a:lnSpc>
-                  <a:spcPts val="800"/>
+                  <a:spcPts val="960"/>
                 </a:lnSpc>
                 <a:spcBef>
                   <a:spcPts val="0"/>
@@ -8217,7 +8217,7 @@
                 </a:spcAft>
               </a:pPr>
               <a:r>
-                <a:rPr sz="800">
+                <a:rPr sz="960">
                   <a:solidFill>
                     <a:srgbClr val="4D4D4D">
                       <a:alpha val="100000"/>
@@ -8226,7 +8226,7 @@
                   <a:latin typeface="Times New Roman"/>
                   <a:cs typeface="Times New Roman"/>
                 </a:rPr>
-                <a:t>Fecundity</a:t>
+                <a:t>4</a:t>
               </a:r>
             </a:p>
           </p:txBody>
@@ -8238,9 +8238,9 @@
             <p:nvPr/>
           </p:nvSpPr>
           <p:spPr>
-            <a:xfrm rot="-900000">
-              <a:off x="3865684" y="3762172"/>
-              <a:ext cx="327372" cy="92471"/>
+            <a:xfrm>
+              <a:off x="4062563" y="3925633"/>
+              <a:ext cx="60960" cy="82153"/>
             </a:xfrm>
             <a:prstGeom prst="rect">
               <a:avLst/>
@@ -8253,7 +8253,7 @@
             <a:p>
               <a:pPr algn="l" marL="0" marR="0" indent="0">
                 <a:lnSpc>
-                  <a:spcPts val="800"/>
+                  <a:spcPts val="960"/>
                 </a:lnSpc>
                 <a:spcBef>
                   <a:spcPts val="0"/>
@@ -8263,7 +8263,7 @@
                 </a:spcAft>
               </a:pPr>
               <a:r>
-                <a:rPr sz="800">
+                <a:rPr sz="960">
                   <a:solidFill>
                     <a:srgbClr val="4D4D4D">
                       <a:alpha val="100000"/>
@@ -8272,7 +8272,7 @@
                   <a:latin typeface="Times New Roman"/>
                   <a:cs typeface="Times New Roman"/>
                 </a:rPr>
-                <a:t>Fertility</a:t>
+                <a:t>5</a:t>
               </a:r>
             </a:p>
           </p:txBody>
@@ -8285,18 +8285,18 @@
           </p:nvSpPr>
           <p:spPr>
             <a:xfrm>
-              <a:off x="4467575" y="1841547"/>
-              <a:ext cx="1871573" cy="0"/>
+              <a:off x="585250" y="1847382"/>
+              <a:ext cx="1640193" cy="0"/>
             </a:xfrm>
             <a:custGeom>
               <a:avLst/>
               <a:pathLst>
-                <a:path w="1871573" h="0">
+                <a:path w="1640193" h="0">
                   <a:moveTo>
                     <a:pt x="0" y="0"/>
                   </a:moveTo>
                   <a:lnTo>
-                    <a:pt x="1871573" y="0"/>
+                    <a:pt x="1640193" y="0"/>
                   </a:lnTo>
                 </a:path>
               </a:pathLst>
@@ -8325,7 +8325,7 @@
           </p:nvSpPr>
           <p:spPr>
             <a:xfrm>
-              <a:off x="4683526" y="1841547"/>
+              <a:off x="774503" y="1847382"/>
               <a:ext cx="0" cy="34794"/>
             </a:xfrm>
             <a:custGeom>
@@ -8365,7 +8365,7 @@
           </p:nvSpPr>
           <p:spPr>
             <a:xfrm>
-              <a:off x="5043444" y="1841547"/>
+              <a:off x="1089925" y="1847382"/>
               <a:ext cx="0" cy="34794"/>
             </a:xfrm>
             <a:custGeom>
@@ -8405,7 +8405,7 @@
           </p:nvSpPr>
           <p:spPr>
             <a:xfrm>
-              <a:off x="5403362" y="1841547"/>
+              <a:off x="1405347" y="1847382"/>
               <a:ext cx="0" cy="34794"/>
             </a:xfrm>
             <a:custGeom>
@@ -8445,7 +8445,7 @@
           </p:nvSpPr>
           <p:spPr>
             <a:xfrm>
-              <a:off x="5763280" y="1841547"/>
+              <a:off x="1720768" y="1847382"/>
               <a:ext cx="0" cy="34794"/>
             </a:xfrm>
             <a:custGeom>
@@ -8485,7 +8485,7 @@
           </p:nvSpPr>
           <p:spPr>
             <a:xfrm>
-              <a:off x="6123198" y="1841547"/>
+              <a:off x="2036190" y="1847382"/>
               <a:ext cx="0" cy="34794"/>
             </a:xfrm>
             <a:custGeom>
@@ -8524,9 +8524,9 @@
             <p:nvPr/>
           </p:nvSpPr>
           <p:spPr>
-            <a:xfrm rot="-900000">
-              <a:off x="4225832" y="1959771"/>
-              <a:ext cx="473868" cy="71933"/>
+            <a:xfrm>
+              <a:off x="744023" y="1908345"/>
+              <a:ext cx="60960" cy="82391"/>
             </a:xfrm>
             <a:prstGeom prst="rect">
               <a:avLst/>
@@ -8539,7 +8539,7 @@
             <a:p>
               <a:pPr algn="l" marL="0" marR="0" indent="0">
                 <a:lnSpc>
-                  <a:spcPts val="800"/>
+                  <a:spcPts val="960"/>
                 </a:lnSpc>
                 <a:spcBef>
                   <a:spcPts val="0"/>
@@ -8549,7 +8549,7 @@
                 </a:spcAft>
               </a:pPr>
               <a:r>
-                <a:rPr sz="800">
+                <a:rPr sz="960">
                   <a:solidFill>
                     <a:srgbClr val="4D4D4D">
                       <a:alpha val="100000"/>
@@ -8558,7 +8558,7 @@
                   <a:latin typeface="Times New Roman"/>
                   <a:cs typeface="Times New Roman"/>
                 </a:rPr>
-                <a:t>Mechanical</a:t>
+                <a:t>1</a:t>
               </a:r>
             </a:p>
           </p:txBody>
@@ -8570,9 +8570,9 @@
             <p:nvPr/>
           </p:nvSpPr>
           <p:spPr>
-            <a:xfrm rot="-900000">
-              <a:off x="4283559" y="1999555"/>
-              <a:ext cx="781298" cy="71933"/>
+            <a:xfrm>
+              <a:off x="1059445" y="1908345"/>
+              <a:ext cx="60960" cy="82391"/>
             </a:xfrm>
             <a:prstGeom prst="rect">
               <a:avLst/>
@@ -8585,7 +8585,7 @@
             <a:p>
               <a:pPr algn="l" marL="0" marR="0" indent="0">
                 <a:lnSpc>
-                  <a:spcPts val="800"/>
+                  <a:spcPts val="960"/>
                 </a:lnSpc>
                 <a:spcBef>
                   <a:spcPts val="0"/>
@@ -8595,7 +8595,7 @@
                 </a:spcAft>
               </a:pPr>
               <a:r>
-                <a:rPr sz="800">
+                <a:rPr sz="960">
                   <a:solidFill>
                     <a:srgbClr val="4D4D4D">
                       <a:alpha val="100000"/>
@@ -8604,7 +8604,7 @@
                   <a:latin typeface="Times New Roman"/>
                   <a:cs typeface="Times New Roman"/>
                 </a:rPr>
-                <a:t>Mechanical.Tactile</a:t>
+                <a:t>2</a:t>
               </a:r>
             </a:p>
           </p:txBody>
@@ -8616,9 +8616,9 @@
             <p:nvPr/>
           </p:nvSpPr>
           <p:spPr>
-            <a:xfrm rot="-900000">
-              <a:off x="4937184" y="1940548"/>
-              <a:ext cx="479821" cy="92273"/>
+            <a:xfrm>
+              <a:off x="1374867" y="1906916"/>
+              <a:ext cx="60960" cy="83820"/>
             </a:xfrm>
             <a:prstGeom prst="rect">
               <a:avLst/>
@@ -8631,7 +8631,7 @@
             <a:p>
               <a:pPr algn="l" marL="0" marR="0" indent="0">
                 <a:lnSpc>
-                  <a:spcPts val="800"/>
+                  <a:spcPts val="960"/>
                 </a:lnSpc>
                 <a:spcBef>
                   <a:spcPts val="0"/>
@@ -8641,7 +8641,7 @@
                 </a:spcAft>
               </a:pPr>
               <a:r>
-                <a:rPr sz="800">
+                <a:rPr sz="960">
                   <a:solidFill>
                     <a:srgbClr val="4D4D4D">
                       <a:alpha val="100000"/>
@@ -8650,7 +8650,7 @@
                   <a:latin typeface="Times New Roman"/>
                   <a:cs typeface="Times New Roman"/>
                 </a:rPr>
-                <a:t>Oviposition</a:t>
+                <a:t>3</a:t>
               </a:r>
             </a:p>
           </p:txBody>
@@ -8662,9 +8662,9 @@
             <p:nvPr/>
           </p:nvSpPr>
           <p:spPr>
-            <a:xfrm rot="-900000">
-              <a:off x="5369296" y="1930845"/>
-              <a:ext cx="406350" cy="92471"/>
+            <a:xfrm>
+              <a:off x="1690288" y="1908345"/>
+              <a:ext cx="60960" cy="82391"/>
             </a:xfrm>
             <a:prstGeom prst="rect">
               <a:avLst/>
@@ -8677,7 +8677,7 @@
             <a:p>
               <a:pPr algn="l" marL="0" marR="0" indent="0">
                 <a:lnSpc>
-                  <a:spcPts val="800"/>
+                  <a:spcPts val="960"/>
                 </a:lnSpc>
                 <a:spcBef>
                   <a:spcPts val="0"/>
@@ -8687,7 +8687,7 @@
                 </a:spcAft>
               </a:pPr>
               <a:r>
-                <a:rPr sz="800">
+                <a:rPr sz="960">
                   <a:solidFill>
                     <a:srgbClr val="4D4D4D">
                       <a:alpha val="100000"/>
@@ -8696,7 +8696,7 @@
                   <a:latin typeface="Times New Roman"/>
                   <a:cs typeface="Times New Roman"/>
                 </a:rPr>
-                <a:t>Fecundity</a:t>
+                <a:t>4</a:t>
               </a:r>
             </a:p>
           </p:txBody>
@@ -8708,9 +8708,9 @@
             <p:nvPr/>
           </p:nvSpPr>
           <p:spPr>
-            <a:xfrm rot="-900000">
-              <a:off x="5806847" y="1920624"/>
-              <a:ext cx="327372" cy="92471"/>
+            <a:xfrm>
+              <a:off x="2005710" y="1908583"/>
+              <a:ext cx="60960" cy="82153"/>
             </a:xfrm>
             <a:prstGeom prst="rect">
               <a:avLst/>
@@ -8723,7 +8723,7 @@
             <a:p>
               <a:pPr algn="l" marL="0" marR="0" indent="0">
                 <a:lnSpc>
-                  <a:spcPts val="800"/>
+                  <a:spcPts val="960"/>
                 </a:lnSpc>
                 <a:spcBef>
                   <a:spcPts val="0"/>
@@ -8733,7 +8733,7 @@
                 </a:spcAft>
               </a:pPr>
               <a:r>
-                <a:rPr sz="800">
+                <a:rPr sz="960">
                   <a:solidFill>
                     <a:srgbClr val="4D4D4D">
                       <a:alpha val="100000"/>
@@ -8742,7 +8742,7 @@
                   <a:latin typeface="Times New Roman"/>
                   <a:cs typeface="Times New Roman"/>
                 </a:rPr>
-                <a:t>Fertility</a:t>
+                <a:t>5</a:t>
               </a:r>
             </a:p>
           </p:txBody>
@@ -8755,18 +8755,18 @@
           </p:nvSpPr>
           <p:spPr>
             <a:xfrm>
-              <a:off x="585250" y="287968"/>
-              <a:ext cx="0" cy="1553579"/>
+              <a:off x="2642103" y="1847382"/>
+              <a:ext cx="1640193" cy="0"/>
             </a:xfrm>
             <a:custGeom>
               <a:avLst/>
               <a:pathLst>
-                <a:path w="0" h="1553579">
+                <a:path w="1640193" h="0">
                   <a:moveTo>
-                    <a:pt x="0" y="1553579"/>
+                    <a:pt x="0" y="0"/>
                   </a:moveTo>
                   <a:lnTo>
-                    <a:pt x="0" y="0"/>
+                    <a:pt x="1640193" y="0"/>
                   </a:lnTo>
                 </a:path>
               </a:pathLst>
@@ -8789,13 +8789,1509 @@
         </p:sp>
         <p:sp>
           <p:nvSpPr>
-            <p:cNvPr id="149" name="tx149"/>
-            <p:cNvSpPr/>
-            <p:nvPr/>
-          </p:nvSpPr>
-          <p:spPr>
-            <a:xfrm>
-              <a:off x="258539" y="1753037"/>
+            <p:cNvPr id="149" name="pl149"/>
+            <p:cNvSpPr/>
+            <p:nvPr/>
+          </p:nvSpPr>
+          <p:spPr>
+            <a:xfrm>
+              <a:off x="2831356" y="1847382"/>
+              <a:ext cx="0" cy="34794"/>
+            </a:xfrm>
+            <a:custGeom>
+              <a:avLst/>
+              <a:pathLst>
+                <a:path w="0" h="34794">
+                  <a:moveTo>
+                    <a:pt x="0" y="34794"/>
+                  </a:moveTo>
+                  <a:lnTo>
+                    <a:pt x="0" y="0"/>
+                  </a:lnTo>
+                </a:path>
+              </a:pathLst>
+            </a:custGeom>
+            <a:ln w="13550" cap="flat">
+              <a:solidFill>
+                <a:srgbClr val="333333">
+                  <a:alpha val="100000"/>
+                </a:srgbClr>
+              </a:solidFill>
+              <a:prstDash val="solid"/>
+              <a:round/>
+            </a:ln>
+          </p:spPr>
+          <p:txBody>
+            <a:bodyPr/>
+            <a:lstStyle/>
+            <a:p/>
+          </p:txBody>
+        </p:sp>
+        <p:sp>
+          <p:nvSpPr>
+            <p:cNvPr id="150" name="pl150"/>
+            <p:cNvSpPr/>
+            <p:nvPr/>
+          </p:nvSpPr>
+          <p:spPr>
+            <a:xfrm>
+              <a:off x="3146777" y="1847382"/>
+              <a:ext cx="0" cy="34794"/>
+            </a:xfrm>
+            <a:custGeom>
+              <a:avLst/>
+              <a:pathLst>
+                <a:path w="0" h="34794">
+                  <a:moveTo>
+                    <a:pt x="0" y="34794"/>
+                  </a:moveTo>
+                  <a:lnTo>
+                    <a:pt x="0" y="0"/>
+                  </a:lnTo>
+                </a:path>
+              </a:pathLst>
+            </a:custGeom>
+            <a:ln w="13550" cap="flat">
+              <a:solidFill>
+                <a:srgbClr val="333333">
+                  <a:alpha val="100000"/>
+                </a:srgbClr>
+              </a:solidFill>
+              <a:prstDash val="solid"/>
+              <a:round/>
+            </a:ln>
+          </p:spPr>
+          <p:txBody>
+            <a:bodyPr/>
+            <a:lstStyle/>
+            <a:p/>
+          </p:txBody>
+        </p:sp>
+        <p:sp>
+          <p:nvSpPr>
+            <p:cNvPr id="151" name="pl151"/>
+            <p:cNvSpPr/>
+            <p:nvPr/>
+          </p:nvSpPr>
+          <p:spPr>
+            <a:xfrm>
+              <a:off x="3462199" y="1847382"/>
+              <a:ext cx="0" cy="34794"/>
+            </a:xfrm>
+            <a:custGeom>
+              <a:avLst/>
+              <a:pathLst>
+                <a:path w="0" h="34794">
+                  <a:moveTo>
+                    <a:pt x="0" y="34794"/>
+                  </a:moveTo>
+                  <a:lnTo>
+                    <a:pt x="0" y="0"/>
+                  </a:lnTo>
+                </a:path>
+              </a:pathLst>
+            </a:custGeom>
+            <a:ln w="13550" cap="flat">
+              <a:solidFill>
+                <a:srgbClr val="333333">
+                  <a:alpha val="100000"/>
+                </a:srgbClr>
+              </a:solidFill>
+              <a:prstDash val="solid"/>
+              <a:round/>
+            </a:ln>
+          </p:spPr>
+          <p:txBody>
+            <a:bodyPr/>
+            <a:lstStyle/>
+            <a:p/>
+          </p:txBody>
+        </p:sp>
+        <p:sp>
+          <p:nvSpPr>
+            <p:cNvPr id="152" name="pl152"/>
+            <p:cNvSpPr/>
+            <p:nvPr/>
+          </p:nvSpPr>
+          <p:spPr>
+            <a:xfrm>
+              <a:off x="3777621" y="1847382"/>
+              <a:ext cx="0" cy="34794"/>
+            </a:xfrm>
+            <a:custGeom>
+              <a:avLst/>
+              <a:pathLst>
+                <a:path w="0" h="34794">
+                  <a:moveTo>
+                    <a:pt x="0" y="34794"/>
+                  </a:moveTo>
+                  <a:lnTo>
+                    <a:pt x="0" y="0"/>
+                  </a:lnTo>
+                </a:path>
+              </a:pathLst>
+            </a:custGeom>
+            <a:ln w="13550" cap="flat">
+              <a:solidFill>
+                <a:srgbClr val="333333">
+                  <a:alpha val="100000"/>
+                </a:srgbClr>
+              </a:solidFill>
+              <a:prstDash val="solid"/>
+              <a:round/>
+            </a:ln>
+          </p:spPr>
+          <p:txBody>
+            <a:bodyPr/>
+            <a:lstStyle/>
+            <a:p/>
+          </p:txBody>
+        </p:sp>
+        <p:sp>
+          <p:nvSpPr>
+            <p:cNvPr id="153" name="pl153"/>
+            <p:cNvSpPr/>
+            <p:nvPr/>
+          </p:nvSpPr>
+          <p:spPr>
+            <a:xfrm>
+              <a:off x="4093043" y="1847382"/>
+              <a:ext cx="0" cy="34794"/>
+            </a:xfrm>
+            <a:custGeom>
+              <a:avLst/>
+              <a:pathLst>
+                <a:path w="0" h="34794">
+                  <a:moveTo>
+                    <a:pt x="0" y="34794"/>
+                  </a:moveTo>
+                  <a:lnTo>
+                    <a:pt x="0" y="0"/>
+                  </a:lnTo>
+                </a:path>
+              </a:pathLst>
+            </a:custGeom>
+            <a:ln w="13550" cap="flat">
+              <a:solidFill>
+                <a:srgbClr val="333333">
+                  <a:alpha val="100000"/>
+                </a:srgbClr>
+              </a:solidFill>
+              <a:prstDash val="solid"/>
+              <a:round/>
+            </a:ln>
+          </p:spPr>
+          <p:txBody>
+            <a:bodyPr/>
+            <a:lstStyle/>
+            <a:p/>
+          </p:txBody>
+        </p:sp>
+        <p:sp>
+          <p:nvSpPr>
+            <p:cNvPr id="154" name="tx154"/>
+            <p:cNvSpPr/>
+            <p:nvPr/>
+          </p:nvSpPr>
+          <p:spPr>
+            <a:xfrm>
+              <a:off x="2800876" y="1908345"/>
+              <a:ext cx="60960" cy="82391"/>
+            </a:xfrm>
+            <a:prstGeom prst="rect">
+              <a:avLst/>
+            </a:prstGeom>
+            <a:noFill/>
+          </p:spPr>
+          <p:txBody>
+            <a:bodyPr lIns="0" rIns="0" tIns="0" bIns="0" anchorCtr="1" anchor="ctr" wrap="none"/>
+            <a:lstStyle/>
+            <a:p>
+              <a:pPr algn="l" marL="0" marR="0" indent="0">
+                <a:lnSpc>
+                  <a:spcPts val="960"/>
+                </a:lnSpc>
+                <a:spcBef>
+                  <a:spcPts val="0"/>
+                </a:spcBef>
+                <a:spcAft>
+                  <a:spcPts val="0"/>
+                </a:spcAft>
+              </a:pPr>
+              <a:r>
+                <a:rPr sz="960">
+                  <a:solidFill>
+                    <a:srgbClr val="4D4D4D">
+                      <a:alpha val="100000"/>
+                    </a:srgbClr>
+                  </a:solidFill>
+                  <a:latin typeface="Times New Roman"/>
+                  <a:cs typeface="Times New Roman"/>
+                </a:rPr>
+                <a:t>1</a:t>
+              </a:r>
+            </a:p>
+          </p:txBody>
+        </p:sp>
+        <p:sp>
+          <p:nvSpPr>
+            <p:cNvPr id="155" name="tx155"/>
+            <p:cNvSpPr/>
+            <p:nvPr/>
+          </p:nvSpPr>
+          <p:spPr>
+            <a:xfrm>
+              <a:off x="3116297" y="1908345"/>
+              <a:ext cx="60960" cy="82391"/>
+            </a:xfrm>
+            <a:prstGeom prst="rect">
+              <a:avLst/>
+            </a:prstGeom>
+            <a:noFill/>
+          </p:spPr>
+          <p:txBody>
+            <a:bodyPr lIns="0" rIns="0" tIns="0" bIns="0" anchorCtr="1" anchor="ctr" wrap="none"/>
+            <a:lstStyle/>
+            <a:p>
+              <a:pPr algn="l" marL="0" marR="0" indent="0">
+                <a:lnSpc>
+                  <a:spcPts val="960"/>
+                </a:lnSpc>
+                <a:spcBef>
+                  <a:spcPts val="0"/>
+                </a:spcBef>
+                <a:spcAft>
+                  <a:spcPts val="0"/>
+                </a:spcAft>
+              </a:pPr>
+              <a:r>
+                <a:rPr sz="960">
+                  <a:solidFill>
+                    <a:srgbClr val="4D4D4D">
+                      <a:alpha val="100000"/>
+                    </a:srgbClr>
+                  </a:solidFill>
+                  <a:latin typeface="Times New Roman"/>
+                  <a:cs typeface="Times New Roman"/>
+                </a:rPr>
+                <a:t>2</a:t>
+              </a:r>
+            </a:p>
+          </p:txBody>
+        </p:sp>
+        <p:sp>
+          <p:nvSpPr>
+            <p:cNvPr id="156" name="tx156"/>
+            <p:cNvSpPr/>
+            <p:nvPr/>
+          </p:nvSpPr>
+          <p:spPr>
+            <a:xfrm>
+              <a:off x="3431719" y="1906916"/>
+              <a:ext cx="60960" cy="83820"/>
+            </a:xfrm>
+            <a:prstGeom prst="rect">
+              <a:avLst/>
+            </a:prstGeom>
+            <a:noFill/>
+          </p:spPr>
+          <p:txBody>
+            <a:bodyPr lIns="0" rIns="0" tIns="0" bIns="0" anchorCtr="1" anchor="ctr" wrap="none"/>
+            <a:lstStyle/>
+            <a:p>
+              <a:pPr algn="l" marL="0" marR="0" indent="0">
+                <a:lnSpc>
+                  <a:spcPts val="960"/>
+                </a:lnSpc>
+                <a:spcBef>
+                  <a:spcPts val="0"/>
+                </a:spcBef>
+                <a:spcAft>
+                  <a:spcPts val="0"/>
+                </a:spcAft>
+              </a:pPr>
+              <a:r>
+                <a:rPr sz="960">
+                  <a:solidFill>
+                    <a:srgbClr val="4D4D4D">
+                      <a:alpha val="100000"/>
+                    </a:srgbClr>
+                  </a:solidFill>
+                  <a:latin typeface="Times New Roman"/>
+                  <a:cs typeface="Times New Roman"/>
+                </a:rPr>
+                <a:t>3</a:t>
+              </a:r>
+            </a:p>
+          </p:txBody>
+        </p:sp>
+        <p:sp>
+          <p:nvSpPr>
+            <p:cNvPr id="157" name="tx157"/>
+            <p:cNvSpPr/>
+            <p:nvPr/>
+          </p:nvSpPr>
+          <p:spPr>
+            <a:xfrm>
+              <a:off x="3747141" y="1908345"/>
+              <a:ext cx="60960" cy="82391"/>
+            </a:xfrm>
+            <a:prstGeom prst="rect">
+              <a:avLst/>
+            </a:prstGeom>
+            <a:noFill/>
+          </p:spPr>
+          <p:txBody>
+            <a:bodyPr lIns="0" rIns="0" tIns="0" bIns="0" anchorCtr="1" anchor="ctr" wrap="none"/>
+            <a:lstStyle/>
+            <a:p>
+              <a:pPr algn="l" marL="0" marR="0" indent="0">
+                <a:lnSpc>
+                  <a:spcPts val="960"/>
+                </a:lnSpc>
+                <a:spcBef>
+                  <a:spcPts val="0"/>
+                </a:spcBef>
+                <a:spcAft>
+                  <a:spcPts val="0"/>
+                </a:spcAft>
+              </a:pPr>
+              <a:r>
+                <a:rPr sz="960">
+                  <a:solidFill>
+                    <a:srgbClr val="4D4D4D">
+                      <a:alpha val="100000"/>
+                    </a:srgbClr>
+                  </a:solidFill>
+                  <a:latin typeface="Times New Roman"/>
+                  <a:cs typeface="Times New Roman"/>
+                </a:rPr>
+                <a:t>4</a:t>
+              </a:r>
+            </a:p>
+          </p:txBody>
+        </p:sp>
+        <p:sp>
+          <p:nvSpPr>
+            <p:cNvPr id="158" name="tx158"/>
+            <p:cNvSpPr/>
+            <p:nvPr/>
+          </p:nvSpPr>
+          <p:spPr>
+            <a:xfrm>
+              <a:off x="4062563" y="1908583"/>
+              <a:ext cx="60960" cy="82153"/>
+            </a:xfrm>
+            <a:prstGeom prst="rect">
+              <a:avLst/>
+            </a:prstGeom>
+            <a:noFill/>
+          </p:spPr>
+          <p:txBody>
+            <a:bodyPr lIns="0" rIns="0" tIns="0" bIns="0" anchorCtr="1" anchor="ctr" wrap="none"/>
+            <a:lstStyle/>
+            <a:p>
+              <a:pPr algn="l" marL="0" marR="0" indent="0">
+                <a:lnSpc>
+                  <a:spcPts val="960"/>
+                </a:lnSpc>
+                <a:spcBef>
+                  <a:spcPts val="0"/>
+                </a:spcBef>
+                <a:spcAft>
+                  <a:spcPts val="0"/>
+                </a:spcAft>
+              </a:pPr>
+              <a:r>
+                <a:rPr sz="960">
+                  <a:solidFill>
+                    <a:srgbClr val="4D4D4D">
+                      <a:alpha val="100000"/>
+                    </a:srgbClr>
+                  </a:solidFill>
+                  <a:latin typeface="Times New Roman"/>
+                  <a:cs typeface="Times New Roman"/>
+                </a:rPr>
+                <a:t>5</a:t>
+              </a:r>
+            </a:p>
+          </p:txBody>
+        </p:sp>
+        <p:sp>
+          <p:nvSpPr>
+            <p:cNvPr id="159" name="pl159"/>
+            <p:cNvSpPr/>
+            <p:nvPr/>
+          </p:nvSpPr>
+          <p:spPr>
+            <a:xfrm>
+              <a:off x="4698955" y="1847382"/>
+              <a:ext cx="1640193" cy="0"/>
+            </a:xfrm>
+            <a:custGeom>
+              <a:avLst/>
+              <a:pathLst>
+                <a:path w="1640193" h="0">
+                  <a:moveTo>
+                    <a:pt x="0" y="0"/>
+                  </a:moveTo>
+                  <a:lnTo>
+                    <a:pt x="1640193" y="0"/>
+                  </a:lnTo>
+                </a:path>
+              </a:pathLst>
+            </a:custGeom>
+            <a:ln w="13550" cap="flat">
+              <a:solidFill>
+                <a:srgbClr val="000000">
+                  <a:alpha val="100000"/>
+                </a:srgbClr>
+              </a:solidFill>
+              <a:prstDash val="solid"/>
+              <a:round/>
+            </a:ln>
+          </p:spPr>
+          <p:txBody>
+            <a:bodyPr/>
+            <a:lstStyle/>
+            <a:p/>
+          </p:txBody>
+        </p:sp>
+        <p:sp>
+          <p:nvSpPr>
+            <p:cNvPr id="160" name="pl160"/>
+            <p:cNvSpPr/>
+            <p:nvPr/>
+          </p:nvSpPr>
+          <p:spPr>
+            <a:xfrm>
+              <a:off x="4888208" y="1847382"/>
+              <a:ext cx="0" cy="34794"/>
+            </a:xfrm>
+            <a:custGeom>
+              <a:avLst/>
+              <a:pathLst>
+                <a:path w="0" h="34794">
+                  <a:moveTo>
+                    <a:pt x="0" y="34794"/>
+                  </a:moveTo>
+                  <a:lnTo>
+                    <a:pt x="0" y="0"/>
+                  </a:lnTo>
+                </a:path>
+              </a:pathLst>
+            </a:custGeom>
+            <a:ln w="13550" cap="flat">
+              <a:solidFill>
+                <a:srgbClr val="333333">
+                  <a:alpha val="100000"/>
+                </a:srgbClr>
+              </a:solidFill>
+              <a:prstDash val="solid"/>
+              <a:round/>
+            </a:ln>
+          </p:spPr>
+          <p:txBody>
+            <a:bodyPr/>
+            <a:lstStyle/>
+            <a:p/>
+          </p:txBody>
+        </p:sp>
+        <p:sp>
+          <p:nvSpPr>
+            <p:cNvPr id="161" name="pl161"/>
+            <p:cNvSpPr/>
+            <p:nvPr/>
+          </p:nvSpPr>
+          <p:spPr>
+            <a:xfrm>
+              <a:off x="5203630" y="1847382"/>
+              <a:ext cx="0" cy="34794"/>
+            </a:xfrm>
+            <a:custGeom>
+              <a:avLst/>
+              <a:pathLst>
+                <a:path w="0" h="34794">
+                  <a:moveTo>
+                    <a:pt x="0" y="34794"/>
+                  </a:moveTo>
+                  <a:lnTo>
+                    <a:pt x="0" y="0"/>
+                  </a:lnTo>
+                </a:path>
+              </a:pathLst>
+            </a:custGeom>
+            <a:ln w="13550" cap="flat">
+              <a:solidFill>
+                <a:srgbClr val="333333">
+                  <a:alpha val="100000"/>
+                </a:srgbClr>
+              </a:solidFill>
+              <a:prstDash val="solid"/>
+              <a:round/>
+            </a:ln>
+          </p:spPr>
+          <p:txBody>
+            <a:bodyPr/>
+            <a:lstStyle/>
+            <a:p/>
+          </p:txBody>
+        </p:sp>
+        <p:sp>
+          <p:nvSpPr>
+            <p:cNvPr id="162" name="pl162"/>
+            <p:cNvSpPr/>
+            <p:nvPr/>
+          </p:nvSpPr>
+          <p:spPr>
+            <a:xfrm>
+              <a:off x="5519052" y="1847382"/>
+              <a:ext cx="0" cy="34794"/>
+            </a:xfrm>
+            <a:custGeom>
+              <a:avLst/>
+              <a:pathLst>
+                <a:path w="0" h="34794">
+                  <a:moveTo>
+                    <a:pt x="0" y="34794"/>
+                  </a:moveTo>
+                  <a:lnTo>
+                    <a:pt x="0" y="0"/>
+                  </a:lnTo>
+                </a:path>
+              </a:pathLst>
+            </a:custGeom>
+            <a:ln w="13550" cap="flat">
+              <a:solidFill>
+                <a:srgbClr val="333333">
+                  <a:alpha val="100000"/>
+                </a:srgbClr>
+              </a:solidFill>
+              <a:prstDash val="solid"/>
+              <a:round/>
+            </a:ln>
+          </p:spPr>
+          <p:txBody>
+            <a:bodyPr/>
+            <a:lstStyle/>
+            <a:p/>
+          </p:txBody>
+        </p:sp>
+        <p:sp>
+          <p:nvSpPr>
+            <p:cNvPr id="163" name="pl163"/>
+            <p:cNvSpPr/>
+            <p:nvPr/>
+          </p:nvSpPr>
+          <p:spPr>
+            <a:xfrm>
+              <a:off x="5834474" y="1847382"/>
+              <a:ext cx="0" cy="34794"/>
+            </a:xfrm>
+            <a:custGeom>
+              <a:avLst/>
+              <a:pathLst>
+                <a:path w="0" h="34794">
+                  <a:moveTo>
+                    <a:pt x="0" y="34794"/>
+                  </a:moveTo>
+                  <a:lnTo>
+                    <a:pt x="0" y="0"/>
+                  </a:lnTo>
+                </a:path>
+              </a:pathLst>
+            </a:custGeom>
+            <a:ln w="13550" cap="flat">
+              <a:solidFill>
+                <a:srgbClr val="333333">
+                  <a:alpha val="100000"/>
+                </a:srgbClr>
+              </a:solidFill>
+              <a:prstDash val="solid"/>
+              <a:round/>
+            </a:ln>
+          </p:spPr>
+          <p:txBody>
+            <a:bodyPr/>
+            <a:lstStyle/>
+            <a:p/>
+          </p:txBody>
+        </p:sp>
+        <p:sp>
+          <p:nvSpPr>
+            <p:cNvPr id="164" name="pl164"/>
+            <p:cNvSpPr/>
+            <p:nvPr/>
+          </p:nvSpPr>
+          <p:spPr>
+            <a:xfrm>
+              <a:off x="6149895" y="1847382"/>
+              <a:ext cx="0" cy="34794"/>
+            </a:xfrm>
+            <a:custGeom>
+              <a:avLst/>
+              <a:pathLst>
+                <a:path w="0" h="34794">
+                  <a:moveTo>
+                    <a:pt x="0" y="34794"/>
+                  </a:moveTo>
+                  <a:lnTo>
+                    <a:pt x="0" y="0"/>
+                  </a:lnTo>
+                </a:path>
+              </a:pathLst>
+            </a:custGeom>
+            <a:ln w="13550" cap="flat">
+              <a:solidFill>
+                <a:srgbClr val="333333">
+                  <a:alpha val="100000"/>
+                </a:srgbClr>
+              </a:solidFill>
+              <a:prstDash val="solid"/>
+              <a:round/>
+            </a:ln>
+          </p:spPr>
+          <p:txBody>
+            <a:bodyPr/>
+            <a:lstStyle/>
+            <a:p/>
+          </p:txBody>
+        </p:sp>
+        <p:sp>
+          <p:nvSpPr>
+            <p:cNvPr id="165" name="tx165"/>
+            <p:cNvSpPr/>
+            <p:nvPr/>
+          </p:nvSpPr>
+          <p:spPr>
+            <a:xfrm>
+              <a:off x="4857728" y="1908345"/>
+              <a:ext cx="60960" cy="82391"/>
+            </a:xfrm>
+            <a:prstGeom prst="rect">
+              <a:avLst/>
+            </a:prstGeom>
+            <a:noFill/>
+          </p:spPr>
+          <p:txBody>
+            <a:bodyPr lIns="0" rIns="0" tIns="0" bIns="0" anchorCtr="1" anchor="ctr" wrap="none"/>
+            <a:lstStyle/>
+            <a:p>
+              <a:pPr algn="l" marL="0" marR="0" indent="0">
+                <a:lnSpc>
+                  <a:spcPts val="960"/>
+                </a:lnSpc>
+                <a:spcBef>
+                  <a:spcPts val="0"/>
+                </a:spcBef>
+                <a:spcAft>
+                  <a:spcPts val="0"/>
+                </a:spcAft>
+              </a:pPr>
+              <a:r>
+                <a:rPr sz="960">
+                  <a:solidFill>
+                    <a:srgbClr val="4D4D4D">
+                      <a:alpha val="100000"/>
+                    </a:srgbClr>
+                  </a:solidFill>
+                  <a:latin typeface="Times New Roman"/>
+                  <a:cs typeface="Times New Roman"/>
+                </a:rPr>
+                <a:t>1</a:t>
+              </a:r>
+            </a:p>
+          </p:txBody>
+        </p:sp>
+        <p:sp>
+          <p:nvSpPr>
+            <p:cNvPr id="166" name="tx166"/>
+            <p:cNvSpPr/>
+            <p:nvPr/>
+          </p:nvSpPr>
+          <p:spPr>
+            <a:xfrm>
+              <a:off x="5173150" y="1908345"/>
+              <a:ext cx="60960" cy="82391"/>
+            </a:xfrm>
+            <a:prstGeom prst="rect">
+              <a:avLst/>
+            </a:prstGeom>
+            <a:noFill/>
+          </p:spPr>
+          <p:txBody>
+            <a:bodyPr lIns="0" rIns="0" tIns="0" bIns="0" anchorCtr="1" anchor="ctr" wrap="none"/>
+            <a:lstStyle/>
+            <a:p>
+              <a:pPr algn="l" marL="0" marR="0" indent="0">
+                <a:lnSpc>
+                  <a:spcPts val="960"/>
+                </a:lnSpc>
+                <a:spcBef>
+                  <a:spcPts val="0"/>
+                </a:spcBef>
+                <a:spcAft>
+                  <a:spcPts val="0"/>
+                </a:spcAft>
+              </a:pPr>
+              <a:r>
+                <a:rPr sz="960">
+                  <a:solidFill>
+                    <a:srgbClr val="4D4D4D">
+                      <a:alpha val="100000"/>
+                    </a:srgbClr>
+                  </a:solidFill>
+                  <a:latin typeface="Times New Roman"/>
+                  <a:cs typeface="Times New Roman"/>
+                </a:rPr>
+                <a:t>2</a:t>
+              </a:r>
+            </a:p>
+          </p:txBody>
+        </p:sp>
+        <p:sp>
+          <p:nvSpPr>
+            <p:cNvPr id="167" name="tx167"/>
+            <p:cNvSpPr/>
+            <p:nvPr/>
+          </p:nvSpPr>
+          <p:spPr>
+            <a:xfrm>
+              <a:off x="5488572" y="1906916"/>
+              <a:ext cx="60960" cy="83820"/>
+            </a:xfrm>
+            <a:prstGeom prst="rect">
+              <a:avLst/>
+            </a:prstGeom>
+            <a:noFill/>
+          </p:spPr>
+          <p:txBody>
+            <a:bodyPr lIns="0" rIns="0" tIns="0" bIns="0" anchorCtr="1" anchor="ctr" wrap="none"/>
+            <a:lstStyle/>
+            <a:p>
+              <a:pPr algn="l" marL="0" marR="0" indent="0">
+                <a:lnSpc>
+                  <a:spcPts val="960"/>
+                </a:lnSpc>
+                <a:spcBef>
+                  <a:spcPts val="0"/>
+                </a:spcBef>
+                <a:spcAft>
+                  <a:spcPts val="0"/>
+                </a:spcAft>
+              </a:pPr>
+              <a:r>
+                <a:rPr sz="960">
+                  <a:solidFill>
+                    <a:srgbClr val="4D4D4D">
+                      <a:alpha val="100000"/>
+                    </a:srgbClr>
+                  </a:solidFill>
+                  <a:latin typeface="Times New Roman"/>
+                  <a:cs typeface="Times New Roman"/>
+                </a:rPr>
+                <a:t>3</a:t>
+              </a:r>
+            </a:p>
+          </p:txBody>
+        </p:sp>
+        <p:sp>
+          <p:nvSpPr>
+            <p:cNvPr id="168" name="tx168"/>
+            <p:cNvSpPr/>
+            <p:nvPr/>
+          </p:nvSpPr>
+          <p:spPr>
+            <a:xfrm>
+              <a:off x="5803994" y="1908345"/>
+              <a:ext cx="60960" cy="82391"/>
+            </a:xfrm>
+            <a:prstGeom prst="rect">
+              <a:avLst/>
+            </a:prstGeom>
+            <a:noFill/>
+          </p:spPr>
+          <p:txBody>
+            <a:bodyPr lIns="0" rIns="0" tIns="0" bIns="0" anchorCtr="1" anchor="ctr" wrap="none"/>
+            <a:lstStyle/>
+            <a:p>
+              <a:pPr algn="l" marL="0" marR="0" indent="0">
+                <a:lnSpc>
+                  <a:spcPts val="960"/>
+                </a:lnSpc>
+                <a:spcBef>
+                  <a:spcPts val="0"/>
+                </a:spcBef>
+                <a:spcAft>
+                  <a:spcPts val="0"/>
+                </a:spcAft>
+              </a:pPr>
+              <a:r>
+                <a:rPr sz="960">
+                  <a:solidFill>
+                    <a:srgbClr val="4D4D4D">
+                      <a:alpha val="100000"/>
+                    </a:srgbClr>
+                  </a:solidFill>
+                  <a:latin typeface="Times New Roman"/>
+                  <a:cs typeface="Times New Roman"/>
+                </a:rPr>
+                <a:t>4</a:t>
+              </a:r>
+            </a:p>
+          </p:txBody>
+        </p:sp>
+        <p:sp>
+          <p:nvSpPr>
+            <p:cNvPr id="169" name="tx169"/>
+            <p:cNvSpPr/>
+            <p:nvPr/>
+          </p:nvSpPr>
+          <p:spPr>
+            <a:xfrm>
+              <a:off x="6119415" y="1908583"/>
+              <a:ext cx="60960" cy="82153"/>
+            </a:xfrm>
+            <a:prstGeom prst="rect">
+              <a:avLst/>
+            </a:prstGeom>
+            <a:noFill/>
+          </p:spPr>
+          <p:txBody>
+            <a:bodyPr lIns="0" rIns="0" tIns="0" bIns="0" anchorCtr="1" anchor="ctr" wrap="none"/>
+            <a:lstStyle/>
+            <a:p>
+              <a:pPr algn="l" marL="0" marR="0" indent="0">
+                <a:lnSpc>
+                  <a:spcPts val="960"/>
+                </a:lnSpc>
+                <a:spcBef>
+                  <a:spcPts val="0"/>
+                </a:spcBef>
+                <a:spcAft>
+                  <a:spcPts val="0"/>
+                </a:spcAft>
+              </a:pPr>
+              <a:r>
+                <a:rPr sz="960">
+                  <a:solidFill>
+                    <a:srgbClr val="4D4D4D">
+                      <a:alpha val="100000"/>
+                    </a:srgbClr>
+                  </a:solidFill>
+                  <a:latin typeface="Times New Roman"/>
+                  <a:cs typeface="Times New Roman"/>
+                </a:rPr>
+                <a:t>5</a:t>
+              </a:r>
+            </a:p>
+          </p:txBody>
+        </p:sp>
+        <p:sp>
+          <p:nvSpPr>
+            <p:cNvPr id="170" name="pl170"/>
+            <p:cNvSpPr/>
+            <p:nvPr/>
+          </p:nvSpPr>
+          <p:spPr>
+            <a:xfrm>
+              <a:off x="4698955" y="287968"/>
+              <a:ext cx="0" cy="1559413"/>
+            </a:xfrm>
+            <a:custGeom>
+              <a:avLst/>
+              <a:pathLst>
+                <a:path w="0" h="1559413">
+                  <a:moveTo>
+                    <a:pt x="0" y="1559413"/>
+                  </a:moveTo>
+                  <a:lnTo>
+                    <a:pt x="0" y="0"/>
+                  </a:lnTo>
+                </a:path>
+              </a:pathLst>
+            </a:custGeom>
+            <a:ln w="13550" cap="flat">
+              <a:solidFill>
+                <a:srgbClr val="000000">
+                  <a:alpha val="100000"/>
+                </a:srgbClr>
+              </a:solidFill>
+              <a:prstDash val="solid"/>
+              <a:round/>
+            </a:ln>
+          </p:spPr>
+          <p:txBody>
+            <a:bodyPr/>
+            <a:lstStyle/>
+            <a:p/>
+          </p:txBody>
+        </p:sp>
+        <p:sp>
+          <p:nvSpPr>
+            <p:cNvPr id="171" name="tx171"/>
+            <p:cNvSpPr/>
+            <p:nvPr/>
+          </p:nvSpPr>
+          <p:spPr>
+            <a:xfrm>
+              <a:off x="4473805" y="1641940"/>
+              <a:ext cx="162520" cy="85903"/>
+            </a:xfrm>
+            <a:prstGeom prst="rect">
+              <a:avLst/>
+            </a:prstGeom>
+            <a:noFill/>
+          </p:spPr>
+          <p:txBody>
+            <a:bodyPr lIns="0" rIns="0" tIns="0" bIns="0" anchorCtr="1" anchor="ctr" wrap="none"/>
+            <a:lstStyle/>
+            <a:p>
+              <a:pPr algn="l" marL="0" marR="0" indent="0">
+                <a:lnSpc>
+                  <a:spcPts val="960"/>
+                </a:lnSpc>
+                <a:spcBef>
+                  <a:spcPts val="0"/>
+                </a:spcBef>
+                <a:spcAft>
+                  <a:spcPts val="0"/>
+                </a:spcAft>
+              </a:pPr>
+              <a:r>
+                <a:rPr sz="960">
+                  <a:solidFill>
+                    <a:srgbClr val="4D4D4D">
+                      <a:alpha val="100000"/>
+                    </a:srgbClr>
+                  </a:solidFill>
+                  <a:latin typeface="Times New Roman"/>
+                  <a:cs typeface="Times New Roman"/>
+                </a:rPr>
+                <a:t>0%</a:t>
+              </a:r>
+            </a:p>
+          </p:txBody>
+        </p:sp>
+        <p:sp>
+          <p:nvSpPr>
+            <p:cNvPr id="172" name="tx172"/>
+            <p:cNvSpPr/>
+            <p:nvPr/>
+          </p:nvSpPr>
+          <p:spPr>
+            <a:xfrm>
+              <a:off x="4412845" y="1376214"/>
+              <a:ext cx="223480" cy="85903"/>
+            </a:xfrm>
+            <a:prstGeom prst="rect">
+              <a:avLst/>
+            </a:prstGeom>
+            <a:noFill/>
+          </p:spPr>
+          <p:txBody>
+            <a:bodyPr lIns="0" rIns="0" tIns="0" bIns="0" anchorCtr="1" anchor="ctr" wrap="none"/>
+            <a:lstStyle/>
+            <a:p>
+              <a:pPr algn="l" marL="0" marR="0" indent="0">
+                <a:lnSpc>
+                  <a:spcPts val="960"/>
+                </a:lnSpc>
+                <a:spcBef>
+                  <a:spcPts val="0"/>
+                </a:spcBef>
+                <a:spcAft>
+                  <a:spcPts val="0"/>
+                </a:spcAft>
+              </a:pPr>
+              <a:r>
+                <a:rPr sz="960">
+                  <a:solidFill>
+                    <a:srgbClr val="4D4D4D">
+                      <a:alpha val="100000"/>
+                    </a:srgbClr>
+                  </a:solidFill>
+                  <a:latin typeface="Times New Roman"/>
+                  <a:cs typeface="Times New Roman"/>
+                </a:rPr>
+                <a:t>20%</a:t>
+              </a:r>
+            </a:p>
+          </p:txBody>
+        </p:sp>
+        <p:sp>
+          <p:nvSpPr>
+            <p:cNvPr id="173" name="tx173"/>
+            <p:cNvSpPr/>
+            <p:nvPr/>
+          </p:nvSpPr>
+          <p:spPr>
+            <a:xfrm>
+              <a:off x="4412845" y="1110487"/>
+              <a:ext cx="223480" cy="85903"/>
+            </a:xfrm>
+            <a:prstGeom prst="rect">
+              <a:avLst/>
+            </a:prstGeom>
+            <a:noFill/>
+          </p:spPr>
+          <p:txBody>
+            <a:bodyPr lIns="0" rIns="0" tIns="0" bIns="0" anchorCtr="1" anchor="ctr" wrap="none"/>
+            <a:lstStyle/>
+            <a:p>
+              <a:pPr algn="l" marL="0" marR="0" indent="0">
+                <a:lnSpc>
+                  <a:spcPts val="960"/>
+                </a:lnSpc>
+                <a:spcBef>
+                  <a:spcPts val="0"/>
+                </a:spcBef>
+                <a:spcAft>
+                  <a:spcPts val="0"/>
+                </a:spcAft>
+              </a:pPr>
+              <a:r>
+                <a:rPr sz="960">
+                  <a:solidFill>
+                    <a:srgbClr val="4D4D4D">
+                      <a:alpha val="100000"/>
+                    </a:srgbClr>
+                  </a:solidFill>
+                  <a:latin typeface="Times New Roman"/>
+                  <a:cs typeface="Times New Roman"/>
+                </a:rPr>
+                <a:t>40%</a:t>
+              </a:r>
+            </a:p>
+          </p:txBody>
+        </p:sp>
+        <p:sp>
+          <p:nvSpPr>
+            <p:cNvPr id="174" name="tx174"/>
+            <p:cNvSpPr/>
+            <p:nvPr/>
+          </p:nvSpPr>
+          <p:spPr>
+            <a:xfrm>
+              <a:off x="4412845" y="844761"/>
+              <a:ext cx="223480" cy="85903"/>
+            </a:xfrm>
+            <a:prstGeom prst="rect">
+              <a:avLst/>
+            </a:prstGeom>
+            <a:noFill/>
+          </p:spPr>
+          <p:txBody>
+            <a:bodyPr lIns="0" rIns="0" tIns="0" bIns="0" anchorCtr="1" anchor="ctr" wrap="none"/>
+            <a:lstStyle/>
+            <a:p>
+              <a:pPr algn="l" marL="0" marR="0" indent="0">
+                <a:lnSpc>
+                  <a:spcPts val="960"/>
+                </a:lnSpc>
+                <a:spcBef>
+                  <a:spcPts val="0"/>
+                </a:spcBef>
+                <a:spcAft>
+                  <a:spcPts val="0"/>
+                </a:spcAft>
+              </a:pPr>
+              <a:r>
+                <a:rPr sz="960">
+                  <a:solidFill>
+                    <a:srgbClr val="4D4D4D">
+                      <a:alpha val="100000"/>
+                    </a:srgbClr>
+                  </a:solidFill>
+                  <a:latin typeface="Times New Roman"/>
+                  <a:cs typeface="Times New Roman"/>
+                </a:rPr>
+                <a:t>60%</a:t>
+              </a:r>
+            </a:p>
+          </p:txBody>
+        </p:sp>
+        <p:sp>
+          <p:nvSpPr>
+            <p:cNvPr id="175" name="tx175"/>
+            <p:cNvSpPr/>
+            <p:nvPr/>
+          </p:nvSpPr>
+          <p:spPr>
+            <a:xfrm>
+              <a:off x="4412845" y="579035"/>
+              <a:ext cx="223480" cy="85903"/>
+            </a:xfrm>
+            <a:prstGeom prst="rect">
+              <a:avLst/>
+            </a:prstGeom>
+            <a:noFill/>
+          </p:spPr>
+          <p:txBody>
+            <a:bodyPr lIns="0" rIns="0" tIns="0" bIns="0" anchorCtr="1" anchor="ctr" wrap="none"/>
+            <a:lstStyle/>
+            <a:p>
+              <a:pPr algn="l" marL="0" marR="0" indent="0">
+                <a:lnSpc>
+                  <a:spcPts val="960"/>
+                </a:lnSpc>
+                <a:spcBef>
+                  <a:spcPts val="0"/>
+                </a:spcBef>
+                <a:spcAft>
+                  <a:spcPts val="0"/>
+                </a:spcAft>
+              </a:pPr>
+              <a:r>
+                <a:rPr sz="960">
+                  <a:solidFill>
+                    <a:srgbClr val="4D4D4D">
+                      <a:alpha val="100000"/>
+                    </a:srgbClr>
+                  </a:solidFill>
+                  <a:latin typeface="Times New Roman"/>
+                  <a:cs typeface="Times New Roman"/>
+                </a:rPr>
+                <a:t>80%</a:t>
+              </a:r>
+            </a:p>
+          </p:txBody>
+        </p:sp>
+        <p:sp>
+          <p:nvSpPr>
+            <p:cNvPr id="176" name="tx176"/>
+            <p:cNvSpPr/>
+            <p:nvPr/>
+          </p:nvSpPr>
+          <p:spPr>
+            <a:xfrm>
+              <a:off x="4351885" y="313309"/>
+              <a:ext cx="284440" cy="85903"/>
+            </a:xfrm>
+            <a:prstGeom prst="rect">
+              <a:avLst/>
+            </a:prstGeom>
+            <a:noFill/>
+          </p:spPr>
+          <p:txBody>
+            <a:bodyPr lIns="0" rIns="0" tIns="0" bIns="0" anchorCtr="1" anchor="ctr" wrap="none"/>
+            <a:lstStyle/>
+            <a:p>
+              <a:pPr algn="l" marL="0" marR="0" indent="0">
+                <a:lnSpc>
+                  <a:spcPts val="960"/>
+                </a:lnSpc>
+                <a:spcBef>
+                  <a:spcPts val="0"/>
+                </a:spcBef>
+                <a:spcAft>
+                  <a:spcPts val="0"/>
+                </a:spcAft>
+              </a:pPr>
+              <a:r>
+                <a:rPr sz="960">
+                  <a:solidFill>
+                    <a:srgbClr val="4D4D4D">
+                      <a:alpha val="100000"/>
+                    </a:srgbClr>
+                  </a:solidFill>
+                  <a:latin typeface="Times New Roman"/>
+                  <a:cs typeface="Times New Roman"/>
+                </a:rPr>
+                <a:t>100%</a:t>
+              </a:r>
+            </a:p>
+          </p:txBody>
+        </p:sp>
+        <p:sp>
+          <p:nvSpPr>
+            <p:cNvPr id="177" name="pl177"/>
+            <p:cNvSpPr/>
+            <p:nvPr/>
+          </p:nvSpPr>
+          <p:spPr>
+            <a:xfrm>
+              <a:off x="4664161" y="1687481"/>
+              <a:ext cx="34794" cy="0"/>
+            </a:xfrm>
+            <a:custGeom>
+              <a:avLst/>
+              <a:pathLst>
+                <a:path w="34794" h="0">
+                  <a:moveTo>
+                    <a:pt x="0" y="0"/>
+                  </a:moveTo>
+                  <a:lnTo>
+                    <a:pt x="34794" y="0"/>
+                  </a:lnTo>
+                </a:path>
+              </a:pathLst>
+            </a:custGeom>
+            <a:ln w="13550" cap="flat">
+              <a:solidFill>
+                <a:srgbClr val="333333">
+                  <a:alpha val="100000"/>
+                </a:srgbClr>
+              </a:solidFill>
+              <a:prstDash val="solid"/>
+              <a:round/>
+            </a:ln>
+          </p:spPr>
+          <p:txBody>
+            <a:bodyPr/>
+            <a:lstStyle/>
+            <a:p/>
+          </p:txBody>
+        </p:sp>
+        <p:sp>
+          <p:nvSpPr>
+            <p:cNvPr id="178" name="pl178"/>
+            <p:cNvSpPr/>
+            <p:nvPr/>
+          </p:nvSpPr>
+          <p:spPr>
+            <a:xfrm>
+              <a:off x="4664161" y="1421755"/>
+              <a:ext cx="34794" cy="0"/>
+            </a:xfrm>
+            <a:custGeom>
+              <a:avLst/>
+              <a:pathLst>
+                <a:path w="34794" h="0">
+                  <a:moveTo>
+                    <a:pt x="0" y="0"/>
+                  </a:moveTo>
+                  <a:lnTo>
+                    <a:pt x="34794" y="0"/>
+                  </a:lnTo>
+                </a:path>
+              </a:pathLst>
+            </a:custGeom>
+            <a:ln w="13550" cap="flat">
+              <a:solidFill>
+                <a:srgbClr val="333333">
+                  <a:alpha val="100000"/>
+                </a:srgbClr>
+              </a:solidFill>
+              <a:prstDash val="solid"/>
+              <a:round/>
+            </a:ln>
+          </p:spPr>
+          <p:txBody>
+            <a:bodyPr/>
+            <a:lstStyle/>
+            <a:p/>
+          </p:txBody>
+        </p:sp>
+        <p:sp>
+          <p:nvSpPr>
+            <p:cNvPr id="179" name="pl179"/>
+            <p:cNvSpPr/>
+            <p:nvPr/>
+          </p:nvSpPr>
+          <p:spPr>
+            <a:xfrm>
+              <a:off x="4664161" y="1156029"/>
+              <a:ext cx="34794" cy="0"/>
+            </a:xfrm>
+            <a:custGeom>
+              <a:avLst/>
+              <a:pathLst>
+                <a:path w="34794" h="0">
+                  <a:moveTo>
+                    <a:pt x="0" y="0"/>
+                  </a:moveTo>
+                  <a:lnTo>
+                    <a:pt x="34794" y="0"/>
+                  </a:lnTo>
+                </a:path>
+              </a:pathLst>
+            </a:custGeom>
+            <a:ln w="13550" cap="flat">
+              <a:solidFill>
+                <a:srgbClr val="333333">
+                  <a:alpha val="100000"/>
+                </a:srgbClr>
+              </a:solidFill>
+              <a:prstDash val="solid"/>
+              <a:round/>
+            </a:ln>
+          </p:spPr>
+          <p:txBody>
+            <a:bodyPr/>
+            <a:lstStyle/>
+            <a:p/>
+          </p:txBody>
+        </p:sp>
+        <p:sp>
+          <p:nvSpPr>
+            <p:cNvPr id="180" name="pl180"/>
+            <p:cNvSpPr/>
+            <p:nvPr/>
+          </p:nvSpPr>
+          <p:spPr>
+            <a:xfrm>
+              <a:off x="4664161" y="890303"/>
+              <a:ext cx="34794" cy="0"/>
+            </a:xfrm>
+            <a:custGeom>
+              <a:avLst/>
+              <a:pathLst>
+                <a:path w="34794" h="0">
+                  <a:moveTo>
+                    <a:pt x="0" y="0"/>
+                  </a:moveTo>
+                  <a:lnTo>
+                    <a:pt x="34794" y="0"/>
+                  </a:lnTo>
+                </a:path>
+              </a:pathLst>
+            </a:custGeom>
+            <a:ln w="13550" cap="flat">
+              <a:solidFill>
+                <a:srgbClr val="333333">
+                  <a:alpha val="100000"/>
+                </a:srgbClr>
+              </a:solidFill>
+              <a:prstDash val="solid"/>
+              <a:round/>
+            </a:ln>
+          </p:spPr>
+          <p:txBody>
+            <a:bodyPr/>
+            <a:lstStyle/>
+            <a:p/>
+          </p:txBody>
+        </p:sp>
+        <p:sp>
+          <p:nvSpPr>
+            <p:cNvPr id="181" name="pl181"/>
+            <p:cNvSpPr/>
+            <p:nvPr/>
+          </p:nvSpPr>
+          <p:spPr>
+            <a:xfrm>
+              <a:off x="4664161" y="624577"/>
+              <a:ext cx="34794" cy="0"/>
+            </a:xfrm>
+            <a:custGeom>
+              <a:avLst/>
+              <a:pathLst>
+                <a:path w="34794" h="0">
+                  <a:moveTo>
+                    <a:pt x="0" y="0"/>
+                  </a:moveTo>
+                  <a:lnTo>
+                    <a:pt x="34794" y="0"/>
+                  </a:lnTo>
+                </a:path>
+              </a:pathLst>
+            </a:custGeom>
+            <a:ln w="13550" cap="flat">
+              <a:solidFill>
+                <a:srgbClr val="333333">
+                  <a:alpha val="100000"/>
+                </a:srgbClr>
+              </a:solidFill>
+              <a:prstDash val="solid"/>
+              <a:round/>
+            </a:ln>
+          </p:spPr>
+          <p:txBody>
+            <a:bodyPr/>
+            <a:lstStyle/>
+            <a:p/>
+          </p:txBody>
+        </p:sp>
+        <p:sp>
+          <p:nvSpPr>
+            <p:cNvPr id="182" name="pl182"/>
+            <p:cNvSpPr/>
+            <p:nvPr/>
+          </p:nvSpPr>
+          <p:spPr>
+            <a:xfrm>
+              <a:off x="4664161" y="358851"/>
+              <a:ext cx="34794" cy="0"/>
+            </a:xfrm>
+            <a:custGeom>
+              <a:avLst/>
+              <a:pathLst>
+                <a:path w="34794" h="0">
+                  <a:moveTo>
+                    <a:pt x="0" y="0"/>
+                  </a:moveTo>
+                  <a:lnTo>
+                    <a:pt x="34794" y="0"/>
+                  </a:lnTo>
+                </a:path>
+              </a:pathLst>
+            </a:custGeom>
+            <a:ln w="13550" cap="flat">
+              <a:solidFill>
+                <a:srgbClr val="333333">
+                  <a:alpha val="100000"/>
+                </a:srgbClr>
+              </a:solidFill>
+              <a:prstDash val="solid"/>
+              <a:round/>
+            </a:ln>
+          </p:spPr>
+          <p:txBody>
+            <a:bodyPr/>
+            <a:lstStyle/>
+            <a:p/>
+          </p:txBody>
+        </p:sp>
+        <p:sp>
+          <p:nvSpPr>
+            <p:cNvPr id="183" name="pl183"/>
+            <p:cNvSpPr/>
+            <p:nvPr/>
+          </p:nvSpPr>
+          <p:spPr>
+            <a:xfrm>
+              <a:off x="2642103" y="287968"/>
+              <a:ext cx="0" cy="1559413"/>
+            </a:xfrm>
+            <a:custGeom>
+              <a:avLst/>
+              <a:pathLst>
+                <a:path w="0" h="1559413">
+                  <a:moveTo>
+                    <a:pt x="0" y="1559413"/>
+                  </a:moveTo>
+                  <a:lnTo>
+                    <a:pt x="0" y="0"/>
+                  </a:lnTo>
+                </a:path>
+              </a:pathLst>
+            </a:custGeom>
+            <a:ln w="13550" cap="flat">
+              <a:solidFill>
+                <a:srgbClr val="000000">
+                  <a:alpha val="100000"/>
+                </a:srgbClr>
+              </a:solidFill>
+              <a:prstDash val="solid"/>
+              <a:round/>
+            </a:ln>
+          </p:spPr>
+          <p:txBody>
+            <a:bodyPr/>
+            <a:lstStyle/>
+            <a:p/>
+          </p:txBody>
+        </p:sp>
+        <p:sp>
+          <p:nvSpPr>
+            <p:cNvPr id="184" name="tx184"/>
+            <p:cNvSpPr/>
+            <p:nvPr/>
+          </p:nvSpPr>
+          <p:spPr>
+            <a:xfrm>
+              <a:off x="2315392" y="1759030"/>
               <a:ext cx="264080" cy="85903"/>
             </a:xfrm>
             <a:prstGeom prst="rect">
@@ -8835,13 +10331,13 @@
         </p:sp>
         <p:sp>
           <p:nvSpPr>
-            <p:cNvPr id="150" name="tx150"/>
-            <p:cNvSpPr/>
-            <p:nvPr/>
-          </p:nvSpPr>
-          <p:spPr>
-            <a:xfrm>
-              <a:off x="360100" y="1465038"/>
+            <p:cNvPr id="185" name="tx185"/>
+            <p:cNvSpPr/>
+            <p:nvPr/>
+          </p:nvSpPr>
+          <p:spPr>
+            <a:xfrm>
+              <a:off x="2416952" y="1466611"/>
               <a:ext cx="162520" cy="85903"/>
             </a:xfrm>
             <a:prstGeom prst="rect">
@@ -8881,13 +10377,13 @@
         </p:sp>
         <p:sp>
           <p:nvSpPr>
-            <p:cNvPr id="151" name="tx151"/>
-            <p:cNvSpPr/>
-            <p:nvPr/>
-          </p:nvSpPr>
-          <p:spPr>
-            <a:xfrm>
-              <a:off x="299140" y="1177040"/>
+            <p:cNvPr id="186" name="tx186"/>
+            <p:cNvSpPr/>
+            <p:nvPr/>
+          </p:nvSpPr>
+          <p:spPr>
+            <a:xfrm>
+              <a:off x="2355992" y="1174192"/>
               <a:ext cx="223480" cy="85903"/>
             </a:xfrm>
             <a:prstGeom prst="rect">
@@ -8927,13 +10423,13 @@
         </p:sp>
         <p:sp>
           <p:nvSpPr>
-            <p:cNvPr id="152" name="tx152"/>
-            <p:cNvSpPr/>
-            <p:nvPr/>
-          </p:nvSpPr>
-          <p:spPr>
-            <a:xfrm>
-              <a:off x="299140" y="889041"/>
+            <p:cNvPr id="187" name="tx187"/>
+            <p:cNvSpPr/>
+            <p:nvPr/>
+          </p:nvSpPr>
+          <p:spPr>
+            <a:xfrm>
+              <a:off x="2355992" y="881772"/>
               <a:ext cx="223480" cy="85903"/>
             </a:xfrm>
             <a:prstGeom prst="rect">
@@ -8973,13 +10469,13 @@
         </p:sp>
         <p:sp>
           <p:nvSpPr>
-            <p:cNvPr id="153" name="tx153"/>
-            <p:cNvSpPr/>
-            <p:nvPr/>
-          </p:nvSpPr>
-          <p:spPr>
-            <a:xfrm>
-              <a:off x="299140" y="601043"/>
+            <p:cNvPr id="188" name="tx188"/>
+            <p:cNvSpPr/>
+            <p:nvPr/>
+          </p:nvSpPr>
+          <p:spPr>
+            <a:xfrm>
+              <a:off x="2355992" y="589353"/>
               <a:ext cx="223480" cy="85903"/>
             </a:xfrm>
             <a:prstGeom prst="rect">
@@ -9019,13 +10515,13 @@
         </p:sp>
         <p:sp>
           <p:nvSpPr>
-            <p:cNvPr id="154" name="tx154"/>
-            <p:cNvSpPr/>
-            <p:nvPr/>
-          </p:nvSpPr>
-          <p:spPr>
-            <a:xfrm>
-              <a:off x="238180" y="313044"/>
+            <p:cNvPr id="189" name="tx189"/>
+            <p:cNvSpPr/>
+            <p:nvPr/>
+          </p:nvSpPr>
+          <p:spPr>
+            <a:xfrm>
+              <a:off x="2295032" y="296934"/>
               <a:ext cx="284440" cy="85903"/>
             </a:xfrm>
             <a:prstGeom prst="rect">
@@ -9065,13 +10561,13 @@
         </p:sp>
         <p:sp>
           <p:nvSpPr>
-            <p:cNvPr id="155" name="pl155"/>
-            <p:cNvSpPr/>
-            <p:nvPr/>
-          </p:nvSpPr>
-          <p:spPr>
-            <a:xfrm>
-              <a:off x="550455" y="1798578"/>
+            <p:cNvPr id="190" name="pl190"/>
+            <p:cNvSpPr/>
+            <p:nvPr/>
+          </p:nvSpPr>
+          <p:spPr>
+            <a:xfrm>
+              <a:off x="2607308" y="1804571"/>
               <a:ext cx="34794" cy="0"/>
             </a:xfrm>
             <a:custGeom>
@@ -9105,13 +10601,13 @@
         </p:sp>
         <p:sp>
           <p:nvSpPr>
-            <p:cNvPr id="156" name="pl156"/>
-            <p:cNvSpPr/>
-            <p:nvPr/>
-          </p:nvSpPr>
-          <p:spPr>
-            <a:xfrm>
-              <a:off x="550455" y="1510579"/>
+            <p:cNvPr id="191" name="pl191"/>
+            <p:cNvSpPr/>
+            <p:nvPr/>
+          </p:nvSpPr>
+          <p:spPr>
+            <a:xfrm>
+              <a:off x="2607308" y="1512152"/>
               <a:ext cx="34794" cy="0"/>
             </a:xfrm>
             <a:custGeom>
@@ -9145,13 +10641,13 @@
         </p:sp>
         <p:sp>
           <p:nvSpPr>
-            <p:cNvPr id="157" name="pl157"/>
-            <p:cNvSpPr/>
-            <p:nvPr/>
-          </p:nvSpPr>
-          <p:spPr>
-            <a:xfrm>
-              <a:off x="550455" y="1222581"/>
+            <p:cNvPr id="192" name="pl192"/>
+            <p:cNvSpPr/>
+            <p:nvPr/>
+          </p:nvSpPr>
+          <p:spPr>
+            <a:xfrm>
+              <a:off x="2607308" y="1219733"/>
               <a:ext cx="34794" cy="0"/>
             </a:xfrm>
             <a:custGeom>
@@ -9185,13 +10681,13 @@
         </p:sp>
         <p:sp>
           <p:nvSpPr>
-            <p:cNvPr id="158" name="pl158"/>
-            <p:cNvSpPr/>
-            <p:nvPr/>
-          </p:nvSpPr>
-          <p:spPr>
-            <a:xfrm>
-              <a:off x="550455" y="934582"/>
+            <p:cNvPr id="193" name="pl193"/>
+            <p:cNvSpPr/>
+            <p:nvPr/>
+          </p:nvSpPr>
+          <p:spPr>
+            <a:xfrm>
+              <a:off x="2607308" y="927314"/>
               <a:ext cx="34794" cy="0"/>
             </a:xfrm>
             <a:custGeom>
@@ -9225,13 +10721,13 @@
         </p:sp>
         <p:sp>
           <p:nvSpPr>
-            <p:cNvPr id="159" name="pl159"/>
-            <p:cNvSpPr/>
-            <p:nvPr/>
-          </p:nvSpPr>
-          <p:spPr>
-            <a:xfrm>
-              <a:off x="550455" y="646584"/>
+            <p:cNvPr id="194" name="pl194"/>
+            <p:cNvSpPr/>
+            <p:nvPr/>
+          </p:nvSpPr>
+          <p:spPr>
+            <a:xfrm>
+              <a:off x="2607308" y="634894"/>
               <a:ext cx="34794" cy="0"/>
             </a:xfrm>
             <a:custGeom>
@@ -9265,13 +10761,13 @@
         </p:sp>
         <p:sp>
           <p:nvSpPr>
-            <p:cNvPr id="160" name="pl160"/>
-            <p:cNvSpPr/>
-            <p:nvPr/>
-          </p:nvSpPr>
-          <p:spPr>
-            <a:xfrm>
-              <a:off x="550455" y="358585"/>
+            <p:cNvPr id="195" name="pl195"/>
+            <p:cNvSpPr/>
+            <p:nvPr/>
+          </p:nvSpPr>
+          <p:spPr>
+            <a:xfrm>
+              <a:off x="2607308" y="342475"/>
               <a:ext cx="34794" cy="0"/>
             </a:xfrm>
             <a:custGeom>
@@ -9305,21 +10801,21 @@
         </p:sp>
         <p:sp>
           <p:nvSpPr>
-            <p:cNvPr id="161" name="pl161"/>
-            <p:cNvSpPr/>
-            <p:nvPr/>
-          </p:nvSpPr>
-          <p:spPr>
-            <a:xfrm>
-              <a:off x="585250" y="2129516"/>
-              <a:ext cx="0" cy="1553579"/>
+            <p:cNvPr id="196" name="pl196"/>
+            <p:cNvSpPr/>
+            <p:nvPr/>
+          </p:nvSpPr>
+          <p:spPr>
+            <a:xfrm>
+              <a:off x="2642103" y="2305018"/>
+              <a:ext cx="0" cy="1559413"/>
             </a:xfrm>
             <a:custGeom>
               <a:avLst/>
               <a:pathLst>
-                <a:path w="0" h="1553579">
+                <a:path w="0" h="1559413">
                   <a:moveTo>
-                    <a:pt x="0" y="1553579"/>
+                    <a:pt x="0" y="1559413"/>
                   </a:moveTo>
                   <a:lnTo>
                     <a:pt x="0" y="0"/>
@@ -9345,13 +10841,569 @@
         </p:sp>
         <p:sp>
           <p:nvSpPr>
-            <p:cNvPr id="162" name="tx162"/>
-            <p:cNvSpPr/>
-            <p:nvPr/>
-          </p:nvSpPr>
-          <p:spPr>
-            <a:xfrm>
-              <a:off x="258539" y="3594584"/>
+            <p:cNvPr id="197" name="tx197"/>
+            <p:cNvSpPr/>
+            <p:nvPr/>
+          </p:nvSpPr>
+          <p:spPr>
+            <a:xfrm>
+              <a:off x="2416952" y="3748007"/>
+              <a:ext cx="162520" cy="85903"/>
+            </a:xfrm>
+            <a:prstGeom prst="rect">
+              <a:avLst/>
+            </a:prstGeom>
+            <a:noFill/>
+          </p:spPr>
+          <p:txBody>
+            <a:bodyPr lIns="0" rIns="0" tIns="0" bIns="0" anchorCtr="1" anchor="ctr" wrap="none"/>
+            <a:lstStyle/>
+            <a:p>
+              <a:pPr algn="l" marL="0" marR="0" indent="0">
+                <a:lnSpc>
+                  <a:spcPts val="960"/>
+                </a:lnSpc>
+                <a:spcBef>
+                  <a:spcPts val="0"/>
+                </a:spcBef>
+                <a:spcAft>
+                  <a:spcPts val="0"/>
+                </a:spcAft>
+              </a:pPr>
+              <a:r>
+                <a:rPr sz="960">
+                  <a:solidFill>
+                    <a:srgbClr val="4D4D4D">
+                      <a:alpha val="100000"/>
+                    </a:srgbClr>
+                  </a:solidFill>
+                  <a:latin typeface="Times New Roman"/>
+                  <a:cs typeface="Times New Roman"/>
+                </a:rPr>
+                <a:t>0%</a:t>
+              </a:r>
+            </a:p>
+          </p:txBody>
+        </p:sp>
+        <p:sp>
+          <p:nvSpPr>
+            <p:cNvPr id="198" name="tx198"/>
+            <p:cNvSpPr/>
+            <p:nvPr/>
+          </p:nvSpPr>
+          <p:spPr>
+            <a:xfrm>
+              <a:off x="2355992" y="3464478"/>
+              <a:ext cx="223480" cy="85903"/>
+            </a:xfrm>
+            <a:prstGeom prst="rect">
+              <a:avLst/>
+            </a:prstGeom>
+            <a:noFill/>
+          </p:spPr>
+          <p:txBody>
+            <a:bodyPr lIns="0" rIns="0" tIns="0" bIns="0" anchorCtr="1" anchor="ctr" wrap="none"/>
+            <a:lstStyle/>
+            <a:p>
+              <a:pPr algn="l" marL="0" marR="0" indent="0">
+                <a:lnSpc>
+                  <a:spcPts val="960"/>
+                </a:lnSpc>
+                <a:spcBef>
+                  <a:spcPts val="0"/>
+                </a:spcBef>
+                <a:spcAft>
+                  <a:spcPts val="0"/>
+                </a:spcAft>
+              </a:pPr>
+              <a:r>
+                <a:rPr sz="960">
+                  <a:solidFill>
+                    <a:srgbClr val="4D4D4D">
+                      <a:alpha val="100000"/>
+                    </a:srgbClr>
+                  </a:solidFill>
+                  <a:latin typeface="Times New Roman"/>
+                  <a:cs typeface="Times New Roman"/>
+                </a:rPr>
+                <a:t>20%</a:t>
+              </a:r>
+            </a:p>
+          </p:txBody>
+        </p:sp>
+        <p:sp>
+          <p:nvSpPr>
+            <p:cNvPr id="199" name="tx199"/>
+            <p:cNvSpPr/>
+            <p:nvPr/>
+          </p:nvSpPr>
+          <p:spPr>
+            <a:xfrm>
+              <a:off x="2355992" y="3180948"/>
+              <a:ext cx="223480" cy="85903"/>
+            </a:xfrm>
+            <a:prstGeom prst="rect">
+              <a:avLst/>
+            </a:prstGeom>
+            <a:noFill/>
+          </p:spPr>
+          <p:txBody>
+            <a:bodyPr lIns="0" rIns="0" tIns="0" bIns="0" anchorCtr="1" anchor="ctr" wrap="none"/>
+            <a:lstStyle/>
+            <a:p>
+              <a:pPr algn="l" marL="0" marR="0" indent="0">
+                <a:lnSpc>
+                  <a:spcPts val="960"/>
+                </a:lnSpc>
+                <a:spcBef>
+                  <a:spcPts val="0"/>
+                </a:spcBef>
+                <a:spcAft>
+                  <a:spcPts val="0"/>
+                </a:spcAft>
+              </a:pPr>
+              <a:r>
+                <a:rPr sz="960">
+                  <a:solidFill>
+                    <a:srgbClr val="4D4D4D">
+                      <a:alpha val="100000"/>
+                    </a:srgbClr>
+                  </a:solidFill>
+                  <a:latin typeface="Times New Roman"/>
+                  <a:cs typeface="Times New Roman"/>
+                </a:rPr>
+                <a:t>40%</a:t>
+              </a:r>
+            </a:p>
+          </p:txBody>
+        </p:sp>
+        <p:sp>
+          <p:nvSpPr>
+            <p:cNvPr id="200" name="tx200"/>
+            <p:cNvSpPr/>
+            <p:nvPr/>
+          </p:nvSpPr>
+          <p:spPr>
+            <a:xfrm>
+              <a:off x="2355992" y="2897418"/>
+              <a:ext cx="223480" cy="85903"/>
+            </a:xfrm>
+            <a:prstGeom prst="rect">
+              <a:avLst/>
+            </a:prstGeom>
+            <a:noFill/>
+          </p:spPr>
+          <p:txBody>
+            <a:bodyPr lIns="0" rIns="0" tIns="0" bIns="0" anchorCtr="1" anchor="ctr" wrap="none"/>
+            <a:lstStyle/>
+            <a:p>
+              <a:pPr algn="l" marL="0" marR="0" indent="0">
+                <a:lnSpc>
+                  <a:spcPts val="960"/>
+                </a:lnSpc>
+                <a:spcBef>
+                  <a:spcPts val="0"/>
+                </a:spcBef>
+                <a:spcAft>
+                  <a:spcPts val="0"/>
+                </a:spcAft>
+              </a:pPr>
+              <a:r>
+                <a:rPr sz="960">
+                  <a:solidFill>
+                    <a:srgbClr val="4D4D4D">
+                      <a:alpha val="100000"/>
+                    </a:srgbClr>
+                  </a:solidFill>
+                  <a:latin typeface="Times New Roman"/>
+                  <a:cs typeface="Times New Roman"/>
+                </a:rPr>
+                <a:t>60%</a:t>
+              </a:r>
+            </a:p>
+          </p:txBody>
+        </p:sp>
+        <p:sp>
+          <p:nvSpPr>
+            <p:cNvPr id="201" name="tx201"/>
+            <p:cNvSpPr/>
+            <p:nvPr/>
+          </p:nvSpPr>
+          <p:spPr>
+            <a:xfrm>
+              <a:off x="2355992" y="2613888"/>
+              <a:ext cx="223480" cy="85903"/>
+            </a:xfrm>
+            <a:prstGeom prst="rect">
+              <a:avLst/>
+            </a:prstGeom>
+            <a:noFill/>
+          </p:spPr>
+          <p:txBody>
+            <a:bodyPr lIns="0" rIns="0" tIns="0" bIns="0" anchorCtr="1" anchor="ctr" wrap="none"/>
+            <a:lstStyle/>
+            <a:p>
+              <a:pPr algn="l" marL="0" marR="0" indent="0">
+                <a:lnSpc>
+                  <a:spcPts val="960"/>
+                </a:lnSpc>
+                <a:spcBef>
+                  <a:spcPts val="0"/>
+                </a:spcBef>
+                <a:spcAft>
+                  <a:spcPts val="0"/>
+                </a:spcAft>
+              </a:pPr>
+              <a:r>
+                <a:rPr sz="960">
+                  <a:solidFill>
+                    <a:srgbClr val="4D4D4D">
+                      <a:alpha val="100000"/>
+                    </a:srgbClr>
+                  </a:solidFill>
+                  <a:latin typeface="Times New Roman"/>
+                  <a:cs typeface="Times New Roman"/>
+                </a:rPr>
+                <a:t>80%</a:t>
+              </a:r>
+            </a:p>
+          </p:txBody>
+        </p:sp>
+        <p:sp>
+          <p:nvSpPr>
+            <p:cNvPr id="202" name="tx202"/>
+            <p:cNvSpPr/>
+            <p:nvPr/>
+          </p:nvSpPr>
+          <p:spPr>
+            <a:xfrm>
+              <a:off x="2295032" y="2330359"/>
+              <a:ext cx="284440" cy="85903"/>
+            </a:xfrm>
+            <a:prstGeom prst="rect">
+              <a:avLst/>
+            </a:prstGeom>
+            <a:noFill/>
+          </p:spPr>
+          <p:txBody>
+            <a:bodyPr lIns="0" rIns="0" tIns="0" bIns="0" anchorCtr="1" anchor="ctr" wrap="none"/>
+            <a:lstStyle/>
+            <a:p>
+              <a:pPr algn="l" marL="0" marR="0" indent="0">
+                <a:lnSpc>
+                  <a:spcPts val="960"/>
+                </a:lnSpc>
+                <a:spcBef>
+                  <a:spcPts val="0"/>
+                </a:spcBef>
+                <a:spcAft>
+                  <a:spcPts val="0"/>
+                </a:spcAft>
+              </a:pPr>
+              <a:r>
+                <a:rPr sz="960">
+                  <a:solidFill>
+                    <a:srgbClr val="4D4D4D">
+                      <a:alpha val="100000"/>
+                    </a:srgbClr>
+                  </a:solidFill>
+                  <a:latin typeface="Times New Roman"/>
+                  <a:cs typeface="Times New Roman"/>
+                </a:rPr>
+                <a:t>100%</a:t>
+              </a:r>
+            </a:p>
+          </p:txBody>
+        </p:sp>
+        <p:sp>
+          <p:nvSpPr>
+            <p:cNvPr id="203" name="pl203"/>
+            <p:cNvSpPr/>
+            <p:nvPr/>
+          </p:nvSpPr>
+          <p:spPr>
+            <a:xfrm>
+              <a:off x="2607308" y="3793549"/>
+              <a:ext cx="34794" cy="0"/>
+            </a:xfrm>
+            <a:custGeom>
+              <a:avLst/>
+              <a:pathLst>
+                <a:path w="34794" h="0">
+                  <a:moveTo>
+                    <a:pt x="0" y="0"/>
+                  </a:moveTo>
+                  <a:lnTo>
+                    <a:pt x="34794" y="0"/>
+                  </a:lnTo>
+                </a:path>
+              </a:pathLst>
+            </a:custGeom>
+            <a:ln w="13550" cap="flat">
+              <a:solidFill>
+                <a:srgbClr val="333333">
+                  <a:alpha val="100000"/>
+                </a:srgbClr>
+              </a:solidFill>
+              <a:prstDash val="solid"/>
+              <a:round/>
+            </a:ln>
+          </p:spPr>
+          <p:txBody>
+            <a:bodyPr/>
+            <a:lstStyle/>
+            <a:p/>
+          </p:txBody>
+        </p:sp>
+        <p:sp>
+          <p:nvSpPr>
+            <p:cNvPr id="204" name="pl204"/>
+            <p:cNvSpPr/>
+            <p:nvPr/>
+          </p:nvSpPr>
+          <p:spPr>
+            <a:xfrm>
+              <a:off x="2607308" y="3510019"/>
+              <a:ext cx="34794" cy="0"/>
+            </a:xfrm>
+            <a:custGeom>
+              <a:avLst/>
+              <a:pathLst>
+                <a:path w="34794" h="0">
+                  <a:moveTo>
+                    <a:pt x="0" y="0"/>
+                  </a:moveTo>
+                  <a:lnTo>
+                    <a:pt x="34794" y="0"/>
+                  </a:lnTo>
+                </a:path>
+              </a:pathLst>
+            </a:custGeom>
+            <a:ln w="13550" cap="flat">
+              <a:solidFill>
+                <a:srgbClr val="333333">
+                  <a:alpha val="100000"/>
+                </a:srgbClr>
+              </a:solidFill>
+              <a:prstDash val="solid"/>
+              <a:round/>
+            </a:ln>
+          </p:spPr>
+          <p:txBody>
+            <a:bodyPr/>
+            <a:lstStyle/>
+            <a:p/>
+          </p:txBody>
+        </p:sp>
+        <p:sp>
+          <p:nvSpPr>
+            <p:cNvPr id="205" name="pl205"/>
+            <p:cNvSpPr/>
+            <p:nvPr/>
+          </p:nvSpPr>
+          <p:spPr>
+            <a:xfrm>
+              <a:off x="2607308" y="3226489"/>
+              <a:ext cx="34794" cy="0"/>
+            </a:xfrm>
+            <a:custGeom>
+              <a:avLst/>
+              <a:pathLst>
+                <a:path w="34794" h="0">
+                  <a:moveTo>
+                    <a:pt x="0" y="0"/>
+                  </a:moveTo>
+                  <a:lnTo>
+                    <a:pt x="34794" y="0"/>
+                  </a:lnTo>
+                </a:path>
+              </a:pathLst>
+            </a:custGeom>
+            <a:ln w="13550" cap="flat">
+              <a:solidFill>
+                <a:srgbClr val="333333">
+                  <a:alpha val="100000"/>
+                </a:srgbClr>
+              </a:solidFill>
+              <a:prstDash val="solid"/>
+              <a:round/>
+            </a:ln>
+          </p:spPr>
+          <p:txBody>
+            <a:bodyPr/>
+            <a:lstStyle/>
+            <a:p/>
+          </p:txBody>
+        </p:sp>
+        <p:sp>
+          <p:nvSpPr>
+            <p:cNvPr id="206" name="pl206"/>
+            <p:cNvSpPr/>
+            <p:nvPr/>
+          </p:nvSpPr>
+          <p:spPr>
+            <a:xfrm>
+              <a:off x="2607308" y="2942960"/>
+              <a:ext cx="34794" cy="0"/>
+            </a:xfrm>
+            <a:custGeom>
+              <a:avLst/>
+              <a:pathLst>
+                <a:path w="34794" h="0">
+                  <a:moveTo>
+                    <a:pt x="0" y="0"/>
+                  </a:moveTo>
+                  <a:lnTo>
+                    <a:pt x="34794" y="0"/>
+                  </a:lnTo>
+                </a:path>
+              </a:pathLst>
+            </a:custGeom>
+            <a:ln w="13550" cap="flat">
+              <a:solidFill>
+                <a:srgbClr val="333333">
+                  <a:alpha val="100000"/>
+                </a:srgbClr>
+              </a:solidFill>
+              <a:prstDash val="solid"/>
+              <a:round/>
+            </a:ln>
+          </p:spPr>
+          <p:txBody>
+            <a:bodyPr/>
+            <a:lstStyle/>
+            <a:p/>
+          </p:txBody>
+        </p:sp>
+        <p:sp>
+          <p:nvSpPr>
+            <p:cNvPr id="207" name="pl207"/>
+            <p:cNvSpPr/>
+            <p:nvPr/>
+          </p:nvSpPr>
+          <p:spPr>
+            <a:xfrm>
+              <a:off x="2607308" y="2659430"/>
+              <a:ext cx="34794" cy="0"/>
+            </a:xfrm>
+            <a:custGeom>
+              <a:avLst/>
+              <a:pathLst>
+                <a:path w="34794" h="0">
+                  <a:moveTo>
+                    <a:pt x="0" y="0"/>
+                  </a:moveTo>
+                  <a:lnTo>
+                    <a:pt x="34794" y="0"/>
+                  </a:lnTo>
+                </a:path>
+              </a:pathLst>
+            </a:custGeom>
+            <a:ln w="13550" cap="flat">
+              <a:solidFill>
+                <a:srgbClr val="333333">
+                  <a:alpha val="100000"/>
+                </a:srgbClr>
+              </a:solidFill>
+              <a:prstDash val="solid"/>
+              <a:round/>
+            </a:ln>
+          </p:spPr>
+          <p:txBody>
+            <a:bodyPr/>
+            <a:lstStyle/>
+            <a:p/>
+          </p:txBody>
+        </p:sp>
+        <p:sp>
+          <p:nvSpPr>
+            <p:cNvPr id="208" name="pl208"/>
+            <p:cNvSpPr/>
+            <p:nvPr/>
+          </p:nvSpPr>
+          <p:spPr>
+            <a:xfrm>
+              <a:off x="2607308" y="2375900"/>
+              <a:ext cx="34794" cy="0"/>
+            </a:xfrm>
+            <a:custGeom>
+              <a:avLst/>
+              <a:pathLst>
+                <a:path w="34794" h="0">
+                  <a:moveTo>
+                    <a:pt x="0" y="0"/>
+                  </a:moveTo>
+                  <a:lnTo>
+                    <a:pt x="34794" y="0"/>
+                  </a:lnTo>
+                </a:path>
+              </a:pathLst>
+            </a:custGeom>
+            <a:ln w="13550" cap="flat">
+              <a:solidFill>
+                <a:srgbClr val="333333">
+                  <a:alpha val="100000"/>
+                </a:srgbClr>
+              </a:solidFill>
+              <a:prstDash val="solid"/>
+              <a:round/>
+            </a:ln>
+          </p:spPr>
+          <p:txBody>
+            <a:bodyPr/>
+            <a:lstStyle/>
+            <a:p/>
+          </p:txBody>
+        </p:sp>
+        <p:sp>
+          <p:nvSpPr>
+            <p:cNvPr id="209" name="pl209"/>
+            <p:cNvSpPr/>
+            <p:nvPr/>
+          </p:nvSpPr>
+          <p:spPr>
+            <a:xfrm>
+              <a:off x="585250" y="287968"/>
+              <a:ext cx="0" cy="1559413"/>
+            </a:xfrm>
+            <a:custGeom>
+              <a:avLst/>
+              <a:pathLst>
+                <a:path w="0" h="1559413">
+                  <a:moveTo>
+                    <a:pt x="0" y="1559413"/>
+                  </a:moveTo>
+                  <a:lnTo>
+                    <a:pt x="0" y="0"/>
+                  </a:lnTo>
+                </a:path>
+              </a:pathLst>
+            </a:custGeom>
+            <a:ln w="13550" cap="flat">
+              <a:solidFill>
+                <a:srgbClr val="000000">
+                  <a:alpha val="100000"/>
+                </a:srgbClr>
+              </a:solidFill>
+              <a:prstDash val="solid"/>
+              <a:round/>
+            </a:ln>
+          </p:spPr>
+          <p:txBody>
+            <a:bodyPr/>
+            <a:lstStyle/>
+            <a:p/>
+          </p:txBody>
+        </p:sp>
+        <p:sp>
+          <p:nvSpPr>
+            <p:cNvPr id="210" name="tx210"/>
+            <p:cNvSpPr/>
+            <p:nvPr/>
+          </p:nvSpPr>
+          <p:spPr>
+            <a:xfrm>
+              <a:off x="258539" y="1785896"/>
               <a:ext cx="264080" cy="85903"/>
             </a:xfrm>
             <a:prstGeom prst="rect">
@@ -9391,13 +11443,13 @@
         </p:sp>
         <p:sp>
           <p:nvSpPr>
-            <p:cNvPr id="163" name="tx163"/>
-            <p:cNvSpPr/>
-            <p:nvPr/>
-          </p:nvSpPr>
-          <p:spPr>
-            <a:xfrm>
-              <a:off x="360100" y="3306586"/>
+            <p:cNvPr id="211" name="tx211"/>
+            <p:cNvSpPr/>
+            <p:nvPr/>
+          </p:nvSpPr>
+          <p:spPr>
+            <a:xfrm>
+              <a:off x="360100" y="1487318"/>
               <a:ext cx="162520" cy="85903"/>
             </a:xfrm>
             <a:prstGeom prst="rect">
@@ -9437,13 +11489,13 @@
         </p:sp>
         <p:sp>
           <p:nvSpPr>
-            <p:cNvPr id="164" name="tx164"/>
-            <p:cNvSpPr/>
-            <p:nvPr/>
-          </p:nvSpPr>
-          <p:spPr>
-            <a:xfrm>
-              <a:off x="299140" y="3018587"/>
+            <p:cNvPr id="212" name="tx212"/>
+            <p:cNvSpPr/>
+            <p:nvPr/>
+          </p:nvSpPr>
+          <p:spPr>
+            <a:xfrm>
+              <a:off x="299140" y="1188740"/>
               <a:ext cx="223480" cy="85903"/>
             </a:xfrm>
             <a:prstGeom prst="rect">
@@ -9483,13 +11535,13 @@
         </p:sp>
         <p:sp>
           <p:nvSpPr>
-            <p:cNvPr id="165" name="tx165"/>
-            <p:cNvSpPr/>
-            <p:nvPr/>
-          </p:nvSpPr>
-          <p:spPr>
-            <a:xfrm>
-              <a:off x="299140" y="2730589"/>
+            <p:cNvPr id="213" name="tx213"/>
+            <p:cNvSpPr/>
+            <p:nvPr/>
+          </p:nvSpPr>
+          <p:spPr>
+            <a:xfrm>
+              <a:off x="299140" y="890162"/>
               <a:ext cx="223480" cy="85903"/>
             </a:xfrm>
             <a:prstGeom prst="rect">
@@ -9529,13 +11581,13 @@
         </p:sp>
         <p:sp>
           <p:nvSpPr>
-            <p:cNvPr id="166" name="tx166"/>
-            <p:cNvSpPr/>
-            <p:nvPr/>
-          </p:nvSpPr>
-          <p:spPr>
-            <a:xfrm>
-              <a:off x="299140" y="2442590"/>
+            <p:cNvPr id="214" name="tx214"/>
+            <p:cNvSpPr/>
+            <p:nvPr/>
+          </p:nvSpPr>
+          <p:spPr>
+            <a:xfrm>
+              <a:off x="299140" y="591584"/>
               <a:ext cx="223480" cy="85903"/>
             </a:xfrm>
             <a:prstGeom prst="rect">
@@ -9575,13 +11627,13 @@
         </p:sp>
         <p:sp>
           <p:nvSpPr>
-            <p:cNvPr id="167" name="tx167"/>
-            <p:cNvSpPr/>
-            <p:nvPr/>
-          </p:nvSpPr>
-          <p:spPr>
-            <a:xfrm>
-              <a:off x="238180" y="2154592"/>
+            <p:cNvPr id="215" name="tx215"/>
+            <p:cNvSpPr/>
+            <p:nvPr/>
+          </p:nvSpPr>
+          <p:spPr>
+            <a:xfrm>
+              <a:off x="238180" y="293006"/>
               <a:ext cx="284440" cy="85903"/>
             </a:xfrm>
             <a:prstGeom prst="rect">
@@ -9621,13 +11673,13 @@
         </p:sp>
         <p:sp>
           <p:nvSpPr>
-            <p:cNvPr id="168" name="pl168"/>
-            <p:cNvSpPr/>
-            <p:nvPr/>
-          </p:nvSpPr>
-          <p:spPr>
-            <a:xfrm>
-              <a:off x="550455" y="3640126"/>
+            <p:cNvPr id="216" name="pl216"/>
+            <p:cNvSpPr/>
+            <p:nvPr/>
+          </p:nvSpPr>
+          <p:spPr>
+            <a:xfrm>
+              <a:off x="550455" y="1831438"/>
               <a:ext cx="34794" cy="0"/>
             </a:xfrm>
             <a:custGeom>
@@ -9661,13 +11713,13 @@
         </p:sp>
         <p:sp>
           <p:nvSpPr>
-            <p:cNvPr id="169" name="pl169"/>
-            <p:cNvSpPr/>
-            <p:nvPr/>
-          </p:nvSpPr>
-          <p:spPr>
-            <a:xfrm>
-              <a:off x="550455" y="3352127"/>
+            <p:cNvPr id="217" name="pl217"/>
+            <p:cNvSpPr/>
+            <p:nvPr/>
+          </p:nvSpPr>
+          <p:spPr>
+            <a:xfrm>
+              <a:off x="550455" y="1532860"/>
               <a:ext cx="34794" cy="0"/>
             </a:xfrm>
             <a:custGeom>
@@ -9701,13 +11753,13 @@
         </p:sp>
         <p:sp>
           <p:nvSpPr>
-            <p:cNvPr id="170" name="pl170"/>
-            <p:cNvSpPr/>
-            <p:nvPr/>
-          </p:nvSpPr>
-          <p:spPr>
-            <a:xfrm>
-              <a:off x="550455" y="3064129"/>
+            <p:cNvPr id="218" name="pl218"/>
+            <p:cNvSpPr/>
+            <p:nvPr/>
+          </p:nvSpPr>
+          <p:spPr>
+            <a:xfrm>
+              <a:off x="550455" y="1234281"/>
               <a:ext cx="34794" cy="0"/>
             </a:xfrm>
             <a:custGeom>
@@ -9741,13 +11793,13 @@
         </p:sp>
         <p:sp>
           <p:nvSpPr>
-            <p:cNvPr id="171" name="pl171"/>
-            <p:cNvSpPr/>
-            <p:nvPr/>
-          </p:nvSpPr>
-          <p:spPr>
-            <a:xfrm>
-              <a:off x="550455" y="2776130"/>
+            <p:cNvPr id="219" name="pl219"/>
+            <p:cNvSpPr/>
+            <p:nvPr/>
+          </p:nvSpPr>
+          <p:spPr>
+            <a:xfrm>
+              <a:off x="550455" y="935703"/>
               <a:ext cx="34794" cy="0"/>
             </a:xfrm>
             <a:custGeom>
@@ -9781,13 +11833,13 @@
         </p:sp>
         <p:sp>
           <p:nvSpPr>
-            <p:cNvPr id="172" name="pl172"/>
-            <p:cNvSpPr/>
-            <p:nvPr/>
-          </p:nvSpPr>
-          <p:spPr>
-            <a:xfrm>
-              <a:off x="550455" y="2488132"/>
+            <p:cNvPr id="220" name="pl220"/>
+            <p:cNvSpPr/>
+            <p:nvPr/>
+          </p:nvSpPr>
+          <p:spPr>
+            <a:xfrm>
+              <a:off x="550455" y="637125"/>
               <a:ext cx="34794" cy="0"/>
             </a:xfrm>
             <a:custGeom>
@@ -9821,13 +11873,13 @@
         </p:sp>
         <p:sp>
           <p:nvSpPr>
-            <p:cNvPr id="173" name="pl173"/>
-            <p:cNvSpPr/>
-            <p:nvPr/>
-          </p:nvSpPr>
-          <p:spPr>
-            <a:xfrm>
-              <a:off x="550455" y="2200133"/>
+            <p:cNvPr id="221" name="pl221"/>
+            <p:cNvSpPr/>
+            <p:nvPr/>
+          </p:nvSpPr>
+          <p:spPr>
+            <a:xfrm>
+              <a:off x="550455" y="338547"/>
               <a:ext cx="34794" cy="0"/>
             </a:xfrm>
             <a:custGeom>
@@ -9861,13 +11913,569 @@
         </p:sp>
         <p:sp>
           <p:nvSpPr>
-            <p:cNvPr id="174" name="tx174"/>
+            <p:cNvPr id="222" name="pl222"/>
+            <p:cNvSpPr/>
+            <p:nvPr/>
+          </p:nvSpPr>
+          <p:spPr>
+            <a:xfrm>
+              <a:off x="585250" y="2305018"/>
+              <a:ext cx="0" cy="1559413"/>
+            </a:xfrm>
+            <a:custGeom>
+              <a:avLst/>
+              <a:pathLst>
+                <a:path w="0" h="1559413">
+                  <a:moveTo>
+                    <a:pt x="0" y="1559413"/>
+                  </a:moveTo>
+                  <a:lnTo>
+                    <a:pt x="0" y="0"/>
+                  </a:lnTo>
+                </a:path>
+              </a:pathLst>
+            </a:custGeom>
+            <a:ln w="13550" cap="flat">
+              <a:solidFill>
+                <a:srgbClr val="000000">
+                  <a:alpha val="100000"/>
+                </a:srgbClr>
+              </a:solidFill>
+              <a:prstDash val="solid"/>
+              <a:round/>
+            </a:ln>
+          </p:spPr>
+          <p:txBody>
+            <a:bodyPr/>
+            <a:lstStyle/>
+            <a:p/>
+          </p:txBody>
+        </p:sp>
+        <p:sp>
+          <p:nvSpPr>
+            <p:cNvPr id="223" name="tx223"/>
+            <p:cNvSpPr/>
+            <p:nvPr/>
+          </p:nvSpPr>
+          <p:spPr>
+            <a:xfrm>
+              <a:off x="360100" y="3748007"/>
+              <a:ext cx="162520" cy="85903"/>
+            </a:xfrm>
+            <a:prstGeom prst="rect">
+              <a:avLst/>
+            </a:prstGeom>
+            <a:noFill/>
+          </p:spPr>
+          <p:txBody>
+            <a:bodyPr lIns="0" rIns="0" tIns="0" bIns="0" anchorCtr="1" anchor="ctr" wrap="none"/>
+            <a:lstStyle/>
+            <a:p>
+              <a:pPr algn="l" marL="0" marR="0" indent="0">
+                <a:lnSpc>
+                  <a:spcPts val="960"/>
+                </a:lnSpc>
+                <a:spcBef>
+                  <a:spcPts val="0"/>
+                </a:spcBef>
+                <a:spcAft>
+                  <a:spcPts val="0"/>
+                </a:spcAft>
+              </a:pPr>
+              <a:r>
+                <a:rPr sz="960">
+                  <a:solidFill>
+                    <a:srgbClr val="4D4D4D">
+                      <a:alpha val="100000"/>
+                    </a:srgbClr>
+                  </a:solidFill>
+                  <a:latin typeface="Times New Roman"/>
+                  <a:cs typeface="Times New Roman"/>
+                </a:rPr>
+                <a:t>0%</a:t>
+              </a:r>
+            </a:p>
+          </p:txBody>
+        </p:sp>
+        <p:sp>
+          <p:nvSpPr>
+            <p:cNvPr id="224" name="tx224"/>
+            <p:cNvSpPr/>
+            <p:nvPr/>
+          </p:nvSpPr>
+          <p:spPr>
+            <a:xfrm>
+              <a:off x="299140" y="3464478"/>
+              <a:ext cx="223480" cy="85903"/>
+            </a:xfrm>
+            <a:prstGeom prst="rect">
+              <a:avLst/>
+            </a:prstGeom>
+            <a:noFill/>
+          </p:spPr>
+          <p:txBody>
+            <a:bodyPr lIns="0" rIns="0" tIns="0" bIns="0" anchorCtr="1" anchor="ctr" wrap="none"/>
+            <a:lstStyle/>
+            <a:p>
+              <a:pPr algn="l" marL="0" marR="0" indent="0">
+                <a:lnSpc>
+                  <a:spcPts val="960"/>
+                </a:lnSpc>
+                <a:spcBef>
+                  <a:spcPts val="0"/>
+                </a:spcBef>
+                <a:spcAft>
+                  <a:spcPts val="0"/>
+                </a:spcAft>
+              </a:pPr>
+              <a:r>
+                <a:rPr sz="960">
+                  <a:solidFill>
+                    <a:srgbClr val="4D4D4D">
+                      <a:alpha val="100000"/>
+                    </a:srgbClr>
+                  </a:solidFill>
+                  <a:latin typeface="Times New Roman"/>
+                  <a:cs typeface="Times New Roman"/>
+                </a:rPr>
+                <a:t>20%</a:t>
+              </a:r>
+            </a:p>
+          </p:txBody>
+        </p:sp>
+        <p:sp>
+          <p:nvSpPr>
+            <p:cNvPr id="225" name="tx225"/>
+            <p:cNvSpPr/>
+            <p:nvPr/>
+          </p:nvSpPr>
+          <p:spPr>
+            <a:xfrm>
+              <a:off x="299140" y="3180948"/>
+              <a:ext cx="223480" cy="85903"/>
+            </a:xfrm>
+            <a:prstGeom prst="rect">
+              <a:avLst/>
+            </a:prstGeom>
+            <a:noFill/>
+          </p:spPr>
+          <p:txBody>
+            <a:bodyPr lIns="0" rIns="0" tIns="0" bIns="0" anchorCtr="1" anchor="ctr" wrap="none"/>
+            <a:lstStyle/>
+            <a:p>
+              <a:pPr algn="l" marL="0" marR="0" indent="0">
+                <a:lnSpc>
+                  <a:spcPts val="960"/>
+                </a:lnSpc>
+                <a:spcBef>
+                  <a:spcPts val="0"/>
+                </a:spcBef>
+                <a:spcAft>
+                  <a:spcPts val="0"/>
+                </a:spcAft>
+              </a:pPr>
+              <a:r>
+                <a:rPr sz="960">
+                  <a:solidFill>
+                    <a:srgbClr val="4D4D4D">
+                      <a:alpha val="100000"/>
+                    </a:srgbClr>
+                  </a:solidFill>
+                  <a:latin typeface="Times New Roman"/>
+                  <a:cs typeface="Times New Roman"/>
+                </a:rPr>
+                <a:t>40%</a:t>
+              </a:r>
+            </a:p>
+          </p:txBody>
+        </p:sp>
+        <p:sp>
+          <p:nvSpPr>
+            <p:cNvPr id="226" name="tx226"/>
+            <p:cNvSpPr/>
+            <p:nvPr/>
+          </p:nvSpPr>
+          <p:spPr>
+            <a:xfrm>
+              <a:off x="299140" y="2897418"/>
+              <a:ext cx="223480" cy="85903"/>
+            </a:xfrm>
+            <a:prstGeom prst="rect">
+              <a:avLst/>
+            </a:prstGeom>
+            <a:noFill/>
+          </p:spPr>
+          <p:txBody>
+            <a:bodyPr lIns="0" rIns="0" tIns="0" bIns="0" anchorCtr="1" anchor="ctr" wrap="none"/>
+            <a:lstStyle/>
+            <a:p>
+              <a:pPr algn="l" marL="0" marR="0" indent="0">
+                <a:lnSpc>
+                  <a:spcPts val="960"/>
+                </a:lnSpc>
+                <a:spcBef>
+                  <a:spcPts val="0"/>
+                </a:spcBef>
+                <a:spcAft>
+                  <a:spcPts val="0"/>
+                </a:spcAft>
+              </a:pPr>
+              <a:r>
+                <a:rPr sz="960">
+                  <a:solidFill>
+                    <a:srgbClr val="4D4D4D">
+                      <a:alpha val="100000"/>
+                    </a:srgbClr>
+                  </a:solidFill>
+                  <a:latin typeface="Times New Roman"/>
+                  <a:cs typeface="Times New Roman"/>
+                </a:rPr>
+                <a:t>60%</a:t>
+              </a:r>
+            </a:p>
+          </p:txBody>
+        </p:sp>
+        <p:sp>
+          <p:nvSpPr>
+            <p:cNvPr id="227" name="tx227"/>
+            <p:cNvSpPr/>
+            <p:nvPr/>
+          </p:nvSpPr>
+          <p:spPr>
+            <a:xfrm>
+              <a:off x="299140" y="2613888"/>
+              <a:ext cx="223480" cy="85903"/>
+            </a:xfrm>
+            <a:prstGeom prst="rect">
+              <a:avLst/>
+            </a:prstGeom>
+            <a:noFill/>
+          </p:spPr>
+          <p:txBody>
+            <a:bodyPr lIns="0" rIns="0" tIns="0" bIns="0" anchorCtr="1" anchor="ctr" wrap="none"/>
+            <a:lstStyle/>
+            <a:p>
+              <a:pPr algn="l" marL="0" marR="0" indent="0">
+                <a:lnSpc>
+                  <a:spcPts val="960"/>
+                </a:lnSpc>
+                <a:spcBef>
+                  <a:spcPts val="0"/>
+                </a:spcBef>
+                <a:spcAft>
+                  <a:spcPts val="0"/>
+                </a:spcAft>
+              </a:pPr>
+              <a:r>
+                <a:rPr sz="960">
+                  <a:solidFill>
+                    <a:srgbClr val="4D4D4D">
+                      <a:alpha val="100000"/>
+                    </a:srgbClr>
+                  </a:solidFill>
+                  <a:latin typeface="Times New Roman"/>
+                  <a:cs typeface="Times New Roman"/>
+                </a:rPr>
+                <a:t>80%</a:t>
+              </a:r>
+            </a:p>
+          </p:txBody>
+        </p:sp>
+        <p:sp>
+          <p:nvSpPr>
+            <p:cNvPr id="228" name="tx228"/>
+            <p:cNvSpPr/>
+            <p:nvPr/>
+          </p:nvSpPr>
+          <p:spPr>
+            <a:xfrm>
+              <a:off x="238180" y="2330359"/>
+              <a:ext cx="284440" cy="85903"/>
+            </a:xfrm>
+            <a:prstGeom prst="rect">
+              <a:avLst/>
+            </a:prstGeom>
+            <a:noFill/>
+          </p:spPr>
+          <p:txBody>
+            <a:bodyPr lIns="0" rIns="0" tIns="0" bIns="0" anchorCtr="1" anchor="ctr" wrap="none"/>
+            <a:lstStyle/>
+            <a:p>
+              <a:pPr algn="l" marL="0" marR="0" indent="0">
+                <a:lnSpc>
+                  <a:spcPts val="960"/>
+                </a:lnSpc>
+                <a:spcBef>
+                  <a:spcPts val="0"/>
+                </a:spcBef>
+                <a:spcAft>
+                  <a:spcPts val="0"/>
+                </a:spcAft>
+              </a:pPr>
+              <a:r>
+                <a:rPr sz="960">
+                  <a:solidFill>
+                    <a:srgbClr val="4D4D4D">
+                      <a:alpha val="100000"/>
+                    </a:srgbClr>
+                  </a:solidFill>
+                  <a:latin typeface="Times New Roman"/>
+                  <a:cs typeface="Times New Roman"/>
+                </a:rPr>
+                <a:t>100%</a:t>
+              </a:r>
+            </a:p>
+          </p:txBody>
+        </p:sp>
+        <p:sp>
+          <p:nvSpPr>
+            <p:cNvPr id="229" name="pl229"/>
+            <p:cNvSpPr/>
+            <p:nvPr/>
+          </p:nvSpPr>
+          <p:spPr>
+            <a:xfrm>
+              <a:off x="550455" y="3793549"/>
+              <a:ext cx="34794" cy="0"/>
+            </a:xfrm>
+            <a:custGeom>
+              <a:avLst/>
+              <a:pathLst>
+                <a:path w="34794" h="0">
+                  <a:moveTo>
+                    <a:pt x="0" y="0"/>
+                  </a:moveTo>
+                  <a:lnTo>
+                    <a:pt x="34794" y="0"/>
+                  </a:lnTo>
+                </a:path>
+              </a:pathLst>
+            </a:custGeom>
+            <a:ln w="13550" cap="flat">
+              <a:solidFill>
+                <a:srgbClr val="333333">
+                  <a:alpha val="100000"/>
+                </a:srgbClr>
+              </a:solidFill>
+              <a:prstDash val="solid"/>
+              <a:round/>
+            </a:ln>
+          </p:spPr>
+          <p:txBody>
+            <a:bodyPr/>
+            <a:lstStyle/>
+            <a:p/>
+          </p:txBody>
+        </p:sp>
+        <p:sp>
+          <p:nvSpPr>
+            <p:cNvPr id="230" name="pl230"/>
+            <p:cNvSpPr/>
+            <p:nvPr/>
+          </p:nvSpPr>
+          <p:spPr>
+            <a:xfrm>
+              <a:off x="550455" y="3510019"/>
+              <a:ext cx="34794" cy="0"/>
+            </a:xfrm>
+            <a:custGeom>
+              <a:avLst/>
+              <a:pathLst>
+                <a:path w="34794" h="0">
+                  <a:moveTo>
+                    <a:pt x="0" y="0"/>
+                  </a:moveTo>
+                  <a:lnTo>
+                    <a:pt x="34794" y="0"/>
+                  </a:lnTo>
+                </a:path>
+              </a:pathLst>
+            </a:custGeom>
+            <a:ln w="13550" cap="flat">
+              <a:solidFill>
+                <a:srgbClr val="333333">
+                  <a:alpha val="100000"/>
+                </a:srgbClr>
+              </a:solidFill>
+              <a:prstDash val="solid"/>
+              <a:round/>
+            </a:ln>
+          </p:spPr>
+          <p:txBody>
+            <a:bodyPr/>
+            <a:lstStyle/>
+            <a:p/>
+          </p:txBody>
+        </p:sp>
+        <p:sp>
+          <p:nvSpPr>
+            <p:cNvPr id="231" name="pl231"/>
+            <p:cNvSpPr/>
+            <p:nvPr/>
+          </p:nvSpPr>
+          <p:spPr>
+            <a:xfrm>
+              <a:off x="550455" y="3226489"/>
+              <a:ext cx="34794" cy="0"/>
+            </a:xfrm>
+            <a:custGeom>
+              <a:avLst/>
+              <a:pathLst>
+                <a:path w="34794" h="0">
+                  <a:moveTo>
+                    <a:pt x="0" y="0"/>
+                  </a:moveTo>
+                  <a:lnTo>
+                    <a:pt x="34794" y="0"/>
+                  </a:lnTo>
+                </a:path>
+              </a:pathLst>
+            </a:custGeom>
+            <a:ln w="13550" cap="flat">
+              <a:solidFill>
+                <a:srgbClr val="333333">
+                  <a:alpha val="100000"/>
+                </a:srgbClr>
+              </a:solidFill>
+              <a:prstDash val="solid"/>
+              <a:round/>
+            </a:ln>
+          </p:spPr>
+          <p:txBody>
+            <a:bodyPr/>
+            <a:lstStyle/>
+            <a:p/>
+          </p:txBody>
+        </p:sp>
+        <p:sp>
+          <p:nvSpPr>
+            <p:cNvPr id="232" name="pl232"/>
+            <p:cNvSpPr/>
+            <p:nvPr/>
+          </p:nvSpPr>
+          <p:spPr>
+            <a:xfrm>
+              <a:off x="550455" y="2942960"/>
+              <a:ext cx="34794" cy="0"/>
+            </a:xfrm>
+            <a:custGeom>
+              <a:avLst/>
+              <a:pathLst>
+                <a:path w="34794" h="0">
+                  <a:moveTo>
+                    <a:pt x="0" y="0"/>
+                  </a:moveTo>
+                  <a:lnTo>
+                    <a:pt x="34794" y="0"/>
+                  </a:lnTo>
+                </a:path>
+              </a:pathLst>
+            </a:custGeom>
+            <a:ln w="13550" cap="flat">
+              <a:solidFill>
+                <a:srgbClr val="333333">
+                  <a:alpha val="100000"/>
+                </a:srgbClr>
+              </a:solidFill>
+              <a:prstDash val="solid"/>
+              <a:round/>
+            </a:ln>
+          </p:spPr>
+          <p:txBody>
+            <a:bodyPr/>
+            <a:lstStyle/>
+            <a:p/>
+          </p:txBody>
+        </p:sp>
+        <p:sp>
+          <p:nvSpPr>
+            <p:cNvPr id="233" name="pl233"/>
+            <p:cNvSpPr/>
+            <p:nvPr/>
+          </p:nvSpPr>
+          <p:spPr>
+            <a:xfrm>
+              <a:off x="550455" y="2659430"/>
+              <a:ext cx="34794" cy="0"/>
+            </a:xfrm>
+            <a:custGeom>
+              <a:avLst/>
+              <a:pathLst>
+                <a:path w="34794" h="0">
+                  <a:moveTo>
+                    <a:pt x="0" y="0"/>
+                  </a:moveTo>
+                  <a:lnTo>
+                    <a:pt x="34794" y="0"/>
+                  </a:lnTo>
+                </a:path>
+              </a:pathLst>
+            </a:custGeom>
+            <a:ln w="13550" cap="flat">
+              <a:solidFill>
+                <a:srgbClr val="333333">
+                  <a:alpha val="100000"/>
+                </a:srgbClr>
+              </a:solidFill>
+              <a:prstDash val="solid"/>
+              <a:round/>
+            </a:ln>
+          </p:spPr>
+          <p:txBody>
+            <a:bodyPr/>
+            <a:lstStyle/>
+            <a:p/>
+          </p:txBody>
+        </p:sp>
+        <p:sp>
+          <p:nvSpPr>
+            <p:cNvPr id="234" name="pl234"/>
+            <p:cNvSpPr/>
+            <p:nvPr/>
+          </p:nvSpPr>
+          <p:spPr>
+            <a:xfrm>
+              <a:off x="550455" y="2375900"/>
+              <a:ext cx="34794" cy="0"/>
+            </a:xfrm>
+            <a:custGeom>
+              <a:avLst/>
+              <a:pathLst>
+                <a:path w="34794" h="0">
+                  <a:moveTo>
+                    <a:pt x="0" y="0"/>
+                  </a:moveTo>
+                  <a:lnTo>
+                    <a:pt x="34794" y="0"/>
+                  </a:lnTo>
+                </a:path>
+              </a:pathLst>
+            </a:custGeom>
+            <a:ln w="13550" cap="flat">
+              <a:solidFill>
+                <a:srgbClr val="333333">
+                  <a:alpha val="100000"/>
+                </a:srgbClr>
+              </a:solidFill>
+              <a:prstDash val="solid"/>
+              <a:round/>
+            </a:ln>
+          </p:spPr>
+          <p:txBody>
+            <a:bodyPr/>
+            <a:lstStyle/>
+            <a:p/>
+          </p:txBody>
+        </p:sp>
+        <p:sp>
+          <p:nvSpPr>
+            <p:cNvPr id="235" name="tx235"/>
             <p:cNvSpPr/>
             <p:nvPr/>
           </p:nvSpPr>
           <p:spPr>
             <a:xfrm rot="-5400000">
-              <a:off x="-969528" y="1916327"/>
+              <a:off x="-969528" y="2006995"/>
               <a:ext cx="2141636" cy="138410"/>
             </a:xfrm>
             <a:prstGeom prst="rect">
